--- a/lectures/2025_GNET749_Lecture1.pptx
+++ b/lectures/2025_GNET749_Lecture1.pptx
@@ -5,37 +5,39 @@
     <p:sldMasterId id="2147483648" r:id="rId1"/>
   </p:sldMasterIdLst>
   <p:notesMasterIdLst>
-    <p:notesMasterId r:id="rId30"/>
+    <p:notesMasterId r:id="rId32"/>
   </p:notesMasterIdLst>
   <p:sldIdLst>
     <p:sldId id="257" r:id="rId2"/>
     <p:sldId id="258" r:id="rId3"/>
-    <p:sldId id="259" r:id="rId4"/>
-    <p:sldId id="260" r:id="rId5"/>
+    <p:sldId id="287" r:id="rId4"/>
+    <p:sldId id="288" r:id="rId5"/>
     <p:sldId id="261" r:id="rId6"/>
     <p:sldId id="262" r:id="rId7"/>
     <p:sldId id="263" r:id="rId8"/>
     <p:sldId id="264" r:id="rId9"/>
-    <p:sldId id="265" r:id="rId10"/>
-    <p:sldId id="266" r:id="rId11"/>
-    <p:sldId id="267" r:id="rId12"/>
-    <p:sldId id="268" r:id="rId13"/>
+    <p:sldId id="267" r:id="rId10"/>
+    <p:sldId id="268" r:id="rId11"/>
+    <p:sldId id="265" r:id="rId12"/>
+    <p:sldId id="266" r:id="rId13"/>
     <p:sldId id="285" r:id="rId14"/>
-    <p:sldId id="269" r:id="rId15"/>
-    <p:sldId id="270" r:id="rId16"/>
-    <p:sldId id="271" r:id="rId17"/>
-    <p:sldId id="272" r:id="rId18"/>
-    <p:sldId id="273" r:id="rId19"/>
-    <p:sldId id="286" r:id="rId20"/>
-    <p:sldId id="276" r:id="rId21"/>
-    <p:sldId id="277" r:id="rId22"/>
-    <p:sldId id="278" r:id="rId23"/>
-    <p:sldId id="279" r:id="rId24"/>
-    <p:sldId id="280" r:id="rId25"/>
-    <p:sldId id="281" r:id="rId26"/>
-    <p:sldId id="282" r:id="rId27"/>
-    <p:sldId id="283" r:id="rId28"/>
-    <p:sldId id="284" r:id="rId29"/>
+    <p:sldId id="289" r:id="rId15"/>
+    <p:sldId id="269" r:id="rId16"/>
+    <p:sldId id="270" r:id="rId17"/>
+    <p:sldId id="271" r:id="rId18"/>
+    <p:sldId id="272" r:id="rId19"/>
+    <p:sldId id="273" r:id="rId20"/>
+    <p:sldId id="290" r:id="rId21"/>
+    <p:sldId id="286" r:id="rId22"/>
+    <p:sldId id="276" r:id="rId23"/>
+    <p:sldId id="277" r:id="rId24"/>
+    <p:sldId id="278" r:id="rId25"/>
+    <p:sldId id="279" r:id="rId26"/>
+    <p:sldId id="280" r:id="rId27"/>
+    <p:sldId id="281" r:id="rId28"/>
+    <p:sldId id="282" r:id="rId29"/>
+    <p:sldId id="283" r:id="rId30"/>
+    <p:sldId id="284" r:id="rId31"/>
   </p:sldIdLst>
   <p:sldSz cx="12192000" cy="6858000"/>
   <p:notesSz cx="6858000" cy="9144000"/>
@@ -224,7 +226,7 @@
           <a:p>
             <a:fld id="{C5FEF040-B39B-4340-BEB8-C7DA9E0F0E03}" type="datetimeFigureOut">
               <a:rPr lang="en-US" smtClean="0"/>
-              <a:t>4/15/24</a:t>
+              <a:t>4/10/25</a:t>
             </a:fld>
             <a:endParaRPr lang="en-US"/>
           </a:p>
@@ -711,7 +713,7 @@
           <a:p>
             <a:fld id="{528A02B3-B8F4-4E4C-BF34-8FF9203166F1}" type="datetimeFigureOut">
               <a:rPr lang="en-US" smtClean="0"/>
-              <a:t>4/15/24</a:t>
+              <a:t>4/10/25</a:t>
             </a:fld>
             <a:endParaRPr lang="en-US"/>
           </a:p>
@@ -909,7 +911,7 @@
           <a:p>
             <a:fld id="{528A02B3-B8F4-4E4C-BF34-8FF9203166F1}" type="datetimeFigureOut">
               <a:rPr lang="en-US" smtClean="0"/>
-              <a:t>4/15/24</a:t>
+              <a:t>4/10/25</a:t>
             </a:fld>
             <a:endParaRPr lang="en-US"/>
           </a:p>
@@ -1117,7 +1119,7 @@
           <a:p>
             <a:fld id="{528A02B3-B8F4-4E4C-BF34-8FF9203166F1}" type="datetimeFigureOut">
               <a:rPr lang="en-US" smtClean="0"/>
-              <a:t>4/15/24</a:t>
+              <a:t>4/10/25</a:t>
             </a:fld>
             <a:endParaRPr lang="en-US"/>
           </a:p>
@@ -1315,7 +1317,7 @@
           <a:p>
             <a:fld id="{528A02B3-B8F4-4E4C-BF34-8FF9203166F1}" type="datetimeFigureOut">
               <a:rPr lang="en-US" smtClean="0"/>
-              <a:t>4/15/24</a:t>
+              <a:t>4/10/25</a:t>
             </a:fld>
             <a:endParaRPr lang="en-US"/>
           </a:p>
@@ -1590,7 +1592,7 @@
           <a:p>
             <a:fld id="{528A02B3-B8F4-4E4C-BF34-8FF9203166F1}" type="datetimeFigureOut">
               <a:rPr lang="en-US" smtClean="0"/>
-              <a:t>4/15/24</a:t>
+              <a:t>4/10/25</a:t>
             </a:fld>
             <a:endParaRPr lang="en-US"/>
           </a:p>
@@ -1855,7 +1857,7 @@
           <a:p>
             <a:fld id="{528A02B3-B8F4-4E4C-BF34-8FF9203166F1}" type="datetimeFigureOut">
               <a:rPr lang="en-US" smtClean="0"/>
-              <a:t>4/15/24</a:t>
+              <a:t>4/10/25</a:t>
             </a:fld>
             <a:endParaRPr lang="en-US"/>
           </a:p>
@@ -2267,7 +2269,7 @@
           <a:p>
             <a:fld id="{528A02B3-B8F4-4E4C-BF34-8FF9203166F1}" type="datetimeFigureOut">
               <a:rPr lang="en-US" smtClean="0"/>
-              <a:t>4/15/24</a:t>
+              <a:t>4/10/25</a:t>
             </a:fld>
             <a:endParaRPr lang="en-US"/>
           </a:p>
@@ -2408,7 +2410,7 @@
           <a:p>
             <a:fld id="{528A02B3-B8F4-4E4C-BF34-8FF9203166F1}" type="datetimeFigureOut">
               <a:rPr lang="en-US" smtClean="0"/>
-              <a:t>4/15/24</a:t>
+              <a:t>4/10/25</a:t>
             </a:fld>
             <a:endParaRPr lang="en-US"/>
           </a:p>
@@ -2521,7 +2523,7 @@
           <a:p>
             <a:fld id="{528A02B3-B8F4-4E4C-BF34-8FF9203166F1}" type="datetimeFigureOut">
               <a:rPr lang="en-US" smtClean="0"/>
-              <a:t>4/15/24</a:t>
+              <a:t>4/10/25</a:t>
             </a:fld>
             <a:endParaRPr lang="en-US"/>
           </a:p>
@@ -2832,7 +2834,7 @@
           <a:p>
             <a:fld id="{528A02B3-B8F4-4E4C-BF34-8FF9203166F1}" type="datetimeFigureOut">
               <a:rPr lang="en-US" smtClean="0"/>
-              <a:t>4/15/24</a:t>
+              <a:t>4/10/25</a:t>
             </a:fld>
             <a:endParaRPr lang="en-US"/>
           </a:p>
@@ -3120,7 +3122,7 @@
           <a:p>
             <a:fld id="{528A02B3-B8F4-4E4C-BF34-8FF9203166F1}" type="datetimeFigureOut">
               <a:rPr lang="en-US" smtClean="0"/>
-              <a:t>4/15/24</a:t>
+              <a:t>4/10/25</a:t>
             </a:fld>
             <a:endParaRPr lang="en-US"/>
           </a:p>
@@ -3361,7 +3363,7 @@
           <a:p>
             <a:fld id="{528A02B3-B8F4-4E4C-BF34-8FF9203166F1}" type="datetimeFigureOut">
               <a:rPr lang="en-US" smtClean="0"/>
-              <a:t>4/15/24</a:t>
+              <a:t>4/10/25</a:t>
             </a:fld>
             <a:endParaRPr lang="en-US"/>
           </a:p>
@@ -3797,7 +3799,7 @@
           </a:ln>
           <a:extLst>
             <a:ext uri="{C572A759-6A51-4108-AA02-DFA0A04FC94B}">
-              <ma14:wrappingTextBoxFlag xmlns:ma14="http://schemas.microsoft.com/office/mac/drawingml/2011/main" xmlns:a14="http://schemas.microsoft.com/office/drawing/2010/main" xmlns:m="http://schemas.openxmlformats.org/officeDocument/2006/math" xmlns="" val="1"/>
+              <ma14:wrappingTextBoxFlag xmlns="" xmlns:m="http://schemas.openxmlformats.org/officeDocument/2006/math" xmlns:a14="http://schemas.microsoft.com/office/drawing/2010/main" xmlns:ma14="http://schemas.microsoft.com/office/mac/drawingml/2011/main" val="1"/>
             </a:ext>
           </a:extLst>
         </p:spPr>
@@ -3843,161 +3845,9 @@
           <a:chExt cx="0" cy="0"/>
         </a:xfrm>
       </p:grpSpPr>
-      <p:sp>
-        <p:nvSpPr>
-          <p:cNvPr id="184" name="Getting code from this class"/>
-          <p:cNvSpPr txBox="1"/>
-          <p:nvPr/>
-        </p:nvSpPr>
-        <p:spPr>
-          <a:xfrm>
-            <a:off x="4472559" y="207197"/>
-            <a:ext cx="3144772" cy="359073"/>
-          </a:xfrm>
-          <a:prstGeom prst="rect">
-            <a:avLst/>
-          </a:prstGeom>
-          <a:ln w="12700">
-            <a:miter lim="400000"/>
-          </a:ln>
-          <a:extLst>
-            <a:ext uri="{C572A759-6A51-4108-AA02-DFA0A04FC94B}">
-              <ma14:wrappingTextBoxFlag xmlns:ma14="http://schemas.microsoft.com/office/mac/drawingml/2011/main" xmlns:a14="http://schemas.microsoft.com/office/drawing/2010/main" xmlns:m="http://schemas.openxmlformats.org/officeDocument/2006/math" xmlns="" val="1"/>
-            </a:ext>
-          </a:extLst>
-        </p:spPr>
-        <p:txBody>
-          <a:bodyPr wrap="none" lIns="25400" tIns="25400" rIns="25400" bIns="25400" anchor="ctr">
-            <a:spAutoFit/>
-          </a:bodyPr>
-          <a:lstStyle>
-            <a:lvl1pPr>
-              <a:defRPr sz="4000"/>
-            </a:lvl1pPr>
-          </a:lstStyle>
-          <a:p>
-            <a:r>
-              <a:rPr sz="2000"/>
-              <a:t>Getting code from this class</a:t>
-            </a:r>
-          </a:p>
-        </p:txBody>
-      </p:sp>
-      <p:sp>
-        <p:nvSpPr>
-          <p:cNvPr id="185" name="git clone https://github.com/jraab/GNET749_RNAseq.git"/>
-          <p:cNvSpPr txBox="1"/>
-          <p:nvPr/>
-        </p:nvSpPr>
-        <p:spPr>
-          <a:xfrm>
-            <a:off x="434345" y="1496731"/>
-            <a:ext cx="2838919" cy="189796"/>
-          </a:xfrm>
-          <a:prstGeom prst="rect">
-            <a:avLst/>
-          </a:prstGeom>
-          <a:ln w="12700">
-            <a:miter lim="400000"/>
-          </a:ln>
-          <a:extLst>
-            <a:ext uri="{C572A759-6A51-4108-AA02-DFA0A04FC94B}">
-              <ma14:wrappingTextBoxFlag xmlns:ma14="http://schemas.microsoft.com/office/mac/drawingml/2011/main" xmlns:a14="http://schemas.microsoft.com/office/drawing/2010/main" xmlns:m="http://schemas.openxmlformats.org/officeDocument/2006/math" xmlns="" val="1"/>
-            </a:ext>
-          </a:extLst>
-        </p:spPr>
-        <p:txBody>
-          <a:bodyPr wrap="none" lIns="25400" tIns="25400" rIns="25400" bIns="25400" anchor="ctr">
-            <a:spAutoFit/>
-          </a:bodyPr>
-          <a:lstStyle/>
-          <a:p>
-            <a:r>
-              <a:rPr sz="900"/>
-              <a:t>git clone https://github.com/jraab/GNET749_RNAseq.git</a:t>
-            </a:r>
-          </a:p>
-        </p:txBody>
-      </p:sp>
-      <p:sp>
-        <p:nvSpPr>
-          <p:cNvPr id="186" name="Ondemand in a terminal"/>
-          <p:cNvSpPr txBox="1"/>
-          <p:nvPr/>
-        </p:nvSpPr>
-        <p:spPr>
-          <a:xfrm>
-            <a:off x="314917" y="704699"/>
-            <a:ext cx="2148665" cy="282129"/>
-          </a:xfrm>
-          <a:prstGeom prst="rect">
-            <a:avLst/>
-          </a:prstGeom>
-          <a:ln w="12700">
-            <a:miter lim="400000"/>
-          </a:ln>
-          <a:extLst>
-            <a:ext uri="{C572A759-6A51-4108-AA02-DFA0A04FC94B}">
-              <ma14:wrappingTextBoxFlag xmlns:ma14="http://schemas.microsoft.com/office/mac/drawingml/2011/main" xmlns:a14="http://schemas.microsoft.com/office/drawing/2010/main" xmlns:m="http://schemas.openxmlformats.org/officeDocument/2006/math" xmlns="" val="1"/>
-            </a:ext>
-          </a:extLst>
-        </p:spPr>
-        <p:txBody>
-          <a:bodyPr wrap="none" lIns="25400" tIns="25400" rIns="25400" bIns="25400" anchor="ctr">
-            <a:spAutoFit/>
-          </a:bodyPr>
-          <a:lstStyle>
-            <a:lvl1pPr>
-              <a:defRPr sz="3000" b="1"/>
-            </a:lvl1pPr>
-          </a:lstStyle>
-          <a:p>
-            <a:r>
-              <a:rPr sz="1500"/>
-              <a:t>Ondemand in a terminal</a:t>
-            </a:r>
-          </a:p>
-        </p:txBody>
-      </p:sp>
-      <p:sp>
-        <p:nvSpPr>
-          <p:cNvPr id="187" name="module load git"/>
-          <p:cNvSpPr txBox="1"/>
-          <p:nvPr/>
-        </p:nvSpPr>
-        <p:spPr>
-          <a:xfrm>
-            <a:off x="438482" y="1291783"/>
-            <a:ext cx="820738" cy="189796"/>
-          </a:xfrm>
-          <a:prstGeom prst="rect">
-            <a:avLst/>
-          </a:prstGeom>
-          <a:ln w="12700">
-            <a:miter lim="400000"/>
-          </a:ln>
-          <a:extLst>
-            <a:ext uri="{C572A759-6A51-4108-AA02-DFA0A04FC94B}">
-              <ma14:wrappingTextBoxFlag xmlns:ma14="http://schemas.microsoft.com/office/mac/drawingml/2011/main" xmlns:a14="http://schemas.microsoft.com/office/drawing/2010/main" xmlns:m="http://schemas.openxmlformats.org/officeDocument/2006/math" xmlns="" val="1"/>
-            </a:ext>
-          </a:extLst>
-        </p:spPr>
-        <p:txBody>
-          <a:bodyPr wrap="none" lIns="25400" tIns="25400" rIns="25400" bIns="25400" anchor="ctr">
-            <a:spAutoFit/>
-          </a:bodyPr>
-          <a:lstStyle/>
-          <a:p>
-            <a:r>
-              <a:rPr sz="900"/>
-              <a:t>module load git</a:t>
-            </a:r>
-          </a:p>
-        </p:txBody>
-      </p:sp>
       <p:pic>
         <p:nvPicPr>
-          <p:cNvPr id="188" name="Image" descr="Image"/>
+          <p:cNvPr id="196" name="Image" descr="Image"/>
           <p:cNvPicPr>
             <a:picLocks noChangeAspect="1"/>
           </p:cNvPicPr>
@@ -4011,30 +3861,65 @@
         </p:blipFill>
         <p:spPr>
           <a:xfrm>
-            <a:off x="337617" y="1770109"/>
-            <a:ext cx="10170636" cy="2734787"/>
-          </a:xfrm>
-          <a:prstGeom prst="rect">
-            <a:avLst/>
-          </a:prstGeom>
-          <a:ln w="25400">
+            <a:off x="213521" y="457681"/>
+            <a:ext cx="5753047" cy="2354802"/>
+          </a:xfrm>
+          <a:prstGeom prst="rect">
+            <a:avLst/>
+          </a:prstGeom>
+          <a:ln w="12700">
+            <a:miter lim="400000"/>
+          </a:ln>
+        </p:spPr>
+      </p:pic>
+      <p:sp>
+        <p:nvSpPr>
+          <p:cNvPr id="197" name="Line"/>
+          <p:cNvSpPr/>
+          <p:nvPr/>
+        </p:nvSpPr>
+        <p:spPr>
+          <a:xfrm flipH="1">
+            <a:off x="4999360" y="1735378"/>
+            <a:ext cx="1221767" cy="1"/>
+          </a:xfrm>
+          <a:prstGeom prst="line">
+            <a:avLst/>
+          </a:prstGeom>
+          <a:ln w="101600">
             <a:solidFill>
               <a:srgbClr val="000000"/>
             </a:solidFill>
             <a:miter lim="400000"/>
+            <a:tailEnd type="triangle"/>
           </a:ln>
         </p:spPr>
-      </p:pic>
-      <p:sp>
-        <p:nvSpPr>
-          <p:cNvPr id="189" name="git fetch"/>
-          <p:cNvSpPr txBox="1"/>
-          <p:nvPr/>
-        </p:nvSpPr>
-        <p:spPr>
-          <a:xfrm>
-            <a:off x="626490" y="4892191"/>
-            <a:ext cx="1927387" cy="666849"/>
+        <p:txBody>
+          <a:bodyPr lIns="25400" tIns="25400" rIns="25400" bIns="25400" anchor="ctr"/>
+          <a:lstStyle/>
+          <a:p>
+            <a:endParaRPr sz="900"/>
+          </a:p>
+        </p:txBody>
+      </p:sp>
+      <p:pic>
+        <p:nvPicPr>
+          <p:cNvPr id="198" name="Image" descr="Image"/>
+          <p:cNvPicPr>
+            <a:picLocks noChangeAspect="1"/>
+          </p:cNvPicPr>
+          <p:nvPr/>
+        </p:nvPicPr>
+        <p:blipFill>
+          <a:blip r:embed="rId3"/>
+          <a:stretch>
+            <a:fillRect/>
+          </a:stretch>
+        </p:blipFill>
+        <p:spPr>
+          <a:xfrm>
+            <a:off x="4110112" y="2864778"/>
+            <a:ext cx="5102928" cy="3101575"/>
           </a:xfrm>
           <a:prstGeom prst="rect">
             <a:avLst/>
@@ -4042,25 +3927,85 @@
           <a:ln w="12700">
             <a:miter lim="400000"/>
           </a:ln>
-          <a:extLst>
-            <a:ext uri="{C572A759-6A51-4108-AA02-DFA0A04FC94B}">
-              <ma14:wrappingTextBoxFlag xmlns:ma14="http://schemas.microsoft.com/office/mac/drawingml/2011/main" xmlns:a14="http://schemas.microsoft.com/office/drawing/2010/main" xmlns:m="http://schemas.openxmlformats.org/officeDocument/2006/math" xmlns="" val="1"/>
-            </a:ext>
-          </a:extLst>
-        </p:spPr>
-        <p:txBody>
-          <a:bodyPr wrap="none" lIns="25400" tIns="25400" rIns="25400" bIns="25400" anchor="ctr">
+        </p:spPr>
+      </p:pic>
+      <p:sp>
+        <p:nvSpPr>
+          <p:cNvPr id="199" name="Line"/>
+          <p:cNvSpPr/>
+          <p:nvPr/>
+        </p:nvSpPr>
+        <p:spPr>
+          <a:xfrm flipH="1">
+            <a:off x="9209687" y="5720943"/>
+            <a:ext cx="1221767" cy="1"/>
+          </a:xfrm>
+          <a:prstGeom prst="line">
+            <a:avLst/>
+          </a:prstGeom>
+          <a:ln w="101600">
+            <a:solidFill>
+              <a:srgbClr val="000000"/>
+            </a:solidFill>
+            <a:miter lim="400000"/>
+            <a:tailEnd type="triangle"/>
+          </a:ln>
+        </p:spPr>
+        <p:txBody>
+          <a:bodyPr lIns="25400" tIns="25400" rIns="25400" bIns="25400" anchor="ctr"/>
+          <a:lstStyle/>
+          <a:p>
+            <a:endParaRPr sz="900"/>
+          </a:p>
+        </p:txBody>
+      </p:sp>
+      <p:sp>
+        <p:nvSpPr>
+          <p:cNvPr id="3" name="TextBox 2">
+            <a:extLst>
+              <a:ext uri="{FF2B5EF4-FFF2-40B4-BE49-F238E27FC236}">
+                <a16:creationId xmlns:a16="http://schemas.microsoft.com/office/drawing/2014/main" id="{4895E2C8-F27E-CB2E-EF76-D612F46651C3}"/>
+              </a:ext>
+            </a:extLst>
+          </p:cNvPr>
+          <p:cNvSpPr txBox="1"/>
+          <p:nvPr/>
+        </p:nvSpPr>
+        <p:spPr>
+          <a:xfrm>
+            <a:off x="6311590" y="767724"/>
+            <a:ext cx="6096000" cy="369332"/>
+          </a:xfrm>
+          <a:prstGeom prst="rect">
+            <a:avLst/>
+          </a:prstGeom>
+          <a:noFill/>
+        </p:spPr>
+        <p:txBody>
+          <a:bodyPr wrap="square">
             <a:spAutoFit/>
           </a:bodyPr>
-          <a:lstStyle>
-            <a:lvl1pPr>
-              <a:defRPr sz="8000"/>
-            </a:lvl1pPr>
-          </a:lstStyle>
-          <a:p>
-            <a:r>
-              <a:rPr sz="4000"/>
-              <a:t>git fetch </a:t>
+          <a:lstStyle/>
+          <a:p>
+            <a:r>
+              <a:rPr lang="en-US" dirty="0"/>
+              <a:t>https://</a:t>
+            </a:r>
+            <a:r>
+              <a:rPr lang="en-US" dirty="0" err="1"/>
+              <a:t>github.com</a:t>
+            </a:r>
+            <a:r>
+              <a:rPr lang="en-US" dirty="0"/>
+              <a:t>/</a:t>
+            </a:r>
+            <a:r>
+              <a:rPr lang="en-US" dirty="0" err="1"/>
+              <a:t>jraab</a:t>
+            </a:r>
+            <a:r>
+              <a:rPr lang="en-US" dirty="0"/>
+              <a:t>/GNET749_RNAseq</a:t>
             </a:r>
           </a:p>
         </p:txBody>
@@ -4092,14 +4037,14 @@
       </p:grpSpPr>
       <p:sp>
         <p:nvSpPr>
-          <p:cNvPr id="191" name="Getting code from this class"/>
+          <p:cNvPr id="179" name="https://github.com/jraab/GNET749_RNAseq"/>
           <p:cNvSpPr txBox="1"/>
           <p:nvPr/>
         </p:nvSpPr>
         <p:spPr>
           <a:xfrm>
-            <a:off x="4042936" y="290789"/>
-            <a:ext cx="4379276" cy="482183"/>
+            <a:off x="158364" y="282372"/>
+            <a:ext cx="3918509" cy="297517"/>
           </a:xfrm>
           <a:prstGeom prst="rect">
             <a:avLst/>
@@ -4109,7 +4054,59 @@
           </a:ln>
           <a:extLst>
             <a:ext uri="{C572A759-6A51-4108-AA02-DFA0A04FC94B}">
-              <ma14:wrappingTextBoxFlag xmlns:ma14="http://schemas.microsoft.com/office/mac/drawingml/2011/main" xmlns:a14="http://schemas.microsoft.com/office/drawing/2010/main" xmlns:m="http://schemas.openxmlformats.org/officeDocument/2006/math" xmlns="" val="1"/>
+              <ma14:wrappingTextBoxFlag xmlns="" xmlns:m="http://schemas.openxmlformats.org/officeDocument/2006/math" xmlns:a14="http://schemas.microsoft.com/office/drawing/2010/main" xmlns:ma14="http://schemas.microsoft.com/office/mac/drawingml/2011/main" val="1"/>
+            </a:ext>
+          </a:extLst>
+        </p:spPr>
+        <p:txBody>
+          <a:bodyPr wrap="none" lIns="25400" tIns="25400" rIns="25400" bIns="25400" anchor="ctr">
+            <a:spAutoFit/>
+          </a:bodyPr>
+          <a:lstStyle/>
+          <a:p>
+            <a:r>
+              <a:rPr sz="1600" dirty="0"/>
+              <a:t>https://</a:t>
+            </a:r>
+            <a:r>
+              <a:rPr sz="1600" dirty="0" err="1"/>
+              <a:t>github.com</a:t>
+            </a:r>
+            <a:r>
+              <a:rPr sz="1600" dirty="0"/>
+              <a:t>/</a:t>
+            </a:r>
+            <a:r>
+              <a:rPr sz="1600" dirty="0" err="1"/>
+              <a:t>jraab</a:t>
+            </a:r>
+            <a:r>
+              <a:rPr sz="1600" dirty="0"/>
+              <a:t>/GNET749_RNAseq</a:t>
+            </a:r>
+          </a:p>
+        </p:txBody>
+      </p:sp>
+      <p:sp>
+        <p:nvSpPr>
+          <p:cNvPr id="180" name="Getting code from this class"/>
+          <p:cNvSpPr txBox="1"/>
+          <p:nvPr/>
+        </p:nvSpPr>
+        <p:spPr>
+          <a:xfrm>
+            <a:off x="4472559" y="207197"/>
+            <a:ext cx="3144772" cy="359073"/>
+          </a:xfrm>
+          <a:prstGeom prst="rect">
+            <a:avLst/>
+          </a:prstGeom>
+          <a:ln w="12700">
+            <a:miter lim="400000"/>
+          </a:ln>
+          <a:extLst>
+            <a:ext uri="{C572A759-6A51-4108-AA02-DFA0A04FC94B}">
+              <ma14:wrappingTextBoxFlag xmlns="" xmlns:m="http://schemas.openxmlformats.org/officeDocument/2006/math" xmlns:a14="http://schemas.microsoft.com/office/drawing/2010/main" xmlns:ma14="http://schemas.microsoft.com/office/mac/drawingml/2011/main" val="1"/>
             </a:ext>
           </a:extLst>
         </p:spPr>
@@ -4124,55 +4121,15 @@
           </a:lstStyle>
           <a:p>
             <a:r>
-              <a:rPr sz="2800" dirty="0"/>
+              <a:rPr sz="2000"/>
               <a:t>Getting code from this class</a:t>
-            </a:r>
-          </a:p>
-        </p:txBody>
-      </p:sp>
-      <p:sp>
-        <p:nvSpPr>
-          <p:cNvPr id="192" name="On your computer"/>
-          <p:cNvSpPr txBox="1"/>
-          <p:nvPr/>
-        </p:nvSpPr>
-        <p:spPr>
-          <a:xfrm>
-            <a:off x="5179168" y="1057606"/>
-            <a:ext cx="1939442" cy="328295"/>
-          </a:xfrm>
-          <a:prstGeom prst="rect">
-            <a:avLst/>
-          </a:prstGeom>
-          <a:ln w="12700">
-            <a:miter lim="400000"/>
-          </a:ln>
-          <a:extLst>
-            <a:ext uri="{C572A759-6A51-4108-AA02-DFA0A04FC94B}">
-              <ma14:wrappingTextBoxFlag xmlns:ma14="http://schemas.microsoft.com/office/mac/drawingml/2011/main" xmlns:a14="http://schemas.microsoft.com/office/drawing/2010/main" xmlns:m="http://schemas.openxmlformats.org/officeDocument/2006/math" xmlns="" val="1"/>
-            </a:ext>
-          </a:extLst>
-        </p:spPr>
-        <p:txBody>
-          <a:bodyPr wrap="none" lIns="25400" tIns="25400" rIns="25400" bIns="25400" anchor="ctr">
-            <a:spAutoFit/>
-          </a:bodyPr>
-          <a:lstStyle>
-            <a:lvl1pPr>
-              <a:defRPr sz="3000" b="1"/>
-            </a:lvl1pPr>
-          </a:lstStyle>
-          <a:p>
-            <a:r>
-              <a:rPr sz="1800" dirty="0"/>
-              <a:t>On your computer</a:t>
             </a:r>
           </a:p>
         </p:txBody>
       </p:sp>
       <p:pic>
         <p:nvPicPr>
-          <p:cNvPr id="193" name="Image" descr="Image"/>
+          <p:cNvPr id="181" name="Image" descr="Image"/>
           <p:cNvPicPr>
             <a:picLocks noChangeAspect="1"/>
           </p:cNvPicPr>
@@ -4186,8 +4143,8 @@
         </p:blipFill>
         <p:spPr>
           <a:xfrm>
-            <a:off x="2616485" y="1550048"/>
-            <a:ext cx="7665117" cy="5078040"/>
+            <a:off x="3534930" y="752719"/>
+            <a:ext cx="7311994" cy="5822909"/>
           </a:xfrm>
           <a:prstGeom prst="rect">
             <a:avLst/>
@@ -4199,47 +4156,31 @@
       </p:pic>
       <p:sp>
         <p:nvSpPr>
-          <p:cNvPr id="194" name="desktop.github.com"/>
-          <p:cNvSpPr txBox="1"/>
-          <p:nvPr/>
-        </p:nvSpPr>
-        <p:spPr>
-          <a:xfrm>
-            <a:off x="422073" y="1221753"/>
-            <a:ext cx="3620863" cy="328295"/>
-          </a:xfrm>
-          <a:prstGeom prst="rect">
-            <a:avLst/>
-          </a:prstGeom>
-          <a:ln w="12700">
+          <p:cNvPr id="182" name="Line"/>
+          <p:cNvSpPr/>
+          <p:nvPr/>
+        </p:nvSpPr>
+        <p:spPr>
+          <a:xfrm flipH="1">
+            <a:off x="7825467" y="1990547"/>
+            <a:ext cx="2400954" cy="318734"/>
+          </a:xfrm>
+          <a:prstGeom prst="line">
+            <a:avLst/>
+          </a:prstGeom>
+          <a:ln w="114300">
+            <a:solidFill>
+              <a:srgbClr val="000000"/>
+            </a:solidFill>
             <a:miter lim="400000"/>
+            <a:tailEnd type="triangle"/>
           </a:ln>
-          <a:extLst>
-            <a:ext uri="{C572A759-6A51-4108-AA02-DFA0A04FC94B}">
-              <ma14:wrappingTextBoxFlag xmlns:ma14="http://schemas.microsoft.com/office/mac/drawingml/2011/main" xmlns:a14="http://schemas.microsoft.com/office/drawing/2010/main" xmlns:m="http://schemas.openxmlformats.org/officeDocument/2006/math" xmlns="" val="1"/>
-            </a:ext>
-          </a:extLst>
-        </p:spPr>
-        <p:txBody>
-          <a:bodyPr wrap="square" lIns="25400" tIns="25400" rIns="25400" bIns="25400" anchor="ctr">
-            <a:spAutoFit/>
-          </a:bodyPr>
-          <a:lstStyle>
-            <a:lvl1pPr>
-              <a:defRPr u="sng">
-                <a:hlinkClick r:id="" action="ppaction://noaction"/>
-              </a:defRPr>
-            </a:lvl1pPr>
-          </a:lstStyle>
-          <a:p>
-            <a:pPr>
-              <a:defRPr u="none"/>
-            </a:pPr>
-            <a:r>
-              <a:rPr dirty="0" err="1"/>
-              <a:t>desktop.github.com</a:t>
-            </a:r>
-            <a:endParaRPr dirty="0"/>
+        </p:spPr>
+        <p:txBody>
+          <a:bodyPr lIns="25400" tIns="25400" rIns="25400" bIns="25400" anchor="ctr"/>
+          <a:lstStyle/>
+          <a:p>
+            <a:endParaRPr sz="900"/>
           </a:p>
         </p:txBody>
       </p:sp>
@@ -4268,24 +4209,16 @@
           <a:chExt cx="0" cy="0"/>
         </a:xfrm>
       </p:grpSpPr>
-      <p:pic>
-        <p:nvPicPr>
-          <p:cNvPr id="196" name="Image" descr="Image"/>
-          <p:cNvPicPr>
-            <a:picLocks noChangeAspect="1"/>
-          </p:cNvPicPr>
-          <p:nvPr/>
-        </p:nvPicPr>
-        <p:blipFill>
-          <a:blip r:embed="rId2"/>
-          <a:stretch>
-            <a:fillRect/>
-          </a:stretch>
-        </p:blipFill>
-        <p:spPr>
-          <a:xfrm>
-            <a:off x="213521" y="457681"/>
-            <a:ext cx="5753047" cy="2354802"/>
+      <p:sp>
+        <p:nvSpPr>
+          <p:cNvPr id="184" name="Getting code from this class"/>
+          <p:cNvSpPr txBox="1"/>
+          <p:nvPr/>
+        </p:nvSpPr>
+        <p:spPr>
+          <a:xfrm>
+            <a:off x="4472559" y="207197"/>
+            <a:ext cx="3144772" cy="359073"/>
           </a:xfrm>
           <a:prstGeom prst="rect">
             <a:avLst/>
@@ -4293,56 +4226,39 @@
           <a:ln w="12700">
             <a:miter lim="400000"/>
           </a:ln>
-        </p:spPr>
-      </p:pic>
-      <p:sp>
-        <p:nvSpPr>
-          <p:cNvPr id="197" name="Line"/>
-          <p:cNvSpPr/>
-          <p:nvPr/>
-        </p:nvSpPr>
-        <p:spPr>
-          <a:xfrm flipH="1">
-            <a:off x="4999360" y="1735378"/>
-            <a:ext cx="1221767" cy="1"/>
-          </a:xfrm>
-          <a:prstGeom prst="line">
-            <a:avLst/>
-          </a:prstGeom>
-          <a:ln w="101600">
-            <a:solidFill>
-              <a:srgbClr val="000000"/>
-            </a:solidFill>
-            <a:miter lim="400000"/>
-            <a:tailEnd type="triangle"/>
-          </a:ln>
-        </p:spPr>
-        <p:txBody>
-          <a:bodyPr lIns="25400" tIns="25400" rIns="25400" bIns="25400" anchor="ctr"/>
-          <a:lstStyle/>
-          <a:p>
-            <a:endParaRPr sz="900"/>
-          </a:p>
-        </p:txBody>
-      </p:sp>
-      <p:pic>
-        <p:nvPicPr>
-          <p:cNvPr id="198" name="Image" descr="Image"/>
-          <p:cNvPicPr>
-            <a:picLocks noChangeAspect="1"/>
-          </p:cNvPicPr>
-          <p:nvPr/>
-        </p:nvPicPr>
-        <p:blipFill>
-          <a:blip r:embed="rId3"/>
-          <a:stretch>
-            <a:fillRect/>
-          </a:stretch>
-        </p:blipFill>
-        <p:spPr>
-          <a:xfrm>
-            <a:off x="4110112" y="2864778"/>
-            <a:ext cx="5102928" cy="3101575"/>
+          <a:extLst>
+            <a:ext uri="{C572A759-6A51-4108-AA02-DFA0A04FC94B}">
+              <ma14:wrappingTextBoxFlag xmlns="" xmlns:m="http://schemas.openxmlformats.org/officeDocument/2006/math" xmlns:a14="http://schemas.microsoft.com/office/drawing/2010/main" xmlns:ma14="http://schemas.microsoft.com/office/mac/drawingml/2011/main" val="1"/>
+            </a:ext>
+          </a:extLst>
+        </p:spPr>
+        <p:txBody>
+          <a:bodyPr wrap="none" lIns="25400" tIns="25400" rIns="25400" bIns="25400" anchor="ctr">
+            <a:spAutoFit/>
+          </a:bodyPr>
+          <a:lstStyle>
+            <a:lvl1pPr>
+              <a:defRPr sz="4000"/>
+            </a:lvl1pPr>
+          </a:lstStyle>
+          <a:p>
+            <a:r>
+              <a:rPr sz="2000"/>
+              <a:t>Getting code from this class</a:t>
+            </a:r>
+          </a:p>
+        </p:txBody>
+      </p:sp>
+      <p:sp>
+        <p:nvSpPr>
+          <p:cNvPr id="186" name="Ondemand in a terminal"/>
+          <p:cNvSpPr txBox="1"/>
+          <p:nvPr/>
+        </p:nvSpPr>
+        <p:spPr>
+          <a:xfrm>
+            <a:off x="314917" y="704699"/>
+            <a:ext cx="2148665" cy="282129"/>
           </a:xfrm>
           <a:prstGeom prst="rect">
             <a:avLst/>
@@ -4350,35 +4266,134 @@
           <a:ln w="12700">
             <a:miter lim="400000"/>
           </a:ln>
-        </p:spPr>
-      </p:pic>
-      <p:sp>
-        <p:nvSpPr>
-          <p:cNvPr id="199" name="Line"/>
-          <p:cNvSpPr/>
-          <p:nvPr/>
-        </p:nvSpPr>
-        <p:spPr>
-          <a:xfrm flipH="1">
-            <a:off x="9209687" y="5720943"/>
-            <a:ext cx="1221767" cy="1"/>
-          </a:xfrm>
-          <a:prstGeom prst="line">
-            <a:avLst/>
-          </a:prstGeom>
-          <a:ln w="101600">
-            <a:solidFill>
-              <a:srgbClr val="000000"/>
-            </a:solidFill>
-            <a:miter lim="400000"/>
-            <a:tailEnd type="triangle"/>
-          </a:ln>
-        </p:spPr>
-        <p:txBody>
-          <a:bodyPr lIns="25400" tIns="25400" rIns="25400" bIns="25400" anchor="ctr"/>
+          <a:extLst>
+            <a:ext uri="{C572A759-6A51-4108-AA02-DFA0A04FC94B}">
+              <ma14:wrappingTextBoxFlag xmlns="" xmlns:m="http://schemas.openxmlformats.org/officeDocument/2006/math" xmlns:a14="http://schemas.microsoft.com/office/drawing/2010/main" xmlns:ma14="http://schemas.microsoft.com/office/mac/drawingml/2011/main" val="1"/>
+            </a:ext>
+          </a:extLst>
+        </p:spPr>
+        <p:txBody>
+          <a:bodyPr wrap="none" lIns="25400" tIns="25400" rIns="25400" bIns="25400" anchor="ctr">
+            <a:spAutoFit/>
+          </a:bodyPr>
+          <a:lstStyle>
+            <a:lvl1pPr>
+              <a:defRPr sz="3000" b="1"/>
+            </a:lvl1pPr>
+          </a:lstStyle>
+          <a:p>
+            <a:r>
+              <a:rPr sz="1500"/>
+              <a:t>Ondemand in a terminal</a:t>
+            </a:r>
+          </a:p>
+        </p:txBody>
+      </p:sp>
+      <p:sp>
+        <p:nvSpPr>
+          <p:cNvPr id="3" name="TextBox 2">
+            <a:extLst>
+              <a:ext uri="{FF2B5EF4-FFF2-40B4-BE49-F238E27FC236}">
+                <a16:creationId xmlns:a16="http://schemas.microsoft.com/office/drawing/2014/main" id="{58A63AD4-42DD-BC5B-1B6D-A34ABB6F834F}"/>
+              </a:ext>
+            </a:extLst>
+          </p:cNvPr>
+          <p:cNvSpPr txBox="1"/>
+          <p:nvPr/>
+        </p:nvSpPr>
+        <p:spPr>
+          <a:xfrm>
+            <a:off x="3048000" y="2134480"/>
+            <a:ext cx="6096000" cy="2585323"/>
+          </a:xfrm>
+          <a:prstGeom prst="rect">
+            <a:avLst/>
+          </a:prstGeom>
+          <a:noFill/>
+        </p:spPr>
+        <p:txBody>
+          <a:bodyPr wrap="square">
+            <a:spAutoFit/>
+          </a:bodyPr>
           <a:lstStyle/>
           <a:p>
-            <a:endParaRPr sz="900"/>
+            <a:pPr>
+              <a:buNone/>
+            </a:pPr>
+            <a:r>
+              <a:rPr lang="en-US" dirty="0"/>
+              <a:t>Here's how to clone a repository in RStudio:</a:t>
+            </a:r>
+          </a:p>
+          <a:p>
+            <a:pPr>
+              <a:buFont typeface="+mj-lt"/>
+              <a:buAutoNum type="arabicPeriod"/>
+            </a:pPr>
+            <a:r>
+              <a:rPr lang="en-US" dirty="0"/>
+              <a:t>Open RStudio</a:t>
+            </a:r>
+          </a:p>
+          <a:p>
+            <a:pPr>
+              <a:buFont typeface="+mj-lt"/>
+              <a:buAutoNum type="arabicPeriod"/>
+            </a:pPr>
+            <a:r>
+              <a:rPr lang="en-US" dirty="0"/>
+              <a:t>Go to File → New Project</a:t>
+            </a:r>
+          </a:p>
+          <a:p>
+            <a:pPr>
+              <a:buFont typeface="+mj-lt"/>
+              <a:buAutoNum type="arabicPeriod"/>
+            </a:pPr>
+            <a:r>
+              <a:rPr lang="en-US" dirty="0"/>
+              <a:t>Select "Version Control" in the New Project dialog</a:t>
+            </a:r>
+          </a:p>
+          <a:p>
+            <a:pPr>
+              <a:buFont typeface="+mj-lt"/>
+              <a:buAutoNum type="arabicPeriod"/>
+            </a:pPr>
+            <a:r>
+              <a:rPr lang="en-US" dirty="0"/>
+              <a:t>Select "Git" from the options</a:t>
+            </a:r>
+          </a:p>
+          <a:p>
+            <a:pPr>
+              <a:buFont typeface="+mj-lt"/>
+              <a:buAutoNum type="arabicPeriod"/>
+            </a:pPr>
+            <a:r>
+              <a:rPr lang="en-US" dirty="0"/>
+              <a:t>Enter the repository URL (the HTTPS URL from GitHub)</a:t>
+            </a:r>
+          </a:p>
+          <a:p>
+            <a:pPr>
+              <a:buFont typeface="+mj-lt"/>
+              <a:buAutoNum type="arabicPeriod"/>
+            </a:pPr>
+            <a:r>
+              <a:rPr lang="en-US" dirty="0"/>
+              <a:t>Choose the local directory where you want to save the project</a:t>
+            </a:r>
+          </a:p>
+          <a:p>
+            <a:pPr>
+              <a:buFont typeface="+mj-lt"/>
+              <a:buAutoNum type="arabicPeriod"/>
+            </a:pPr>
+            <a:r>
+              <a:rPr lang="en-US" dirty="0"/>
+              <a:t>Click "Create Project"</a:t>
+            </a:r>
           </a:p>
         </p:txBody>
       </p:sp>
@@ -4429,7 +4444,7 @@
         </p:blipFill>
         <p:spPr>
           <a:xfrm>
-            <a:off x="2834269" y="686610"/>
+            <a:off x="2834269" y="686611"/>
             <a:ext cx="7772400" cy="5484778"/>
           </a:xfrm>
           <a:prstGeom prst="rect">
@@ -4452,7 +4467,7 @@
         <p:spPr>
           <a:xfrm>
             <a:off x="1795347" y="178420"/>
-            <a:ext cx="9417258" cy="461665"/>
+            <a:ext cx="9557296" cy="461665"/>
           </a:xfrm>
           <a:prstGeom prst="rect">
             <a:avLst/>
@@ -4475,42 +4490,19 @@
             </a:r>
             <a:r>
               <a:rPr lang="en-US" sz="2400" dirty="0"/>
-              <a:t> and Fetch can be used to grab them</a:t>
-            </a:r>
-          </a:p>
-        </p:txBody>
-      </p:sp>
-      <p:sp>
-        <p:nvSpPr>
-          <p:cNvPr id="4" name="TextBox 3">
-            <a:extLst>
-              <a:ext uri="{FF2B5EF4-FFF2-40B4-BE49-F238E27FC236}">
-                <a16:creationId xmlns:a16="http://schemas.microsoft.com/office/drawing/2014/main" id="{C5528D21-CCCB-4B08-092A-785E83DE0C74}"/>
-              </a:ext>
-            </a:extLst>
-          </p:cNvPr>
-          <p:cNvSpPr txBox="1"/>
-          <p:nvPr/>
-        </p:nvSpPr>
-        <p:spPr>
-          <a:xfrm>
-            <a:off x="557562" y="2828835"/>
-            <a:ext cx="2074126" cy="1200329"/>
-          </a:xfrm>
-          <a:prstGeom prst="rect">
-            <a:avLst/>
-          </a:prstGeom>
-          <a:noFill/>
-        </p:spPr>
-        <p:txBody>
-          <a:bodyPr wrap="square" rtlCol="0">
-            <a:spAutoFit/>
-          </a:bodyPr>
-          <a:lstStyle/>
-          <a:p>
-            <a:r>
-              <a:rPr lang="en-US" dirty="0"/>
-              <a:t>You may want to rename your files or create a new branch</a:t>
+              <a:t> and </a:t>
+            </a:r>
+            <a:r>
+              <a:rPr lang="en-US" sz="2400" dirty="0">
+                <a:solidFill>
+                  <a:schemeClr val="accent2"/>
+                </a:solidFill>
+              </a:rPr>
+              <a:t>git pull </a:t>
+            </a:r>
+            <a:r>
+              <a:rPr lang="en-US" sz="2400" dirty="0"/>
+              <a:t>can be used to grab them</a:t>
             </a:r>
           </a:p>
         </p:txBody>
@@ -4547,234 +4539,79 @@
       </p:grpSpPr>
       <p:sp>
         <p:nvSpPr>
-          <p:cNvPr id="201" name="Why Learn R?"/>
+          <p:cNvPr id="2" name="TextBox 1">
+            <a:extLst>
+              <a:ext uri="{FF2B5EF4-FFF2-40B4-BE49-F238E27FC236}">
+                <a16:creationId xmlns:a16="http://schemas.microsoft.com/office/drawing/2014/main" id="{9BCED2B2-A265-BA47-0C30-9E87875FE240}"/>
+              </a:ext>
+            </a:extLst>
+          </p:cNvPr>
           <p:cNvSpPr txBox="1"/>
           <p:nvPr/>
         </p:nvSpPr>
         <p:spPr>
           <a:xfrm>
-            <a:off x="5129098" y="415088"/>
-            <a:ext cx="1951753" cy="420628"/>
-          </a:xfrm>
-          <a:prstGeom prst="rect">
-            <a:avLst/>
-          </a:prstGeom>
-          <a:ln w="12700">
-            <a:miter lim="400000"/>
-          </a:ln>
-          <a:extLst>
-            <a:ext uri="{C572A759-6A51-4108-AA02-DFA0A04FC94B}">
-              <ma14:wrappingTextBoxFlag xmlns:ma14="http://schemas.microsoft.com/office/mac/drawingml/2011/main" xmlns:a14="http://schemas.microsoft.com/office/drawing/2010/main" xmlns:m="http://schemas.openxmlformats.org/officeDocument/2006/math" xmlns="" val="1"/>
-            </a:ext>
-          </a:extLst>
-        </p:spPr>
-        <p:txBody>
-          <a:bodyPr wrap="none" lIns="25400" tIns="25400" rIns="25400" bIns="25400" anchor="ctr">
-            <a:spAutoFit/>
-          </a:bodyPr>
-          <a:lstStyle>
-            <a:lvl1pPr>
-              <a:defRPr sz="4800">
-                <a:latin typeface="Avenir Next Regular"/>
-                <a:ea typeface="Avenir Next Regular"/>
-                <a:cs typeface="Avenir Next Regular"/>
-                <a:sym typeface="Avenir Next Regular"/>
-              </a:defRPr>
-            </a:lvl1pPr>
-          </a:lstStyle>
-          <a:p>
-            <a:r>
-              <a:rPr sz="2400"/>
-              <a:t>Why Learn R?</a:t>
-            </a:r>
-          </a:p>
-        </p:txBody>
-      </p:sp>
-      <p:sp>
-        <p:nvSpPr>
-          <p:cNvPr id="202" name="Extremely powerful statistical tools…"/>
-          <p:cNvSpPr txBox="1"/>
-          <p:nvPr/>
-        </p:nvSpPr>
-        <p:spPr>
-          <a:xfrm>
-            <a:off x="512499" y="1918330"/>
-            <a:ext cx="11400720" cy="3021340"/>
-          </a:xfrm>
-          <a:prstGeom prst="rect">
-            <a:avLst/>
-          </a:prstGeom>
-          <a:ln w="12700">
-            <a:miter lim="400000"/>
-          </a:ln>
-          <a:extLst>
-            <a:ext uri="{C572A759-6A51-4108-AA02-DFA0A04FC94B}">
-              <ma14:wrappingTextBoxFlag xmlns:ma14="http://schemas.microsoft.com/office/mac/drawingml/2011/main" xmlns:a14="http://schemas.microsoft.com/office/drawing/2010/main" xmlns:m="http://schemas.openxmlformats.org/officeDocument/2006/math" xmlns="" val="1"/>
-            </a:ext>
-          </a:extLst>
-        </p:spPr>
-        <p:txBody>
-          <a:bodyPr wrap="square" lIns="25400" tIns="25400" rIns="25400" bIns="25400" anchor="ctr">
+            <a:off x="3449445" y="1702419"/>
+            <a:ext cx="6608956" cy="923330"/>
+          </a:xfrm>
+          <a:prstGeom prst="rect">
+            <a:avLst/>
+          </a:prstGeom>
+          <a:noFill/>
+        </p:spPr>
+        <p:txBody>
+          <a:bodyPr wrap="square" rtlCol="0">
             <a:spAutoFit/>
           </a:bodyPr>
           <a:lstStyle/>
           <a:p>
-            <a:pPr marL="114300" indent="-114300">
-              <a:spcBef>
-                <a:spcPts val="500"/>
-              </a:spcBef>
-              <a:buSzPct val="100000"/>
-              <a:buChar char="•"/>
-              <a:defRPr sz="3600">
-                <a:latin typeface="Avenir Next Regular"/>
-                <a:ea typeface="Avenir Next Regular"/>
-                <a:cs typeface="Avenir Next Regular"/>
-                <a:sym typeface="Avenir Next Regular"/>
-              </a:defRPr>
+            <a:r>
+              <a:rPr lang="en-US" dirty="0"/>
+              <a:t>Questions on….</a:t>
+            </a:r>
+          </a:p>
+          <a:p>
+            <a:pPr marL="342900" indent="-342900">
+              <a:buAutoNum type="arabicPeriod"/>
             </a:pPr>
             <a:r>
-              <a:rPr sz="2400" dirty="0"/>
-              <a:t>Extremely powerful statistical tools</a:t>
-            </a:r>
-          </a:p>
-          <a:p>
-            <a:pPr marL="114300" indent="-114300">
-              <a:spcBef>
-                <a:spcPts val="500"/>
-              </a:spcBef>
-              <a:buSzPct val="100000"/>
-              <a:buChar char="•"/>
-              <a:defRPr sz="3600">
-                <a:latin typeface="Avenir Next Regular"/>
-                <a:ea typeface="Avenir Next Regular"/>
-                <a:cs typeface="Avenir Next Regular"/>
-                <a:sym typeface="Avenir Next Regular"/>
-              </a:defRPr>
+              <a:rPr lang="en-US" dirty="0"/>
+              <a:t>Setting up R or getting </a:t>
+            </a:r>
+            <a:r>
+              <a:rPr lang="en-US" dirty="0" err="1"/>
+              <a:t>ondemand</a:t>
+            </a:r>
+            <a:r>
+              <a:rPr lang="en-US" dirty="0"/>
+              <a:t> running</a:t>
+            </a:r>
+          </a:p>
+          <a:p>
+            <a:pPr marL="342900" indent="-342900">
+              <a:buAutoNum type="arabicPeriod"/>
             </a:pPr>
             <a:r>
-              <a:rPr sz="2400" dirty="0"/>
-              <a:t>Reproducibility</a:t>
-            </a:r>
-          </a:p>
-          <a:p>
-            <a:pPr marL="114300" indent="-114300">
-              <a:spcBef>
-                <a:spcPts val="500"/>
-              </a:spcBef>
-              <a:buSzPct val="100000"/>
-              <a:buChar char="•"/>
-              <a:defRPr sz="3600">
-                <a:latin typeface="Avenir Next Regular"/>
-                <a:ea typeface="Avenir Next Regular"/>
-                <a:cs typeface="Avenir Next Regular"/>
-                <a:sym typeface="Avenir Next Regular"/>
-              </a:defRPr>
-            </a:pPr>
-            <a:r>
-              <a:rPr sz="2400" dirty="0"/>
-              <a:t>High quality visualizations</a:t>
-            </a:r>
-          </a:p>
-          <a:p>
-            <a:pPr marL="114300" indent="-114300">
-              <a:spcBef>
-                <a:spcPts val="500"/>
-              </a:spcBef>
-              <a:buSzPct val="100000"/>
-              <a:buChar char="•"/>
-              <a:defRPr sz="3600">
-                <a:latin typeface="Avenir Next Regular"/>
-                <a:ea typeface="Avenir Next Regular"/>
-                <a:cs typeface="Avenir Next Regular"/>
-                <a:sym typeface="Avenir Next Regular"/>
-              </a:defRPr>
-            </a:pPr>
-            <a:r>
-              <a:rPr sz="2400" dirty="0"/>
-              <a:t>Multiple ways to do things</a:t>
-            </a:r>
-          </a:p>
-          <a:p>
-            <a:pPr marL="114300" indent="-114300">
-              <a:spcBef>
-                <a:spcPts val="500"/>
-              </a:spcBef>
-              <a:buSzPct val="100000"/>
-              <a:buFontTx/>
-              <a:buChar char="•"/>
-              <a:defRPr sz="3600">
-                <a:latin typeface="Avenir Next Regular"/>
-                <a:ea typeface="Avenir Next Regular"/>
-                <a:cs typeface="Avenir Next Regular"/>
-                <a:sym typeface="Avenir Next Regular"/>
-              </a:defRPr>
-            </a:pPr>
-            <a:r>
-              <a:rPr sz="2400" dirty="0"/>
-              <a:t>R is free, has a huge </a:t>
-            </a:r>
-            <a:r>
-              <a:rPr lang="en-US" sz="2400" dirty="0"/>
-              <a:t>Great packages for biologists (</a:t>
-            </a:r>
-            <a:r>
-              <a:rPr lang="en-US" sz="2400" dirty="0" err="1"/>
-              <a:t>RNAseq</a:t>
-            </a:r>
-            <a:r>
-              <a:rPr lang="en-US" sz="2400" dirty="0"/>
-              <a:t>, </a:t>
-            </a:r>
-            <a:r>
-              <a:rPr lang="en-US" sz="2400" dirty="0" err="1"/>
-              <a:t>ChIPseq</a:t>
-            </a:r>
-            <a:r>
-              <a:rPr lang="en-US" sz="2400" dirty="0"/>
-              <a:t>, TF Motifs) </a:t>
-            </a:r>
-          </a:p>
-          <a:p>
-            <a:pPr marL="114300" indent="-114300">
-              <a:spcBef>
-                <a:spcPts val="500"/>
-              </a:spcBef>
-              <a:buSzPct val="100000"/>
-              <a:buChar char="•"/>
-              <a:defRPr sz="3600">
-                <a:latin typeface="Avenir Next Regular"/>
-                <a:ea typeface="Avenir Next Regular"/>
-                <a:cs typeface="Avenir Next Regular"/>
-                <a:sym typeface="Avenir Next Regular"/>
-              </a:defRPr>
-            </a:pPr>
-            <a:r>
-              <a:rPr sz="2400" dirty="0"/>
-              <a:t>community (CRAN and Bioconductor)</a:t>
-            </a:r>
-          </a:p>
-          <a:p>
-            <a:pPr marL="114300" indent="-114300">
-              <a:spcBef>
-                <a:spcPts val="500"/>
-              </a:spcBef>
-              <a:buSzPct val="100000"/>
-              <a:buChar char="•"/>
-              <a:defRPr sz="3600">
-                <a:latin typeface="Avenir Next Regular"/>
-                <a:ea typeface="Avenir Next Regular"/>
-                <a:cs typeface="Avenir Next Regular"/>
-                <a:sym typeface="Avenir Next Regular"/>
-              </a:defRPr>
-            </a:pPr>
-            <a:r>
-              <a:rPr sz="2400" dirty="0"/>
-              <a:t>Works on most operating systems (Linux, Mac, Windows)</a:t>
+              <a:rPr lang="en-US" dirty="0"/>
+              <a:t>Git/</a:t>
+            </a:r>
+            <a:r>
+              <a:rPr lang="en-US" dirty="0" err="1"/>
+              <a:t>Github</a:t>
+            </a:r>
+            <a:r>
+              <a:rPr lang="en-US" dirty="0"/>
+              <a:t> or getting code from class</a:t>
             </a:r>
           </a:p>
         </p:txBody>
       </p:sp>
     </p:spTree>
+    <p:extLst>
+      <p:ext uri="{BB962C8B-B14F-4D97-AF65-F5344CB8AC3E}">
+        <p14:creationId xmlns:p14="http://schemas.microsoft.com/office/powerpoint/2010/main" val="447718687"/>
+      </p:ext>
+    </p:extLst>
   </p:cSld>
   <p:clrMapOvr>
     <a:masterClrMapping/>
@@ -4801,14 +4638,14 @@
       </p:grpSpPr>
       <p:sp>
         <p:nvSpPr>
-          <p:cNvPr id="204" name="Downsides of R"/>
+          <p:cNvPr id="201" name="Why Learn R?"/>
           <p:cNvSpPr txBox="1"/>
           <p:nvPr/>
         </p:nvSpPr>
         <p:spPr>
           <a:xfrm>
-            <a:off x="4437757" y="413370"/>
-            <a:ext cx="3316485" cy="605294"/>
+            <a:off x="5129098" y="415088"/>
+            <a:ext cx="1951753" cy="420628"/>
           </a:xfrm>
           <a:prstGeom prst="rect">
             <a:avLst/>
@@ -4818,7 +4655,7 @@
           </a:ln>
           <a:extLst>
             <a:ext uri="{C572A759-6A51-4108-AA02-DFA0A04FC94B}">
-              <ma14:wrappingTextBoxFlag xmlns:ma14="http://schemas.microsoft.com/office/mac/drawingml/2011/main" xmlns:a14="http://schemas.microsoft.com/office/drawing/2010/main" xmlns:m="http://schemas.openxmlformats.org/officeDocument/2006/math" xmlns="" val="1"/>
+              <ma14:wrappingTextBoxFlag xmlns="" xmlns:m="http://schemas.openxmlformats.org/officeDocument/2006/math" xmlns:a14="http://schemas.microsoft.com/office/drawing/2010/main" xmlns:ma14="http://schemas.microsoft.com/office/mac/drawingml/2011/main" val="1"/>
             </a:ext>
           </a:extLst>
         </p:spPr>
@@ -4838,22 +4675,22 @@
           </a:lstStyle>
           <a:p>
             <a:r>
-              <a:rPr sz="3600" dirty="0"/>
-              <a:t>Downsides of R</a:t>
-            </a:r>
-          </a:p>
-        </p:txBody>
-      </p:sp>
-      <p:sp>
-        <p:nvSpPr>
-          <p:cNvPr id="205" name="Steep learning curve…"/>
+              <a:rPr sz="2400"/>
+              <a:t>Why Learn R?</a:t>
+            </a:r>
+          </a:p>
+        </p:txBody>
+      </p:sp>
+      <p:sp>
+        <p:nvSpPr>
+          <p:cNvPr id="202" name="Extremely powerful statistical tools…"/>
           <p:cNvSpPr txBox="1"/>
           <p:nvPr/>
         </p:nvSpPr>
         <p:spPr>
           <a:xfrm>
-            <a:off x="2734117" y="1708016"/>
-            <a:ext cx="6723764" cy="1720984"/>
+            <a:off x="512499" y="1918330"/>
+            <a:ext cx="11400720" cy="3021340"/>
           </a:xfrm>
           <a:prstGeom prst="rect">
             <a:avLst/>
@@ -4863,12 +4700,12 @@
           </a:ln>
           <a:extLst>
             <a:ext uri="{C572A759-6A51-4108-AA02-DFA0A04FC94B}">
-              <ma14:wrappingTextBoxFlag xmlns:ma14="http://schemas.microsoft.com/office/mac/drawingml/2011/main" xmlns:a14="http://schemas.microsoft.com/office/drawing/2010/main" xmlns:m="http://schemas.openxmlformats.org/officeDocument/2006/math" xmlns="" val="1"/>
+              <ma14:wrappingTextBoxFlag xmlns="" xmlns:m="http://schemas.openxmlformats.org/officeDocument/2006/math" xmlns:a14="http://schemas.microsoft.com/office/drawing/2010/main" xmlns:ma14="http://schemas.microsoft.com/office/mac/drawingml/2011/main" val="1"/>
             </a:ext>
           </a:extLst>
         </p:spPr>
         <p:txBody>
-          <a:bodyPr wrap="none" lIns="25400" tIns="25400" rIns="25400" bIns="25400" anchor="ctr">
+          <a:bodyPr wrap="square" lIns="25400" tIns="25400" rIns="25400" bIns="25400" anchor="ctr">
             <a:spAutoFit/>
           </a:bodyPr>
           <a:lstStyle/>
@@ -4888,7 +4725,7 @@
             </a:pPr>
             <a:r>
               <a:rPr sz="2400" dirty="0"/>
-              <a:t>Steep learning curve </a:t>
+              <a:t>Extremely powerful statistical tools</a:t>
             </a:r>
           </a:p>
           <a:p>
@@ -4907,15 +4744,7 @@
             </a:pPr>
             <a:r>
               <a:rPr sz="2400" dirty="0"/>
-              <a:t>Multiple ways to do things (base vs </a:t>
-            </a:r>
-            <a:r>
-              <a:rPr sz="2400" dirty="0" err="1"/>
-              <a:t>tidyverse</a:t>
-            </a:r>
-            <a:r>
-              <a:rPr sz="2400" dirty="0"/>
-              <a:t>)</a:t>
+              <a:t>Reproducibility</a:t>
             </a:r>
           </a:p>
           <a:p>
@@ -4934,7 +4763,7 @@
             </a:pPr>
             <a:r>
               <a:rPr sz="2400" dirty="0"/>
-              <a:t>Syntax is unlike other programming languages</a:t>
+              <a:t>High quality visualizations</a:t>
             </a:r>
           </a:p>
           <a:p>
@@ -4953,7 +4782,85 @@
             </a:pPr>
             <a:r>
               <a:rPr sz="2400" dirty="0"/>
-              <a:t>Not a general programming language</a:t>
+              <a:t>Multiple ways to do things</a:t>
+            </a:r>
+          </a:p>
+          <a:p>
+            <a:pPr marL="114300" indent="-114300">
+              <a:spcBef>
+                <a:spcPts val="500"/>
+              </a:spcBef>
+              <a:buSzPct val="100000"/>
+              <a:buFontTx/>
+              <a:buChar char="•"/>
+              <a:defRPr sz="3600">
+                <a:latin typeface="Avenir Next Regular"/>
+                <a:ea typeface="Avenir Next Regular"/>
+                <a:cs typeface="Avenir Next Regular"/>
+                <a:sym typeface="Avenir Next Regular"/>
+              </a:defRPr>
+            </a:pPr>
+            <a:r>
+              <a:rPr sz="2400" dirty="0"/>
+              <a:t>R is free, has a huge </a:t>
+            </a:r>
+            <a:r>
+              <a:rPr lang="en-US" sz="2400" dirty="0"/>
+              <a:t>Great packages for biologists (</a:t>
+            </a:r>
+            <a:r>
+              <a:rPr lang="en-US" sz="2400" dirty="0" err="1"/>
+              <a:t>RNAseq</a:t>
+            </a:r>
+            <a:r>
+              <a:rPr lang="en-US" sz="2400" dirty="0"/>
+              <a:t>, </a:t>
+            </a:r>
+            <a:r>
+              <a:rPr lang="en-US" sz="2400" dirty="0" err="1"/>
+              <a:t>ChIPseq</a:t>
+            </a:r>
+            <a:r>
+              <a:rPr lang="en-US" sz="2400" dirty="0"/>
+              <a:t>, TF Motifs) </a:t>
+            </a:r>
+          </a:p>
+          <a:p>
+            <a:pPr marL="114300" indent="-114300">
+              <a:spcBef>
+                <a:spcPts val="500"/>
+              </a:spcBef>
+              <a:buSzPct val="100000"/>
+              <a:buChar char="•"/>
+              <a:defRPr sz="3600">
+                <a:latin typeface="Avenir Next Regular"/>
+                <a:ea typeface="Avenir Next Regular"/>
+                <a:cs typeface="Avenir Next Regular"/>
+                <a:sym typeface="Avenir Next Regular"/>
+              </a:defRPr>
+            </a:pPr>
+            <a:r>
+              <a:rPr sz="2400" dirty="0"/>
+              <a:t>community (CRAN and Bioconductor)</a:t>
+            </a:r>
+          </a:p>
+          <a:p>
+            <a:pPr marL="114300" indent="-114300">
+              <a:spcBef>
+                <a:spcPts val="500"/>
+              </a:spcBef>
+              <a:buSzPct val="100000"/>
+              <a:buChar char="•"/>
+              <a:defRPr sz="3600">
+                <a:latin typeface="Avenir Next Regular"/>
+                <a:ea typeface="Avenir Next Regular"/>
+                <a:cs typeface="Avenir Next Regular"/>
+                <a:sym typeface="Avenir Next Regular"/>
+              </a:defRPr>
+            </a:pPr>
+            <a:r>
+              <a:rPr sz="2400" dirty="0"/>
+              <a:t>Works on most operating systems (Linux, Mac, Windows)</a:t>
             </a:r>
           </a:p>
         </p:txBody>
@@ -4985,14 +4892,14 @@
       </p:grpSpPr>
       <p:sp>
         <p:nvSpPr>
-          <p:cNvPr id="207" name="Where to get more information?"/>
+          <p:cNvPr id="204" name="Downsides of R"/>
           <p:cNvSpPr txBox="1"/>
           <p:nvPr/>
         </p:nvSpPr>
         <p:spPr>
           <a:xfrm>
-            <a:off x="3049329" y="282952"/>
-            <a:ext cx="6321795" cy="605294"/>
+            <a:off x="4437757" y="413370"/>
+            <a:ext cx="3316485" cy="605294"/>
           </a:xfrm>
           <a:prstGeom prst="rect">
             <a:avLst/>
@@ -5002,7 +4909,7 @@
           </a:ln>
           <a:extLst>
             <a:ext uri="{C572A759-6A51-4108-AA02-DFA0A04FC94B}">
-              <ma14:wrappingTextBoxFlag xmlns:ma14="http://schemas.microsoft.com/office/mac/drawingml/2011/main" xmlns:a14="http://schemas.microsoft.com/office/drawing/2010/main" xmlns:m="http://schemas.openxmlformats.org/officeDocument/2006/math" xmlns="" val="1"/>
+              <ma14:wrappingTextBoxFlag xmlns="" xmlns:m="http://schemas.openxmlformats.org/officeDocument/2006/math" xmlns:a14="http://schemas.microsoft.com/office/drawing/2010/main" xmlns:ma14="http://schemas.microsoft.com/office/mac/drawingml/2011/main" val="1"/>
             </a:ext>
           </a:extLst>
         </p:spPr>
@@ -5012,27 +4919,32 @@
           </a:bodyPr>
           <a:lstStyle>
             <a:lvl1pPr>
-              <a:defRPr sz="4800"/>
+              <a:defRPr sz="4800">
+                <a:latin typeface="Avenir Next Regular"/>
+                <a:ea typeface="Avenir Next Regular"/>
+                <a:cs typeface="Avenir Next Regular"/>
+                <a:sym typeface="Avenir Next Regular"/>
+              </a:defRPr>
             </a:lvl1pPr>
           </a:lstStyle>
           <a:p>
             <a:r>
               <a:rPr sz="3600" dirty="0"/>
-              <a:t>Where to get more information?</a:t>
-            </a:r>
-          </a:p>
-        </p:txBody>
-      </p:sp>
-      <p:sp>
-        <p:nvSpPr>
-          <p:cNvPr id="208" name="R for data science https://r4ds.hadley.nz/"/>
+              <a:t>Downsides of R</a:t>
+            </a:r>
+          </a:p>
+        </p:txBody>
+      </p:sp>
+      <p:sp>
+        <p:nvSpPr>
+          <p:cNvPr id="205" name="Steep learning curve…"/>
           <p:cNvSpPr txBox="1"/>
           <p:nvPr/>
         </p:nvSpPr>
         <p:spPr>
           <a:xfrm>
-            <a:off x="1717738" y="1109597"/>
-            <a:ext cx="8234242" cy="605294"/>
+            <a:off x="2734117" y="1708016"/>
+            <a:ext cx="6723764" cy="1720984"/>
           </a:xfrm>
           <a:prstGeom prst="rect">
             <a:avLst/>
@@ -5042,7 +4954,7 @@
           </a:ln>
           <a:extLst>
             <a:ext uri="{C572A759-6A51-4108-AA02-DFA0A04FC94B}">
-              <ma14:wrappingTextBoxFlag xmlns:ma14="http://schemas.microsoft.com/office/mac/drawingml/2011/main" xmlns:a14="http://schemas.microsoft.com/office/drawing/2010/main" xmlns:m="http://schemas.openxmlformats.org/officeDocument/2006/math" xmlns="" val="1"/>
+              <ma14:wrappingTextBoxFlag xmlns="" xmlns:m="http://schemas.openxmlformats.org/officeDocument/2006/math" xmlns:a14="http://schemas.microsoft.com/office/drawing/2010/main" xmlns:ma14="http://schemas.microsoft.com/office/mac/drawingml/2011/main" val="1"/>
             </a:ext>
           </a:extLst>
         </p:spPr>
@@ -5052,223 +4964,87 @@
           </a:bodyPr>
           <a:lstStyle/>
           <a:p>
-            <a:pPr>
-              <a:defRPr sz="3600"/>
+            <a:pPr marL="114300" indent="-114300">
+              <a:spcBef>
+                <a:spcPts val="500"/>
+              </a:spcBef>
+              <a:buSzPct val="100000"/>
+              <a:buChar char="•"/>
+              <a:defRPr sz="3600">
+                <a:latin typeface="Avenir Next Regular"/>
+                <a:ea typeface="Avenir Next Regular"/>
+                <a:cs typeface="Avenir Next Regular"/>
+                <a:sym typeface="Avenir Next Regular"/>
+              </a:defRPr>
             </a:pPr>
             <a:r>
-              <a:rPr dirty="0"/>
-              <a:t>R for data science </a:t>
-            </a:r>
-            <a:r>
-              <a:rPr u="sng" dirty="0">
-                <a:hlinkClick r:id="rId2"/>
-              </a:rPr>
-              <a:t>https://r4ds.hadley.nz/</a:t>
-            </a:r>
-          </a:p>
-        </p:txBody>
-      </p:sp>
-      <p:pic>
-        <p:nvPicPr>
-          <p:cNvPr id="209" name="Image" descr="Image"/>
-          <p:cNvPicPr>
-            <a:picLocks noChangeAspect="1"/>
-          </p:cNvPicPr>
-          <p:nvPr/>
-        </p:nvPicPr>
-        <p:blipFill>
-          <a:blip r:embed="rId3"/>
-          <a:stretch>
-            <a:fillRect/>
-          </a:stretch>
-        </p:blipFill>
-        <p:spPr>
-          <a:xfrm>
-            <a:off x="2837456" y="3178435"/>
-            <a:ext cx="8836067" cy="3062957"/>
-          </a:xfrm>
-          <a:prstGeom prst="rect">
-            <a:avLst/>
-          </a:prstGeom>
-          <a:ln w="12700">
-            <a:miter lim="400000"/>
-          </a:ln>
-        </p:spPr>
-      </p:pic>
-      <p:sp>
-        <p:nvSpPr>
-          <p:cNvPr id="210" name="https://style.tidyverse.org/syntax.html"/>
-          <p:cNvSpPr txBox="1"/>
-          <p:nvPr/>
-        </p:nvSpPr>
-        <p:spPr>
-          <a:xfrm>
-            <a:off x="197525" y="6241392"/>
-            <a:ext cx="3378297" cy="297517"/>
-          </a:xfrm>
-          <a:prstGeom prst="rect">
-            <a:avLst/>
-          </a:prstGeom>
-          <a:ln w="12700">
-            <a:miter lim="400000"/>
-          </a:ln>
-          <a:extLst>
-            <a:ext uri="{C572A759-6A51-4108-AA02-DFA0A04FC94B}">
-              <ma14:wrappingTextBoxFlag xmlns:ma14="http://schemas.microsoft.com/office/mac/drawingml/2011/main" xmlns:a14="http://schemas.microsoft.com/office/drawing/2010/main" xmlns:m="http://schemas.openxmlformats.org/officeDocument/2006/math" xmlns="" val="1"/>
-            </a:ext>
-          </a:extLst>
-        </p:spPr>
-        <p:txBody>
-          <a:bodyPr wrap="none" lIns="25400" tIns="25400" rIns="25400" bIns="25400" anchor="ctr">
-            <a:spAutoFit/>
-          </a:bodyPr>
-          <a:lstStyle/>
-          <a:p>
-            <a:r>
-              <a:rPr sz="1600" dirty="0"/>
-              <a:t>https://</a:t>
-            </a:r>
-            <a:r>
-              <a:rPr sz="1600" dirty="0" err="1"/>
-              <a:t>style.tidyverse.org</a:t>
-            </a:r>
-            <a:r>
-              <a:rPr sz="1600" dirty="0"/>
-              <a:t>/</a:t>
-            </a:r>
-            <a:r>
-              <a:rPr sz="1600" dirty="0" err="1"/>
-              <a:t>syntax.html</a:t>
-            </a:r>
-            <a:endParaRPr sz="1600" dirty="0"/>
-          </a:p>
-        </p:txBody>
-      </p:sp>
-      <p:sp>
-        <p:nvSpPr>
-          <p:cNvPr id="211" name="Sticking to a style"/>
-          <p:cNvSpPr txBox="1"/>
-          <p:nvPr/>
-        </p:nvSpPr>
-        <p:spPr>
-          <a:xfrm>
-            <a:off x="197525" y="5943875"/>
-            <a:ext cx="1581523" cy="297517"/>
-          </a:xfrm>
-          <a:prstGeom prst="rect">
-            <a:avLst/>
-          </a:prstGeom>
-          <a:ln w="12700">
-            <a:miter lim="400000"/>
-          </a:ln>
-          <a:extLst>
-            <a:ext uri="{C572A759-6A51-4108-AA02-DFA0A04FC94B}">
-              <ma14:wrappingTextBoxFlag xmlns:ma14="http://schemas.microsoft.com/office/mac/drawingml/2011/main" xmlns:a14="http://schemas.microsoft.com/office/drawing/2010/main" xmlns:m="http://schemas.openxmlformats.org/officeDocument/2006/math" xmlns="" val="1"/>
-            </a:ext>
-          </a:extLst>
-        </p:spPr>
-        <p:txBody>
-          <a:bodyPr wrap="none" lIns="25400" tIns="25400" rIns="25400" bIns="25400" anchor="ctr">
-            <a:spAutoFit/>
-          </a:bodyPr>
-          <a:lstStyle/>
-          <a:p>
-            <a:r>
-              <a:rPr sz="1600" dirty="0"/>
-              <a:t>Sticking to a style</a:t>
-            </a:r>
-          </a:p>
-        </p:txBody>
-      </p:sp>
-      <p:sp>
-        <p:nvSpPr>
-          <p:cNvPr id="212" name="https://melbournebioinformatics.github.io/r-intro-biologists/intro_r_biologists.html#R_for_Biologists_course"/>
-          <p:cNvSpPr txBox="1"/>
-          <p:nvPr/>
-        </p:nvSpPr>
-        <p:spPr>
-          <a:xfrm>
-            <a:off x="1187074" y="2155334"/>
-            <a:ext cx="11592499" cy="789960"/>
-          </a:xfrm>
-          <a:prstGeom prst="rect">
-            <a:avLst/>
-          </a:prstGeom>
-          <a:ln w="12700">
-            <a:miter lim="400000"/>
-          </a:ln>
-          <a:extLst>
-            <a:ext uri="{C572A759-6A51-4108-AA02-DFA0A04FC94B}">
-              <ma14:wrappingTextBoxFlag xmlns:ma14="http://schemas.microsoft.com/office/mac/drawingml/2011/main" xmlns:a14="http://schemas.microsoft.com/office/drawing/2010/main" xmlns:m="http://schemas.openxmlformats.org/officeDocument/2006/math" xmlns="" val="1"/>
-            </a:ext>
-          </a:extLst>
-        </p:spPr>
-        <p:txBody>
-          <a:bodyPr wrap="square" lIns="25400" tIns="25400" rIns="25400" bIns="25400" anchor="ctr">
-            <a:spAutoFit/>
-          </a:bodyPr>
-          <a:lstStyle/>
-          <a:p>
-            <a:r>
               <a:rPr sz="2400" dirty="0"/>
-              <a:t>https://</a:t>
+              <a:t>Steep learning curve </a:t>
+            </a:r>
+          </a:p>
+          <a:p>
+            <a:pPr marL="114300" indent="-114300">
+              <a:spcBef>
+                <a:spcPts val="500"/>
+              </a:spcBef>
+              <a:buSzPct val="100000"/>
+              <a:buChar char="•"/>
+              <a:defRPr sz="3600">
+                <a:latin typeface="Avenir Next Regular"/>
+                <a:ea typeface="Avenir Next Regular"/>
+                <a:cs typeface="Avenir Next Regular"/>
+                <a:sym typeface="Avenir Next Regular"/>
+              </a:defRPr>
+            </a:pPr>
+            <a:r>
+              <a:rPr sz="2400" dirty="0"/>
+              <a:t>Multiple ways to do things (base vs </a:t>
             </a:r>
             <a:r>
               <a:rPr sz="2400" dirty="0" err="1"/>
-              <a:t>melbournebioinformatics.github.io</a:t>
+              <a:t>tidyverse</a:t>
             </a:r>
             <a:r>
               <a:rPr sz="2400" dirty="0"/>
-              <a:t>/r-intro-biologists/</a:t>
-            </a:r>
-            <a:r>
-              <a:rPr sz="2400" dirty="0" err="1"/>
-              <a:t>intro_r_biologists.html#R_for_Biologists_course</a:t>
-            </a:r>
-            <a:endParaRPr sz="2400" dirty="0"/>
-          </a:p>
-        </p:txBody>
-      </p:sp>
-      <p:sp>
-        <p:nvSpPr>
-          <p:cNvPr id="213" name="http://r-statistics.co/Complete-Ggplot2-Tutorial-Part1-With-R-Code.html"/>
-          <p:cNvSpPr txBox="1"/>
-          <p:nvPr/>
-        </p:nvSpPr>
-        <p:spPr>
-          <a:xfrm>
-            <a:off x="1717738" y="1714891"/>
-            <a:ext cx="7281032" cy="328295"/>
-          </a:xfrm>
-          <a:prstGeom prst="rect">
-            <a:avLst/>
-          </a:prstGeom>
-          <a:ln w="12700">
-            <a:miter lim="400000"/>
-          </a:ln>
-          <a:extLst>
-            <a:ext uri="{C572A759-6A51-4108-AA02-DFA0A04FC94B}">
-              <ma14:wrappingTextBoxFlag xmlns:ma14="http://schemas.microsoft.com/office/mac/drawingml/2011/main" xmlns:a14="http://schemas.microsoft.com/office/drawing/2010/main" xmlns:m="http://schemas.openxmlformats.org/officeDocument/2006/math" xmlns="" val="1"/>
-            </a:ext>
-          </a:extLst>
-        </p:spPr>
-        <p:txBody>
-          <a:bodyPr wrap="none" lIns="25400" tIns="25400" rIns="25400" bIns="25400" anchor="ctr">
-            <a:spAutoFit/>
-          </a:bodyPr>
-          <a:lstStyle/>
-          <a:p>
-            <a:r>
-              <a:rPr dirty="0"/>
-              <a:t>http://r-</a:t>
-            </a:r>
-            <a:r>
-              <a:rPr dirty="0" err="1"/>
-              <a:t>statistics.co</a:t>
-            </a:r>
-            <a:r>
-              <a:rPr dirty="0"/>
-              <a:t>/Complete-Ggplot2-Tutorial-Part1-With-R-Code.html</a:t>
+              <a:t>)</a:t>
+            </a:r>
+          </a:p>
+          <a:p>
+            <a:pPr marL="114300" indent="-114300">
+              <a:spcBef>
+                <a:spcPts val="500"/>
+              </a:spcBef>
+              <a:buSzPct val="100000"/>
+              <a:buChar char="•"/>
+              <a:defRPr sz="3600">
+                <a:latin typeface="Avenir Next Regular"/>
+                <a:ea typeface="Avenir Next Regular"/>
+                <a:cs typeface="Avenir Next Regular"/>
+                <a:sym typeface="Avenir Next Regular"/>
+              </a:defRPr>
+            </a:pPr>
+            <a:r>
+              <a:rPr sz="2400" dirty="0"/>
+              <a:t>Syntax is unlike other programming languages</a:t>
+            </a:r>
+          </a:p>
+          <a:p>
+            <a:pPr marL="114300" indent="-114300">
+              <a:spcBef>
+                <a:spcPts val="500"/>
+              </a:spcBef>
+              <a:buSzPct val="100000"/>
+              <a:buChar char="•"/>
+              <a:defRPr sz="3600">
+                <a:latin typeface="Avenir Next Regular"/>
+                <a:ea typeface="Avenir Next Regular"/>
+                <a:cs typeface="Avenir Next Regular"/>
+                <a:sym typeface="Avenir Next Regular"/>
+              </a:defRPr>
+            </a:pPr>
+            <a:r>
+              <a:rPr sz="2400" dirty="0"/>
+              <a:t>Not a general programming language</a:t>
             </a:r>
           </a:p>
         </p:txBody>
@@ -5300,14 +5076,14 @@
       </p:grpSpPr>
       <p:sp>
         <p:nvSpPr>
-          <p:cNvPr id="215" name="Basic Syntax"/>
+          <p:cNvPr id="207" name="Where to get more information?"/>
           <p:cNvSpPr txBox="1"/>
           <p:nvPr/>
         </p:nvSpPr>
         <p:spPr>
           <a:xfrm>
-            <a:off x="5284159" y="326809"/>
-            <a:ext cx="1730795" cy="420628"/>
+            <a:off x="3049329" y="282952"/>
+            <a:ext cx="6321795" cy="605294"/>
           </a:xfrm>
           <a:prstGeom prst="rect">
             <a:avLst/>
@@ -5317,7 +5093,7 @@
           </a:ln>
           <a:extLst>
             <a:ext uri="{C572A759-6A51-4108-AA02-DFA0A04FC94B}">
-              <ma14:wrappingTextBoxFlag xmlns:ma14="http://schemas.microsoft.com/office/mac/drawingml/2011/main" xmlns:a14="http://schemas.microsoft.com/office/drawing/2010/main" xmlns:m="http://schemas.openxmlformats.org/officeDocument/2006/math" xmlns="" val="1"/>
+              <ma14:wrappingTextBoxFlag xmlns="" xmlns:m="http://schemas.openxmlformats.org/officeDocument/2006/math" xmlns:a14="http://schemas.microsoft.com/office/drawing/2010/main" xmlns:ma14="http://schemas.microsoft.com/office/mac/drawingml/2011/main" val="1"/>
             </a:ext>
           </a:extLst>
         </p:spPr>
@@ -5332,22 +5108,22 @@
           </a:lstStyle>
           <a:p>
             <a:r>
-              <a:rPr sz="2400"/>
-              <a:t>Basic Syntax</a:t>
-            </a:r>
-          </a:p>
-        </p:txBody>
-      </p:sp>
-      <p:sp>
-        <p:nvSpPr>
-          <p:cNvPr id="216" name="a &lt;- “some string”"/>
+              <a:rPr sz="3600" dirty="0"/>
+              <a:t>Where to get more information?</a:t>
+            </a:r>
+          </a:p>
+        </p:txBody>
+      </p:sp>
+      <p:sp>
+        <p:nvSpPr>
+          <p:cNvPr id="208" name="R for data science https://r4ds.hadley.nz/"/>
           <p:cNvSpPr txBox="1"/>
           <p:nvPr/>
         </p:nvSpPr>
         <p:spPr>
           <a:xfrm>
-            <a:off x="5019358" y="2073515"/>
-            <a:ext cx="1824474" cy="328295"/>
+            <a:off x="1717738" y="1109597"/>
+            <a:ext cx="8234242" cy="605294"/>
           </a:xfrm>
           <a:prstGeom prst="rect">
             <a:avLst/>
@@ -5357,7 +5133,7 @@
           </a:ln>
           <a:extLst>
             <a:ext uri="{C572A759-6A51-4108-AA02-DFA0A04FC94B}">
-              <ma14:wrappingTextBoxFlag xmlns:ma14="http://schemas.microsoft.com/office/mac/drawingml/2011/main" xmlns:a14="http://schemas.microsoft.com/office/drawing/2010/main" xmlns:m="http://schemas.openxmlformats.org/officeDocument/2006/math" xmlns="" val="1"/>
+              <ma14:wrappingTextBoxFlag xmlns="" xmlns:m="http://schemas.openxmlformats.org/officeDocument/2006/math" xmlns:a14="http://schemas.microsoft.com/office/drawing/2010/main" xmlns:ma14="http://schemas.microsoft.com/office/mac/drawingml/2011/main" val="1"/>
             </a:ext>
           </a:extLst>
         </p:spPr>
@@ -5365,29 +5141,61 @@
           <a:bodyPr wrap="none" lIns="25400" tIns="25400" rIns="25400" bIns="25400" anchor="ctr">
             <a:spAutoFit/>
           </a:bodyPr>
-          <a:lstStyle>
-            <a:lvl1pPr>
+          <a:lstStyle/>
+          <a:p>
+            <a:pPr>
               <a:defRPr sz="3600"/>
-            </a:lvl1pPr>
-          </a:lstStyle>
-          <a:p>
-            <a:r>
-              <a:rPr sz="1800"/>
-              <a:t>a &lt;- “some string”</a:t>
-            </a:r>
-          </a:p>
-        </p:txBody>
-      </p:sp>
-      <p:sp>
-        <p:nvSpPr>
-          <p:cNvPr id="217" name="variable"/>
+            </a:pPr>
+            <a:r>
+              <a:rPr dirty="0"/>
+              <a:t>R for data science </a:t>
+            </a:r>
+            <a:r>
+              <a:rPr u="sng" dirty="0">
+                <a:hlinkClick r:id="rId2"/>
+              </a:rPr>
+              <a:t>https://r4ds.hadley.nz/</a:t>
+            </a:r>
+          </a:p>
+        </p:txBody>
+      </p:sp>
+      <p:pic>
+        <p:nvPicPr>
+          <p:cNvPr id="209" name="Image" descr="Image"/>
+          <p:cNvPicPr>
+            <a:picLocks noChangeAspect="1"/>
+          </p:cNvPicPr>
+          <p:nvPr/>
+        </p:nvPicPr>
+        <p:blipFill>
+          <a:blip r:embed="rId3"/>
+          <a:stretch>
+            <a:fillRect/>
+          </a:stretch>
+        </p:blipFill>
+        <p:spPr>
+          <a:xfrm>
+            <a:off x="2837456" y="3178435"/>
+            <a:ext cx="8836067" cy="3062957"/>
+          </a:xfrm>
+          <a:prstGeom prst="rect">
+            <a:avLst/>
+          </a:prstGeom>
+          <a:ln w="12700">
+            <a:miter lim="400000"/>
+          </a:ln>
+        </p:spPr>
+      </p:pic>
+      <p:sp>
+        <p:nvSpPr>
+          <p:cNvPr id="210" name="https://style.tidyverse.org/syntax.html"/>
           <p:cNvSpPr txBox="1"/>
           <p:nvPr/>
         </p:nvSpPr>
         <p:spPr>
           <a:xfrm>
-            <a:off x="3805679" y="3091917"/>
-            <a:ext cx="844014" cy="328295"/>
+            <a:off x="197525" y="6241392"/>
+            <a:ext cx="3378297" cy="297517"/>
           </a:xfrm>
           <a:prstGeom prst="rect">
             <a:avLst/>
@@ -5397,7 +5205,7 @@
           </a:ln>
           <a:extLst>
             <a:ext uri="{C572A759-6A51-4108-AA02-DFA0A04FC94B}">
-              <ma14:wrappingTextBoxFlag xmlns:ma14="http://schemas.microsoft.com/office/mac/drawingml/2011/main" xmlns:a14="http://schemas.microsoft.com/office/drawing/2010/main" xmlns:m="http://schemas.openxmlformats.org/officeDocument/2006/math" xmlns="" val="1"/>
+              <ma14:wrappingTextBoxFlag xmlns="" xmlns:m="http://schemas.openxmlformats.org/officeDocument/2006/math" xmlns:a14="http://schemas.microsoft.com/office/drawing/2010/main" xmlns:ma14="http://schemas.microsoft.com/office/mac/drawingml/2011/main" val="1"/>
             </a:ext>
           </a:extLst>
         </p:spPr>
@@ -5405,29 +5213,38 @@
           <a:bodyPr wrap="none" lIns="25400" tIns="25400" rIns="25400" bIns="25400" anchor="ctr">
             <a:spAutoFit/>
           </a:bodyPr>
-          <a:lstStyle>
-            <a:lvl1pPr>
-              <a:defRPr sz="3600"/>
-            </a:lvl1pPr>
-          </a:lstStyle>
-          <a:p>
-            <a:r>
-              <a:rPr sz="1800"/>
-              <a:t>variable</a:t>
-            </a:r>
-          </a:p>
-        </p:txBody>
-      </p:sp>
-      <p:sp>
-        <p:nvSpPr>
-          <p:cNvPr id="218" name="assignment"/>
+          <a:lstStyle/>
+          <a:p>
+            <a:r>
+              <a:rPr sz="1600" dirty="0"/>
+              <a:t>https://</a:t>
+            </a:r>
+            <a:r>
+              <a:rPr sz="1600" dirty="0" err="1"/>
+              <a:t>style.tidyverse.org</a:t>
+            </a:r>
+            <a:r>
+              <a:rPr sz="1600" dirty="0"/>
+              <a:t>/</a:t>
+            </a:r>
+            <a:r>
+              <a:rPr sz="1600" dirty="0" err="1"/>
+              <a:t>syntax.html</a:t>
+            </a:r>
+            <a:endParaRPr sz="1600" dirty="0"/>
+          </a:p>
+        </p:txBody>
+      </p:sp>
+      <p:sp>
+        <p:nvSpPr>
+          <p:cNvPr id="211" name="Sticking to a style"/>
           <p:cNvSpPr txBox="1"/>
           <p:nvPr/>
         </p:nvSpPr>
         <p:spPr>
           <a:xfrm>
-            <a:off x="4783282" y="3264853"/>
-            <a:ext cx="1213474" cy="328295"/>
+            <a:off x="197525" y="5943875"/>
+            <a:ext cx="1581523" cy="297517"/>
           </a:xfrm>
           <a:prstGeom prst="rect">
             <a:avLst/>
@@ -5437,7 +5254,7 @@
           </a:ln>
           <a:extLst>
             <a:ext uri="{C572A759-6A51-4108-AA02-DFA0A04FC94B}">
-              <ma14:wrappingTextBoxFlag xmlns:ma14="http://schemas.microsoft.com/office/mac/drawingml/2011/main" xmlns:a14="http://schemas.microsoft.com/office/drawing/2010/main" xmlns:m="http://schemas.openxmlformats.org/officeDocument/2006/math" xmlns="" val="1"/>
+              <ma14:wrappingTextBoxFlag xmlns="" xmlns:m="http://schemas.openxmlformats.org/officeDocument/2006/math" xmlns:a14="http://schemas.microsoft.com/office/drawing/2010/main" xmlns:ma14="http://schemas.microsoft.com/office/mac/drawingml/2011/main" val="1"/>
             </a:ext>
           </a:extLst>
         </p:spPr>
@@ -5445,29 +5262,25 @@
           <a:bodyPr wrap="none" lIns="25400" tIns="25400" rIns="25400" bIns="25400" anchor="ctr">
             <a:spAutoFit/>
           </a:bodyPr>
-          <a:lstStyle>
-            <a:lvl1pPr>
-              <a:defRPr sz="3600"/>
-            </a:lvl1pPr>
-          </a:lstStyle>
-          <a:p>
-            <a:r>
-              <a:rPr sz="1800"/>
-              <a:t>assignment</a:t>
-            </a:r>
-          </a:p>
-        </p:txBody>
-      </p:sp>
-      <p:sp>
-        <p:nvSpPr>
-          <p:cNvPr id="219" name="string"/>
+          <a:lstStyle/>
+          <a:p>
+            <a:r>
+              <a:rPr sz="1600" dirty="0"/>
+              <a:t>Sticking to a style</a:t>
+            </a:r>
+          </a:p>
+        </p:txBody>
+      </p:sp>
+      <p:sp>
+        <p:nvSpPr>
+          <p:cNvPr id="212" name="https://melbournebioinformatics.github.io/r-intro-biologists/intro_r_biologists.html#R_for_Biologists_course"/>
           <p:cNvSpPr txBox="1"/>
           <p:nvPr/>
         </p:nvSpPr>
         <p:spPr>
           <a:xfrm>
-            <a:off x="6542774" y="3264853"/>
-            <a:ext cx="607795" cy="328295"/>
+            <a:off x="1187074" y="2155334"/>
+            <a:ext cx="11592499" cy="789960"/>
           </a:xfrm>
           <a:prstGeom prst="rect">
             <a:avLst/>
@@ -5477,7 +5290,56 @@
           </a:ln>
           <a:extLst>
             <a:ext uri="{C572A759-6A51-4108-AA02-DFA0A04FC94B}">
-              <ma14:wrappingTextBoxFlag xmlns:ma14="http://schemas.microsoft.com/office/mac/drawingml/2011/main" xmlns:a14="http://schemas.microsoft.com/office/drawing/2010/main" xmlns:m="http://schemas.openxmlformats.org/officeDocument/2006/math" xmlns="" val="1"/>
+              <ma14:wrappingTextBoxFlag xmlns="" xmlns:m="http://schemas.openxmlformats.org/officeDocument/2006/math" xmlns:a14="http://schemas.microsoft.com/office/drawing/2010/main" xmlns:ma14="http://schemas.microsoft.com/office/mac/drawingml/2011/main" val="1"/>
+            </a:ext>
+          </a:extLst>
+        </p:spPr>
+        <p:txBody>
+          <a:bodyPr wrap="square" lIns="25400" tIns="25400" rIns="25400" bIns="25400" anchor="ctr">
+            <a:spAutoFit/>
+          </a:bodyPr>
+          <a:lstStyle/>
+          <a:p>
+            <a:r>
+              <a:rPr sz="2400" dirty="0"/>
+              <a:t>https://</a:t>
+            </a:r>
+            <a:r>
+              <a:rPr sz="2400" dirty="0" err="1"/>
+              <a:t>melbournebioinformatics.github.io</a:t>
+            </a:r>
+            <a:r>
+              <a:rPr sz="2400" dirty="0"/>
+              <a:t>/r-intro-biologists/</a:t>
+            </a:r>
+            <a:r>
+              <a:rPr sz="2400" dirty="0" err="1"/>
+              <a:t>intro_r_biologists.html#R_for_Biologists_course</a:t>
+            </a:r>
+            <a:endParaRPr sz="2400" dirty="0"/>
+          </a:p>
+        </p:txBody>
+      </p:sp>
+      <p:sp>
+        <p:nvSpPr>
+          <p:cNvPr id="213" name="http://r-statistics.co/Complete-Ggplot2-Tutorial-Part1-With-R-Code.html"/>
+          <p:cNvSpPr txBox="1"/>
+          <p:nvPr/>
+        </p:nvSpPr>
+        <p:spPr>
+          <a:xfrm>
+            <a:off x="1717738" y="1714891"/>
+            <a:ext cx="7281032" cy="328295"/>
+          </a:xfrm>
+          <a:prstGeom prst="rect">
+            <a:avLst/>
+          </a:prstGeom>
+          <a:ln w="12700">
+            <a:miter lim="400000"/>
+          </a:ln>
+          <a:extLst>
+            <a:ext uri="{C572A759-6A51-4108-AA02-DFA0A04FC94B}">
+              <ma14:wrappingTextBoxFlag xmlns="" xmlns:m="http://schemas.openxmlformats.org/officeDocument/2006/math" xmlns:a14="http://schemas.microsoft.com/office/drawing/2010/main" xmlns:ma14="http://schemas.microsoft.com/office/mac/drawingml/2011/main" val="1"/>
             </a:ext>
           </a:extLst>
         </p:spPr>
@@ -5485,106 +5347,20 @@
           <a:bodyPr wrap="none" lIns="25400" tIns="25400" rIns="25400" bIns="25400" anchor="ctr">
             <a:spAutoFit/>
           </a:bodyPr>
-          <a:lstStyle>
-            <a:lvl1pPr>
-              <a:defRPr sz="3600"/>
-            </a:lvl1pPr>
-          </a:lstStyle>
-          <a:p>
-            <a:r>
-              <a:rPr sz="1800"/>
-              <a:t>string</a:t>
-            </a:r>
-          </a:p>
-        </p:txBody>
-      </p:sp>
-      <p:sp>
-        <p:nvSpPr>
-          <p:cNvPr id="220" name="Line"/>
-          <p:cNvSpPr/>
-          <p:nvPr/>
-        </p:nvSpPr>
-        <p:spPr>
-          <a:xfrm flipV="1">
-            <a:off x="4356580" y="2410148"/>
-            <a:ext cx="635001" cy="635001"/>
-          </a:xfrm>
-          <a:prstGeom prst="line">
-            <a:avLst/>
-          </a:prstGeom>
-          <a:ln w="25400">
-            <a:solidFill>
-              <a:srgbClr val="000000"/>
-            </a:solidFill>
-            <a:miter lim="400000"/>
-            <a:tailEnd type="triangle"/>
-          </a:ln>
-        </p:spPr>
-        <p:txBody>
-          <a:bodyPr lIns="25400" tIns="25400" rIns="25400" bIns="25400" anchor="ctr"/>
           <a:lstStyle/>
           <a:p>
-            <a:endParaRPr sz="900"/>
-          </a:p>
-        </p:txBody>
-      </p:sp>
-      <p:sp>
-        <p:nvSpPr>
-          <p:cNvPr id="221" name="Line"/>
-          <p:cNvSpPr/>
-          <p:nvPr/>
-        </p:nvSpPr>
-        <p:spPr>
-          <a:xfrm flipV="1">
-            <a:off x="5400502" y="2418247"/>
-            <a:ext cx="1" cy="757798"/>
-          </a:xfrm>
-          <a:prstGeom prst="line">
-            <a:avLst/>
-          </a:prstGeom>
-          <a:ln w="25400">
-            <a:solidFill>
-              <a:srgbClr val="000000"/>
-            </a:solidFill>
-            <a:miter lim="400000"/>
-            <a:tailEnd type="triangle"/>
-          </a:ln>
-        </p:spPr>
-        <p:txBody>
-          <a:bodyPr lIns="25400" tIns="25400" rIns="25400" bIns="25400" anchor="ctr"/>
-          <a:lstStyle/>
-          <a:p>
-            <a:endParaRPr sz="900"/>
-          </a:p>
-        </p:txBody>
-      </p:sp>
-      <p:sp>
-        <p:nvSpPr>
-          <p:cNvPr id="222" name="Line"/>
-          <p:cNvSpPr/>
-          <p:nvPr/>
-        </p:nvSpPr>
-        <p:spPr>
-          <a:xfrm flipH="1" flipV="1">
-            <a:off x="6386329" y="2418247"/>
-            <a:ext cx="261206" cy="755660"/>
-          </a:xfrm>
-          <a:prstGeom prst="line">
-            <a:avLst/>
-          </a:prstGeom>
-          <a:ln w="25400">
-            <a:solidFill>
-              <a:srgbClr val="000000"/>
-            </a:solidFill>
-            <a:miter lim="400000"/>
-            <a:tailEnd type="triangle"/>
-          </a:ln>
-        </p:spPr>
-        <p:txBody>
-          <a:bodyPr lIns="25400" tIns="25400" rIns="25400" bIns="25400" anchor="ctr"/>
-          <a:lstStyle/>
-          <a:p>
-            <a:endParaRPr sz="900"/>
+            <a:r>
+              <a:rPr dirty="0"/>
+              <a:t>http://r-</a:t>
+            </a:r>
+            <a:r>
+              <a:rPr dirty="0" err="1"/>
+              <a:t>statistics.co</a:t>
+            </a:r>
+            <a:r>
+              <a:rPr dirty="0"/>
+              <a:t>/Complete-Ggplot2-Tutorial-Part1-With-R-Code.html</a:t>
+            </a:r>
           </a:p>
         </p:txBody>
       </p:sp>
@@ -5615,7 +5391,7 @@
       </p:grpSpPr>
       <p:sp>
         <p:nvSpPr>
-          <p:cNvPr id="224" name="Basic Syntax"/>
+          <p:cNvPr id="215" name="Basic Syntax"/>
           <p:cNvSpPr txBox="1"/>
           <p:nvPr/>
         </p:nvSpPr>
@@ -5632,7 +5408,7 @@
           </a:ln>
           <a:extLst>
             <a:ext uri="{C572A759-6A51-4108-AA02-DFA0A04FC94B}">
-              <ma14:wrappingTextBoxFlag xmlns:ma14="http://schemas.microsoft.com/office/mac/drawingml/2011/main" xmlns:a14="http://schemas.microsoft.com/office/drawing/2010/main" xmlns:m="http://schemas.openxmlformats.org/officeDocument/2006/math" xmlns="" val="1"/>
+              <ma14:wrappingTextBoxFlag xmlns="" xmlns:m="http://schemas.openxmlformats.org/officeDocument/2006/math" xmlns:a14="http://schemas.microsoft.com/office/drawing/2010/main" xmlns:ma14="http://schemas.microsoft.com/office/mac/drawingml/2011/main" val="1"/>
             </a:ext>
           </a:extLst>
         </p:spPr>
@@ -5655,14 +5431,14 @@
       </p:sp>
       <p:sp>
         <p:nvSpPr>
-          <p:cNvPr id="225" name="a &lt;- “some string”"/>
+          <p:cNvPr id="216" name="a &lt;- “some string”"/>
           <p:cNvSpPr txBox="1"/>
           <p:nvPr/>
         </p:nvSpPr>
         <p:spPr>
           <a:xfrm>
-            <a:off x="5023598" y="2036899"/>
-            <a:ext cx="2069156" cy="366767"/>
+            <a:off x="5019358" y="2073515"/>
+            <a:ext cx="1824474" cy="328295"/>
           </a:xfrm>
           <a:prstGeom prst="rect">
             <a:avLst/>
@@ -5672,7 +5448,7 @@
           </a:ln>
           <a:extLst>
             <a:ext uri="{C572A759-6A51-4108-AA02-DFA0A04FC94B}">
-              <ma14:wrappingTextBoxFlag xmlns:ma14="http://schemas.microsoft.com/office/mac/drawingml/2011/main" xmlns:a14="http://schemas.microsoft.com/office/drawing/2010/main" xmlns:m="http://schemas.openxmlformats.org/officeDocument/2006/math" xmlns="" val="1"/>
+              <ma14:wrappingTextBoxFlag xmlns="" xmlns:m="http://schemas.openxmlformats.org/officeDocument/2006/math" xmlns:a14="http://schemas.microsoft.com/office/drawing/2010/main" xmlns:ma14="http://schemas.microsoft.com/office/mac/drawingml/2011/main" val="1"/>
             </a:ext>
           </a:extLst>
         </p:spPr>
@@ -5682,12 +5458,12 @@
           </a:bodyPr>
           <a:lstStyle>
             <a:lvl1pPr>
-              <a:defRPr sz="4100"/>
+              <a:defRPr sz="3600"/>
             </a:lvl1pPr>
           </a:lstStyle>
           <a:p>
             <a:r>
-              <a:rPr sz="2050"/>
+              <a:rPr sz="1800"/>
               <a:t>a &lt;- “some string”</a:t>
             </a:r>
           </a:p>
@@ -5695,14 +5471,14 @@
       </p:sp>
       <p:sp>
         <p:nvSpPr>
-          <p:cNvPr id="226" name="b &lt;- c( “a”, “vector”, “of”, “words”)"/>
+          <p:cNvPr id="217" name="variable"/>
           <p:cNvSpPr txBox="1"/>
           <p:nvPr/>
         </p:nvSpPr>
         <p:spPr>
           <a:xfrm>
-            <a:off x="5023598" y="2541687"/>
-            <a:ext cx="3814442" cy="366767"/>
+            <a:off x="3802839" y="3045149"/>
+            <a:ext cx="844014" cy="328295"/>
           </a:xfrm>
           <a:prstGeom prst="rect">
             <a:avLst/>
@@ -5712,7 +5488,7 @@
           </a:ln>
           <a:extLst>
             <a:ext uri="{C572A759-6A51-4108-AA02-DFA0A04FC94B}">
-              <ma14:wrappingTextBoxFlag xmlns:ma14="http://schemas.microsoft.com/office/mac/drawingml/2011/main" xmlns:a14="http://schemas.microsoft.com/office/drawing/2010/main" xmlns:m="http://schemas.openxmlformats.org/officeDocument/2006/math" xmlns="" val="1"/>
+              <ma14:wrappingTextBoxFlag xmlns="" xmlns:m="http://schemas.openxmlformats.org/officeDocument/2006/math" xmlns:a14="http://schemas.microsoft.com/office/drawing/2010/main" xmlns:ma14="http://schemas.microsoft.com/office/mac/drawingml/2011/main" val="1"/>
             </a:ext>
           </a:extLst>
         </p:spPr>
@@ -5722,27 +5498,27 @@
           </a:bodyPr>
           <a:lstStyle>
             <a:lvl1pPr>
-              <a:defRPr sz="4100"/>
+              <a:defRPr sz="3600"/>
             </a:lvl1pPr>
           </a:lstStyle>
           <a:p>
             <a:r>
-              <a:rPr sz="2050"/>
-              <a:t>b &lt;- c( “a”, “vector”, “of”, “words”)</a:t>
-            </a:r>
-          </a:p>
-        </p:txBody>
-      </p:sp>
-      <p:sp>
-        <p:nvSpPr>
-          <p:cNvPr id="227" name="d &lt;- list( “also” “a”, “list”)"/>
+              <a:rPr sz="1800"/>
+              <a:t>variable</a:t>
+            </a:r>
+          </a:p>
+        </p:txBody>
+      </p:sp>
+      <p:sp>
+        <p:nvSpPr>
+          <p:cNvPr id="218" name="assignment"/>
           <p:cNvSpPr txBox="1"/>
           <p:nvPr/>
         </p:nvSpPr>
         <p:spPr>
           <a:xfrm>
-            <a:off x="5013991" y="3018312"/>
-            <a:ext cx="2843599" cy="366767"/>
+            <a:off x="4780442" y="3218085"/>
+            <a:ext cx="1213474" cy="328295"/>
           </a:xfrm>
           <a:prstGeom prst="rect">
             <a:avLst/>
@@ -5752,7 +5528,7 @@
           </a:ln>
           <a:extLst>
             <a:ext uri="{C572A759-6A51-4108-AA02-DFA0A04FC94B}">
-              <ma14:wrappingTextBoxFlag xmlns:ma14="http://schemas.microsoft.com/office/mac/drawingml/2011/main" xmlns:a14="http://schemas.microsoft.com/office/drawing/2010/main" xmlns:m="http://schemas.openxmlformats.org/officeDocument/2006/math" xmlns="" val="1"/>
+              <ma14:wrappingTextBoxFlag xmlns="" xmlns:m="http://schemas.openxmlformats.org/officeDocument/2006/math" xmlns:a14="http://schemas.microsoft.com/office/drawing/2010/main" xmlns:ma14="http://schemas.microsoft.com/office/mac/drawingml/2011/main" val="1"/>
             </a:ext>
           </a:extLst>
         </p:spPr>
@@ -5762,27 +5538,27 @@
           </a:bodyPr>
           <a:lstStyle>
             <a:lvl1pPr>
-              <a:defRPr sz="4100"/>
+              <a:defRPr sz="3600"/>
             </a:lvl1pPr>
           </a:lstStyle>
           <a:p>
             <a:r>
-              <a:rPr sz="2050"/>
-              <a:t>d &lt;- list( “also” “a”, “list”)</a:t>
-            </a:r>
-          </a:p>
-        </p:txBody>
-      </p:sp>
-      <p:sp>
-        <p:nvSpPr>
-          <p:cNvPr id="228" name="vector"/>
+              <a:rPr sz="1800"/>
+              <a:t>assignment</a:t>
+            </a:r>
+          </a:p>
+        </p:txBody>
+      </p:sp>
+      <p:sp>
+        <p:nvSpPr>
+          <p:cNvPr id="219" name="string"/>
           <p:cNvSpPr txBox="1"/>
           <p:nvPr/>
         </p:nvSpPr>
         <p:spPr>
           <a:xfrm>
-            <a:off x="3874735" y="2434829"/>
-            <a:ext cx="759182" cy="366767"/>
+            <a:off x="6539934" y="3218085"/>
+            <a:ext cx="607795" cy="328295"/>
           </a:xfrm>
           <a:prstGeom prst="rect">
             <a:avLst/>
@@ -5792,7 +5568,7 @@
           </a:ln>
           <a:extLst>
             <a:ext uri="{C572A759-6A51-4108-AA02-DFA0A04FC94B}">
-              <ma14:wrappingTextBoxFlag xmlns:ma14="http://schemas.microsoft.com/office/mac/drawingml/2011/main" xmlns:a14="http://schemas.microsoft.com/office/drawing/2010/main" xmlns:m="http://schemas.openxmlformats.org/officeDocument/2006/math" xmlns="" val="1"/>
+              <ma14:wrappingTextBoxFlag xmlns="" xmlns:m="http://schemas.openxmlformats.org/officeDocument/2006/math" xmlns:a14="http://schemas.microsoft.com/office/drawing/2010/main" xmlns:ma14="http://schemas.microsoft.com/office/mac/drawingml/2011/main" val="1"/>
             </a:ext>
           </a:extLst>
         </p:spPr>
@@ -5802,182 +5578,104 @@
           </a:bodyPr>
           <a:lstStyle>
             <a:lvl1pPr>
-              <a:defRPr sz="4100"/>
+              <a:defRPr sz="3600"/>
             </a:lvl1pPr>
           </a:lstStyle>
           <a:p>
             <a:r>
-              <a:rPr sz="2050"/>
-              <a:t>vector</a:t>
-            </a:r>
-          </a:p>
-        </p:txBody>
-      </p:sp>
-      <p:sp>
-        <p:nvSpPr>
-          <p:cNvPr id="229" name="character"/>
-          <p:cNvSpPr txBox="1"/>
-          <p:nvPr/>
-        </p:nvSpPr>
-        <p:spPr>
-          <a:xfrm>
-            <a:off x="3503476" y="2045332"/>
-            <a:ext cx="1140249" cy="366767"/>
-          </a:xfrm>
-          <a:prstGeom prst="rect">
-            <a:avLst/>
-          </a:prstGeom>
-          <a:ln w="12700">
+              <a:rPr sz="1800" dirty="0"/>
+              <a:t>string</a:t>
+            </a:r>
+          </a:p>
+        </p:txBody>
+      </p:sp>
+      <p:sp>
+        <p:nvSpPr>
+          <p:cNvPr id="220" name="Line"/>
+          <p:cNvSpPr/>
+          <p:nvPr/>
+        </p:nvSpPr>
+        <p:spPr>
+          <a:xfrm flipV="1">
+            <a:off x="4356580" y="2410148"/>
+            <a:ext cx="635001" cy="635001"/>
+          </a:xfrm>
+          <a:prstGeom prst="line">
+            <a:avLst/>
+          </a:prstGeom>
+          <a:ln w="25400">
+            <a:solidFill>
+              <a:srgbClr val="000000"/>
+            </a:solidFill>
             <a:miter lim="400000"/>
+            <a:tailEnd type="triangle"/>
           </a:ln>
-          <a:extLst>
-            <a:ext uri="{C572A759-6A51-4108-AA02-DFA0A04FC94B}">
-              <ma14:wrappingTextBoxFlag xmlns:ma14="http://schemas.microsoft.com/office/mac/drawingml/2011/main" xmlns:a14="http://schemas.microsoft.com/office/drawing/2010/main" xmlns:m="http://schemas.openxmlformats.org/officeDocument/2006/math" xmlns="" val="1"/>
-            </a:ext>
-          </a:extLst>
-        </p:spPr>
-        <p:txBody>
-          <a:bodyPr wrap="none" lIns="25400" tIns="25400" rIns="25400" bIns="25400" anchor="ctr">
-            <a:spAutoFit/>
-          </a:bodyPr>
-          <a:lstStyle>
-            <a:lvl1pPr>
-              <a:defRPr sz="4100"/>
-            </a:lvl1pPr>
-          </a:lstStyle>
-          <a:p>
-            <a:r>
-              <a:rPr sz="2050"/>
-              <a:t>character</a:t>
-            </a:r>
-          </a:p>
-        </p:txBody>
-      </p:sp>
-      <p:sp>
-        <p:nvSpPr>
-          <p:cNvPr id="230" name="list"/>
-          <p:cNvSpPr txBox="1"/>
-          <p:nvPr/>
-        </p:nvSpPr>
-        <p:spPr>
-          <a:xfrm>
-            <a:off x="4082904" y="2844201"/>
-            <a:ext cx="394403" cy="366767"/>
-          </a:xfrm>
-          <a:prstGeom prst="rect">
-            <a:avLst/>
-          </a:prstGeom>
-          <a:ln w="12700">
+        </p:spPr>
+        <p:txBody>
+          <a:bodyPr lIns="25400" tIns="25400" rIns="25400" bIns="25400" anchor="ctr"/>
+          <a:lstStyle/>
+          <a:p>
+            <a:endParaRPr sz="900"/>
+          </a:p>
+        </p:txBody>
+      </p:sp>
+      <p:sp>
+        <p:nvSpPr>
+          <p:cNvPr id="221" name="Line"/>
+          <p:cNvSpPr/>
+          <p:nvPr/>
+        </p:nvSpPr>
+        <p:spPr>
+          <a:xfrm flipV="1">
+            <a:off x="5400502" y="2418247"/>
+            <a:ext cx="1" cy="757798"/>
+          </a:xfrm>
+          <a:prstGeom prst="line">
+            <a:avLst/>
+          </a:prstGeom>
+          <a:ln w="25400">
+            <a:solidFill>
+              <a:srgbClr val="000000"/>
+            </a:solidFill>
             <a:miter lim="400000"/>
+            <a:tailEnd type="triangle"/>
           </a:ln>
-          <a:extLst>
-            <a:ext uri="{C572A759-6A51-4108-AA02-DFA0A04FC94B}">
-              <ma14:wrappingTextBoxFlag xmlns:ma14="http://schemas.microsoft.com/office/mac/drawingml/2011/main" xmlns:a14="http://schemas.microsoft.com/office/drawing/2010/main" xmlns:m="http://schemas.openxmlformats.org/officeDocument/2006/math" xmlns="" val="1"/>
-            </a:ext>
-          </a:extLst>
-        </p:spPr>
-        <p:txBody>
-          <a:bodyPr wrap="none" lIns="25400" tIns="25400" rIns="25400" bIns="25400" anchor="ctr">
-            <a:spAutoFit/>
-          </a:bodyPr>
-          <a:lstStyle>
-            <a:lvl1pPr>
-              <a:defRPr sz="4100"/>
-            </a:lvl1pPr>
-          </a:lstStyle>
-          <a:p>
-            <a:r>
-              <a:rPr sz="2050"/>
-              <a:t>list</a:t>
-            </a:r>
-          </a:p>
-        </p:txBody>
-      </p:sp>
-      <p:sp>
-        <p:nvSpPr>
-          <p:cNvPr id="231" name="data.frame"/>
-          <p:cNvSpPr txBox="1"/>
-          <p:nvPr/>
-        </p:nvSpPr>
-        <p:spPr>
-          <a:xfrm>
-            <a:off x="3348828" y="3399338"/>
-            <a:ext cx="1289007" cy="366767"/>
-          </a:xfrm>
-          <a:prstGeom prst="rect">
-            <a:avLst/>
-          </a:prstGeom>
-          <a:ln w="12700">
+        </p:spPr>
+        <p:txBody>
+          <a:bodyPr lIns="25400" tIns="25400" rIns="25400" bIns="25400" anchor="ctr"/>
+          <a:lstStyle/>
+          <a:p>
+            <a:endParaRPr sz="900"/>
+          </a:p>
+        </p:txBody>
+      </p:sp>
+      <p:sp>
+        <p:nvSpPr>
+          <p:cNvPr id="222" name="Line"/>
+          <p:cNvSpPr/>
+          <p:nvPr/>
+        </p:nvSpPr>
+        <p:spPr>
+          <a:xfrm flipH="1" flipV="1">
+            <a:off x="6386329" y="2418247"/>
+            <a:ext cx="261206" cy="755660"/>
+          </a:xfrm>
+          <a:prstGeom prst="line">
+            <a:avLst/>
+          </a:prstGeom>
+          <a:ln w="25400">
+            <a:solidFill>
+              <a:srgbClr val="000000"/>
+            </a:solidFill>
             <a:miter lim="400000"/>
+            <a:tailEnd type="triangle"/>
           </a:ln>
-          <a:extLst>
-            <a:ext uri="{C572A759-6A51-4108-AA02-DFA0A04FC94B}">
-              <ma14:wrappingTextBoxFlag xmlns:ma14="http://schemas.microsoft.com/office/mac/drawingml/2011/main" xmlns:a14="http://schemas.microsoft.com/office/drawing/2010/main" xmlns:m="http://schemas.openxmlformats.org/officeDocument/2006/math" xmlns="" val="1"/>
-            </a:ext>
-          </a:extLst>
-        </p:spPr>
-        <p:txBody>
-          <a:bodyPr wrap="none" lIns="25400" tIns="25400" rIns="25400" bIns="25400" anchor="ctr">
-            <a:spAutoFit/>
-          </a:bodyPr>
-          <a:lstStyle>
-            <a:lvl1pPr>
-              <a:defRPr sz="4100"/>
-            </a:lvl1pPr>
-          </a:lstStyle>
-          <a:p>
-            <a:r>
-              <a:rPr sz="2050"/>
-              <a:t>data.frame</a:t>
-            </a:r>
-          </a:p>
-        </p:txBody>
-      </p:sp>
-      <p:sp>
-        <p:nvSpPr>
-          <p:cNvPr id="232" name="df &lt;- data.frame( c(column1 = c(‘a’, ‘b’, ‘c’),…"/>
-          <p:cNvSpPr txBox="1"/>
-          <p:nvPr/>
-        </p:nvSpPr>
-        <p:spPr>
-          <a:xfrm>
-            <a:off x="5033206" y="3406106"/>
-            <a:ext cx="4875117" cy="682238"/>
-          </a:xfrm>
-          <a:prstGeom prst="rect">
-            <a:avLst/>
-          </a:prstGeom>
-          <a:ln w="12700">
-            <a:miter lim="400000"/>
-          </a:ln>
-          <a:extLst>
-            <a:ext uri="{C572A759-6A51-4108-AA02-DFA0A04FC94B}">
-              <ma14:wrappingTextBoxFlag xmlns:ma14="http://schemas.microsoft.com/office/mac/drawingml/2011/main" xmlns:a14="http://schemas.microsoft.com/office/drawing/2010/main" xmlns:m="http://schemas.openxmlformats.org/officeDocument/2006/math" xmlns="" val="1"/>
-            </a:ext>
-          </a:extLst>
-        </p:spPr>
-        <p:txBody>
-          <a:bodyPr wrap="none" lIns="25400" tIns="25400" rIns="25400" bIns="25400" anchor="ctr">
-            <a:spAutoFit/>
-          </a:bodyPr>
+        </p:spPr>
+        <p:txBody>
+          <a:bodyPr lIns="25400" tIns="25400" rIns="25400" bIns="25400" anchor="ctr"/>
           <a:lstStyle/>
           <a:p>
-            <a:pPr>
-              <a:defRPr sz="4100"/>
-            </a:pPr>
-            <a:r>
-              <a:rPr sz="2050"/>
-              <a:t>df &lt;- data.frame( c(column1 = c(‘a’, ‘b’, ‘c’), </a:t>
-            </a:r>
-          </a:p>
-          <a:p>
-            <a:pPr>
-              <a:defRPr sz="4100"/>
-            </a:pPr>
-            <a:r>
-              <a:rPr sz="2050"/>
-              <a:t>                            c(column2 = c(‘d’, ‘e’, ‘f’) )</a:t>
-            </a:r>
+            <a:endParaRPr sz="900"/>
           </a:p>
         </p:txBody>
       </p:sp>
@@ -6008,14 +5706,14 @@
       </p:grpSpPr>
       <p:sp>
         <p:nvSpPr>
-          <p:cNvPr id="234" name="Getting data into R"/>
+          <p:cNvPr id="224" name="Basic Syntax"/>
           <p:cNvSpPr txBox="1"/>
           <p:nvPr/>
         </p:nvSpPr>
         <p:spPr>
           <a:xfrm>
-            <a:off x="4577311" y="297614"/>
-            <a:ext cx="3898503" cy="605294"/>
+            <a:off x="5284159" y="326809"/>
+            <a:ext cx="1730795" cy="420628"/>
           </a:xfrm>
           <a:prstGeom prst="rect">
             <a:avLst/>
@@ -6030,43 +5728,32 @@
           </a:extLst>
         </p:spPr>
         <p:txBody>
-          <a:bodyPr wrap="none" lIns="25400" tIns="25400" rIns="25400" bIns="25400" anchor="t">
+          <a:bodyPr wrap="none" lIns="25400" tIns="25400" rIns="25400" bIns="25400" anchor="ctr">
             <a:spAutoFit/>
           </a:bodyPr>
           <a:lstStyle>
             <a:lvl1pPr>
-              <a:lnSpc>
-                <a:spcPct val="1000000"/>
-              </a:lnSpc>
               <a:defRPr sz="4800"/>
             </a:lvl1pPr>
           </a:lstStyle>
           <a:p>
-            <a:pPr>
-              <a:lnSpc>
-                <a:spcPct val="100000"/>
-              </a:lnSpc>
-            </a:pPr>
-            <a:r>
-              <a:rPr sz="3600" dirty="0">
-                <a:latin typeface="Arial" panose="020B0604020202020204" pitchFamily="34" charset="0"/>
-                <a:cs typeface="Arial" panose="020B0604020202020204" pitchFamily="34" charset="0"/>
-              </a:rPr>
-              <a:t>Getting data into R</a:t>
-            </a:r>
-          </a:p>
-        </p:txBody>
-      </p:sp>
-      <p:sp>
-        <p:nvSpPr>
-          <p:cNvPr id="235" name="df &lt;- read_csv(‘somefile.csv’)…"/>
+            <a:r>
+              <a:rPr sz="2400"/>
+              <a:t>Basic Syntax</a:t>
+            </a:r>
+          </a:p>
+        </p:txBody>
+      </p:sp>
+      <p:sp>
+        <p:nvSpPr>
+          <p:cNvPr id="225" name="a &lt;- “some string”"/>
           <p:cNvSpPr txBox="1"/>
           <p:nvPr/>
         </p:nvSpPr>
         <p:spPr>
           <a:xfrm>
-            <a:off x="2766298" y="2025508"/>
-            <a:ext cx="8216095" cy="2267287"/>
+            <a:off x="5023598" y="2036899"/>
+            <a:ext cx="2069156" cy="366767"/>
           </a:xfrm>
           <a:prstGeom prst="rect">
             <a:avLst/>
@@ -6084,143 +5771,29 @@
           <a:bodyPr wrap="none" lIns="25400" tIns="25400" rIns="25400" bIns="25400" anchor="ctr">
             <a:spAutoFit/>
           </a:bodyPr>
-          <a:lstStyle/>
-          <a:p>
-            <a:pPr algn="l">
-              <a:defRPr sz="3600"/>
-            </a:pPr>
-            <a:r>
-              <a:rPr dirty="0" err="1"/>
-              <a:t>df</a:t>
-            </a:r>
-            <a:r>
-              <a:rPr dirty="0"/>
-              <a:t> &lt;- </a:t>
-            </a:r>
-            <a:r>
-              <a:rPr dirty="0" err="1"/>
-              <a:t>read_csv</a:t>
-            </a:r>
-            <a:r>
-              <a:rPr dirty="0"/>
-              <a:t>(‘</a:t>
-            </a:r>
-            <a:r>
-              <a:rPr dirty="0" err="1"/>
-              <a:t>somefile.csv</a:t>
-            </a:r>
-            <a:r>
-              <a:rPr dirty="0"/>
-              <a:t>’) </a:t>
-            </a:r>
-          </a:p>
-          <a:p>
-            <a:pPr algn="l">
-              <a:defRPr sz="3600"/>
-            </a:pPr>
-            <a:r>
-              <a:rPr dirty="0" err="1"/>
-              <a:t>df</a:t>
-            </a:r>
-            <a:r>
-              <a:rPr dirty="0"/>
-              <a:t> &lt;- </a:t>
-            </a:r>
-            <a:r>
-              <a:rPr dirty="0" err="1"/>
-              <a:t>read_tsv</a:t>
-            </a:r>
-            <a:r>
-              <a:rPr dirty="0"/>
-              <a:t>(‘</a:t>
-            </a:r>
-            <a:r>
-              <a:rPr dirty="0" err="1"/>
-              <a:t>somefile.tsv</a:t>
-            </a:r>
-            <a:r>
-              <a:rPr dirty="0"/>
-              <a:t>’)</a:t>
-            </a:r>
-          </a:p>
-          <a:p>
-            <a:pPr algn="l">
-              <a:defRPr sz="3600"/>
-            </a:pPr>
-            <a:r>
-              <a:rPr dirty="0" err="1"/>
-              <a:t>df</a:t>
-            </a:r>
-            <a:r>
-              <a:rPr dirty="0"/>
-              <a:t> &lt;- </a:t>
-            </a:r>
-            <a:r>
-              <a:rPr dirty="0" err="1"/>
-              <a:t>read_table</a:t>
-            </a:r>
-            <a:r>
-              <a:rPr dirty="0"/>
-              <a:t>(‘</a:t>
-            </a:r>
-            <a:r>
-              <a:rPr dirty="0" err="1"/>
-              <a:t>somefile.tsv</a:t>
-            </a:r>
-            <a:r>
-              <a:rPr dirty="0"/>
-              <a:t>’, </a:t>
-            </a:r>
-            <a:r>
-              <a:rPr dirty="0" err="1"/>
-              <a:t>sep</a:t>
-            </a:r>
-            <a:r>
-              <a:rPr dirty="0"/>
-              <a:t> = “\t”) </a:t>
-            </a:r>
-          </a:p>
-          <a:p>
-            <a:pPr algn="l">
-              <a:defRPr sz="3600"/>
-            </a:pPr>
-            <a:r>
-              <a:rPr dirty="0" err="1"/>
-              <a:t>df</a:t>
-            </a:r>
-            <a:r>
-              <a:rPr dirty="0"/>
-              <a:t> &lt;- </a:t>
-            </a:r>
-            <a:r>
-              <a:rPr dirty="0" err="1"/>
-              <a:t>read.csv</a:t>
-            </a:r>
-            <a:r>
-              <a:rPr dirty="0"/>
-              <a:t>(‘</a:t>
-            </a:r>
-            <a:r>
-              <a:rPr dirty="0" err="1"/>
-              <a:t>somefile.csv</a:t>
-            </a:r>
-            <a:r>
-              <a:rPr dirty="0"/>
-              <a:t>’) </a:t>
-            </a:r>
-          </a:p>
-        </p:txBody>
-      </p:sp>
-      <p:sp>
-        <p:nvSpPr>
-          <p:cNvPr id="236" name="Tidyverse"/>
+          <a:lstStyle>
+            <a:lvl1pPr>
+              <a:defRPr sz="4100"/>
+            </a:lvl1pPr>
+          </a:lstStyle>
+          <a:p>
+            <a:r>
+              <a:rPr sz="2050"/>
+              <a:t>a &lt;- “some string”</a:t>
+            </a:r>
+          </a:p>
+        </p:txBody>
+      </p:sp>
+      <p:sp>
+        <p:nvSpPr>
+          <p:cNvPr id="226" name="b &lt;- c( “a”, “vector”, “of”, “words”)"/>
           <p:cNvSpPr txBox="1"/>
           <p:nvPr/>
         </p:nvSpPr>
         <p:spPr>
           <a:xfrm>
-            <a:off x="1215829" y="2348313"/>
-            <a:ext cx="1294009" cy="420628"/>
+            <a:off x="5023598" y="2541687"/>
+            <a:ext cx="3814442" cy="366767"/>
           </a:xfrm>
           <a:prstGeom prst="rect">
             <a:avLst/>
@@ -6238,26 +5811,29 @@
           <a:bodyPr wrap="none" lIns="25400" tIns="25400" rIns="25400" bIns="25400" anchor="ctr">
             <a:spAutoFit/>
           </a:bodyPr>
-          <a:lstStyle/>
-          <a:p>
-            <a:r>
-              <a:rPr sz="2400" dirty="0" err="1"/>
-              <a:t>Tidyverse</a:t>
-            </a:r>
-            <a:endParaRPr sz="2400" dirty="0"/>
-          </a:p>
-        </p:txBody>
-      </p:sp>
-      <p:sp>
-        <p:nvSpPr>
-          <p:cNvPr id="237" name="base"/>
+          <a:lstStyle>
+            <a:lvl1pPr>
+              <a:defRPr sz="4100"/>
+            </a:lvl1pPr>
+          </a:lstStyle>
+          <a:p>
+            <a:r>
+              <a:rPr sz="2050"/>
+              <a:t>b &lt;- c( “a”, “vector”, “of”, “words”)</a:t>
+            </a:r>
+          </a:p>
+        </p:txBody>
+      </p:sp>
+      <p:sp>
+        <p:nvSpPr>
+          <p:cNvPr id="227" name="d &lt;- list( “also” “a”, “list”)"/>
           <p:cNvSpPr txBox="1"/>
           <p:nvPr/>
         </p:nvSpPr>
         <p:spPr>
           <a:xfrm>
-            <a:off x="1534744" y="3325903"/>
-            <a:ext cx="698909" cy="420628"/>
+            <a:off x="5013991" y="3018312"/>
+            <a:ext cx="2843599" cy="366767"/>
           </a:xfrm>
           <a:prstGeom prst="rect">
             <a:avLst/>
@@ -6275,168 +5851,228 @@
           <a:bodyPr wrap="none" lIns="25400" tIns="25400" rIns="25400" bIns="25400" anchor="ctr">
             <a:spAutoFit/>
           </a:bodyPr>
-          <a:lstStyle/>
-          <a:p>
-            <a:r>
-              <a:rPr sz="2400" dirty="0"/>
-              <a:t>base</a:t>
-            </a:r>
-          </a:p>
-        </p:txBody>
-      </p:sp>
-      <p:sp>
-        <p:nvSpPr>
-          <p:cNvPr id="238" name="Line"/>
-          <p:cNvSpPr/>
-          <p:nvPr/>
-        </p:nvSpPr>
-        <p:spPr>
-          <a:xfrm flipV="1">
-            <a:off x="2638067" y="2290413"/>
-            <a:ext cx="1" cy="667227"/>
-          </a:xfrm>
-          <a:prstGeom prst="line">
-            <a:avLst/>
-          </a:prstGeom>
-          <a:ln w="101600">
-            <a:solidFill>
-              <a:srgbClr val="000000"/>
-            </a:solidFill>
+          <a:lstStyle>
+            <a:lvl1pPr>
+              <a:defRPr sz="4100"/>
+            </a:lvl1pPr>
+          </a:lstStyle>
+          <a:p>
+            <a:r>
+              <a:rPr sz="2050"/>
+              <a:t>d &lt;- list( “also” “a”, “list”)</a:t>
+            </a:r>
+          </a:p>
+        </p:txBody>
+      </p:sp>
+      <p:sp>
+        <p:nvSpPr>
+          <p:cNvPr id="228" name="vector"/>
+          <p:cNvSpPr txBox="1"/>
+          <p:nvPr/>
+        </p:nvSpPr>
+        <p:spPr>
+          <a:xfrm>
+            <a:off x="3874735" y="2434829"/>
+            <a:ext cx="759182" cy="366767"/>
+          </a:xfrm>
+          <a:prstGeom prst="rect">
+            <a:avLst/>
+          </a:prstGeom>
+          <a:ln w="12700">
             <a:miter lim="400000"/>
           </a:ln>
-        </p:spPr>
-        <p:txBody>
-          <a:bodyPr lIns="25400" tIns="25400" rIns="25400" bIns="25400" anchor="ctr"/>
-          <a:lstStyle/>
-          <a:p>
-            <a:endParaRPr sz="900"/>
-          </a:p>
-        </p:txBody>
-      </p:sp>
-      <p:sp>
-        <p:nvSpPr>
-          <p:cNvPr id="2" name="Line">
-            <a:extLst>
-              <a:ext uri="{FF2B5EF4-FFF2-40B4-BE49-F238E27FC236}">
-                <a16:creationId xmlns:a16="http://schemas.microsoft.com/office/drawing/2014/main" id="{D28483D4-FF4A-2F4C-D1F7-8FA938411022}"/>
-              </a:ext>
-            </a:extLst>
-          </p:cNvPr>
-          <p:cNvSpPr/>
-          <p:nvPr/>
-        </p:nvSpPr>
-        <p:spPr>
-          <a:xfrm flipV="1">
-            <a:off x="2647222" y="3268003"/>
-            <a:ext cx="1" cy="667227"/>
-          </a:xfrm>
-          <a:prstGeom prst="line">
-            <a:avLst/>
-          </a:prstGeom>
-          <a:ln w="101600">
-            <a:solidFill>
-              <a:srgbClr val="000000"/>
-            </a:solidFill>
+          <a:extLst>
+            <a:ext uri="{C572A759-6A51-4108-AA02-DFA0A04FC94B}">
+              <ma14:wrappingTextBoxFlag xmlns="" xmlns:m="http://schemas.openxmlformats.org/officeDocument/2006/math" xmlns:a14="http://schemas.microsoft.com/office/drawing/2010/main" xmlns:ma14="http://schemas.microsoft.com/office/mac/drawingml/2011/main" val="1"/>
+            </a:ext>
+          </a:extLst>
+        </p:spPr>
+        <p:txBody>
+          <a:bodyPr wrap="none" lIns="25400" tIns="25400" rIns="25400" bIns="25400" anchor="ctr">
+            <a:spAutoFit/>
+          </a:bodyPr>
+          <a:lstStyle>
+            <a:lvl1pPr>
+              <a:defRPr sz="4100"/>
+            </a:lvl1pPr>
+          </a:lstStyle>
+          <a:p>
+            <a:r>
+              <a:rPr sz="2050"/>
+              <a:t>vector</a:t>
+            </a:r>
+          </a:p>
+        </p:txBody>
+      </p:sp>
+      <p:sp>
+        <p:nvSpPr>
+          <p:cNvPr id="229" name="character"/>
+          <p:cNvSpPr txBox="1"/>
+          <p:nvPr/>
+        </p:nvSpPr>
+        <p:spPr>
+          <a:xfrm>
+            <a:off x="3503476" y="2045332"/>
+            <a:ext cx="1140249" cy="366767"/>
+          </a:xfrm>
+          <a:prstGeom prst="rect">
+            <a:avLst/>
+          </a:prstGeom>
+          <a:ln w="12700">
             <a:miter lim="400000"/>
           </a:ln>
-        </p:spPr>
-        <p:txBody>
-          <a:bodyPr lIns="25400" tIns="25400" rIns="25400" bIns="25400" anchor="ctr"/>
-          <a:lstStyle/>
-          <a:p>
-            <a:endParaRPr sz="900"/>
-          </a:p>
-        </p:txBody>
-      </p:sp>
-      <p:sp>
-        <p:nvSpPr>
-          <p:cNvPr id="4" name="TextBox 3">
-            <a:extLst>
-              <a:ext uri="{FF2B5EF4-FFF2-40B4-BE49-F238E27FC236}">
-                <a16:creationId xmlns:a16="http://schemas.microsoft.com/office/drawing/2014/main" id="{42B63C57-77B0-7D03-6FBC-760F644FC6A7}"/>
-              </a:ext>
-            </a:extLst>
-          </p:cNvPr>
+          <a:extLst>
+            <a:ext uri="{C572A759-6A51-4108-AA02-DFA0A04FC94B}">
+              <ma14:wrappingTextBoxFlag xmlns="" xmlns:m="http://schemas.openxmlformats.org/officeDocument/2006/math" xmlns:a14="http://schemas.microsoft.com/office/drawing/2010/main" xmlns:ma14="http://schemas.microsoft.com/office/mac/drawingml/2011/main" val="1"/>
+            </a:ext>
+          </a:extLst>
+        </p:spPr>
+        <p:txBody>
+          <a:bodyPr wrap="none" lIns="25400" tIns="25400" rIns="25400" bIns="25400" anchor="ctr">
+            <a:spAutoFit/>
+          </a:bodyPr>
+          <a:lstStyle>
+            <a:lvl1pPr>
+              <a:defRPr sz="4100"/>
+            </a:lvl1pPr>
+          </a:lstStyle>
+          <a:p>
+            <a:r>
+              <a:rPr sz="2050"/>
+              <a:t>character</a:t>
+            </a:r>
+          </a:p>
+        </p:txBody>
+      </p:sp>
+      <p:sp>
+        <p:nvSpPr>
+          <p:cNvPr id="230" name="list"/>
           <p:cNvSpPr txBox="1"/>
           <p:nvPr/>
         </p:nvSpPr>
         <p:spPr>
           <a:xfrm>
-            <a:off x="2509838" y="4522039"/>
-            <a:ext cx="6099716" cy="646331"/>
-          </a:xfrm>
-          <a:prstGeom prst="rect">
-            <a:avLst/>
-          </a:prstGeom>
-          <a:noFill/>
-        </p:spPr>
-        <p:txBody>
-          <a:bodyPr wrap="square">
+            <a:off x="4082904" y="2844201"/>
+            <a:ext cx="394403" cy="366767"/>
+          </a:xfrm>
+          <a:prstGeom prst="rect">
+            <a:avLst/>
+          </a:prstGeom>
+          <a:ln w="12700">
+            <a:miter lim="400000"/>
+          </a:ln>
+          <a:extLst>
+            <a:ext uri="{C572A759-6A51-4108-AA02-DFA0A04FC94B}">
+              <ma14:wrappingTextBoxFlag xmlns="" xmlns:m="http://schemas.openxmlformats.org/officeDocument/2006/math" xmlns:a14="http://schemas.microsoft.com/office/drawing/2010/main" xmlns:ma14="http://schemas.microsoft.com/office/mac/drawingml/2011/main" val="1"/>
+            </a:ext>
+          </a:extLst>
+        </p:spPr>
+        <p:txBody>
+          <a:bodyPr wrap="none" lIns="25400" tIns="25400" rIns="25400" bIns="25400" anchor="ctr">
+            <a:spAutoFit/>
+          </a:bodyPr>
+          <a:lstStyle>
+            <a:lvl1pPr>
+              <a:defRPr sz="4100"/>
+            </a:lvl1pPr>
+          </a:lstStyle>
+          <a:p>
+            <a:r>
+              <a:rPr sz="2050"/>
+              <a:t>list</a:t>
+            </a:r>
+          </a:p>
+        </p:txBody>
+      </p:sp>
+      <p:sp>
+        <p:nvSpPr>
+          <p:cNvPr id="231" name="data.frame"/>
+          <p:cNvSpPr txBox="1"/>
+          <p:nvPr/>
+        </p:nvSpPr>
+        <p:spPr>
+          <a:xfrm>
+            <a:off x="3348828" y="3399338"/>
+            <a:ext cx="1289007" cy="366767"/>
+          </a:xfrm>
+          <a:prstGeom prst="rect">
+            <a:avLst/>
+          </a:prstGeom>
+          <a:ln w="12700">
+            <a:miter lim="400000"/>
+          </a:ln>
+          <a:extLst>
+            <a:ext uri="{C572A759-6A51-4108-AA02-DFA0A04FC94B}">
+              <ma14:wrappingTextBoxFlag xmlns="" xmlns:m="http://schemas.openxmlformats.org/officeDocument/2006/math" xmlns:a14="http://schemas.microsoft.com/office/drawing/2010/main" xmlns:ma14="http://schemas.microsoft.com/office/mac/drawingml/2011/main" val="1"/>
+            </a:ext>
+          </a:extLst>
+        </p:spPr>
+        <p:txBody>
+          <a:bodyPr wrap="none" lIns="25400" tIns="25400" rIns="25400" bIns="25400" anchor="ctr">
+            <a:spAutoFit/>
+          </a:bodyPr>
+          <a:lstStyle>
+            <a:lvl1pPr>
+              <a:defRPr sz="4100"/>
+            </a:lvl1pPr>
+          </a:lstStyle>
+          <a:p>
+            <a:r>
+              <a:rPr sz="2050"/>
+              <a:t>data.frame</a:t>
+            </a:r>
+          </a:p>
+        </p:txBody>
+      </p:sp>
+      <p:sp>
+        <p:nvSpPr>
+          <p:cNvPr id="232" name="df &lt;- data.frame( c(column1 = c(‘a’, ‘b’, ‘c’),…"/>
+          <p:cNvSpPr txBox="1"/>
+          <p:nvPr/>
+        </p:nvSpPr>
+        <p:spPr>
+          <a:xfrm>
+            <a:off x="5033206" y="3406106"/>
+            <a:ext cx="4875117" cy="682238"/>
+          </a:xfrm>
+          <a:prstGeom prst="rect">
+            <a:avLst/>
+          </a:prstGeom>
+          <a:ln w="12700">
+            <a:miter lim="400000"/>
+          </a:ln>
+          <a:extLst>
+            <a:ext uri="{C572A759-6A51-4108-AA02-DFA0A04FC94B}">
+              <ma14:wrappingTextBoxFlag xmlns="" xmlns:m="http://schemas.openxmlformats.org/officeDocument/2006/math" xmlns:a14="http://schemas.microsoft.com/office/drawing/2010/main" xmlns:ma14="http://schemas.microsoft.com/office/mac/drawingml/2011/main" val="1"/>
+            </a:ext>
+          </a:extLst>
+        </p:spPr>
+        <p:txBody>
+          <a:bodyPr wrap="none" lIns="25400" tIns="25400" rIns="25400" bIns="25400" anchor="ctr">
             <a:spAutoFit/>
           </a:bodyPr>
           <a:lstStyle/>
           <a:p>
-            <a:r>
-              <a:rPr lang="en-US" sz="1800" dirty="0"/>
-              <a:t>For this class these are similar enough that you can read them either way.</a:t>
-            </a:r>
-          </a:p>
-        </p:txBody>
-      </p:sp>
-      <p:sp>
-        <p:nvSpPr>
-          <p:cNvPr id="6" name="TextBox 5">
-            <a:extLst>
-              <a:ext uri="{FF2B5EF4-FFF2-40B4-BE49-F238E27FC236}">
-                <a16:creationId xmlns:a16="http://schemas.microsoft.com/office/drawing/2014/main" id="{C02DB74E-BDA0-23D1-BC51-5A5B1C37F1E9}"/>
-              </a:ext>
-            </a:extLst>
-          </p:cNvPr>
-          <p:cNvSpPr txBox="1"/>
-          <p:nvPr/>
-        </p:nvSpPr>
-        <p:spPr>
-          <a:xfrm>
-            <a:off x="2376098" y="5487862"/>
-            <a:ext cx="6099716" cy="369332"/>
-          </a:xfrm>
-          <a:prstGeom prst="rect">
-            <a:avLst/>
-          </a:prstGeom>
-          <a:noFill/>
-        </p:spPr>
-        <p:txBody>
-          <a:bodyPr wrap="square">
-            <a:spAutoFit/>
-          </a:bodyPr>
-          <a:lstStyle/>
-          <a:p>
-            <a:r>
-              <a:rPr lang="en-US" sz="1800" dirty="0"/>
-              <a:t>https://r4ds.had.co.nz/tibbles.</a:t>
-            </a:r>
-            <a:r>
-              <a:rPr lang="en-US" sz="1800" dirty="0" err="1"/>
-              <a:t>html#tibbles-vs</a:t>
-            </a:r>
-            <a:r>
-              <a:rPr lang="en-US" sz="1800" dirty="0"/>
-              <a:t>.-</a:t>
-            </a:r>
-            <a:r>
-              <a:rPr lang="en-US" sz="1800" dirty="0" err="1"/>
-              <a:t>data.frame</a:t>
-            </a:r>
-            <a:endParaRPr lang="en-US" sz="1800" dirty="0"/>
+            <a:pPr>
+              <a:defRPr sz="4100"/>
+            </a:pPr>
+            <a:r>
+              <a:rPr sz="2050"/>
+              <a:t>df &lt;- data.frame( c(column1 = c(‘a’, ‘b’, ‘c’), </a:t>
+            </a:r>
+          </a:p>
+          <a:p>
+            <a:pPr>
+              <a:defRPr sz="4100"/>
+            </a:pPr>
+            <a:r>
+              <a:rPr sz="2050"/>
+              <a:t>                            c(column2 = c(‘d’, ‘e’, ‘f’) )</a:t>
+            </a:r>
           </a:p>
         </p:txBody>
       </p:sp>
     </p:spTree>
-    <p:extLst>
-      <p:ext uri="{BB962C8B-B14F-4D97-AF65-F5344CB8AC3E}">
-        <p14:creationId xmlns:p14="http://schemas.microsoft.com/office/powerpoint/2010/main" val="3638709808"/>
-      </p:ext>
-    </p:extLst>
   </p:cSld>
   <p:clrMapOvr>
     <a:masterClrMapping/>
@@ -6480,7 +6116,7 @@
           </a:ln>
           <a:extLst>
             <a:ext uri="{C572A759-6A51-4108-AA02-DFA0A04FC94B}">
-              <ma14:wrappingTextBoxFlag xmlns:ma14="http://schemas.microsoft.com/office/mac/drawingml/2011/main" xmlns:a14="http://schemas.microsoft.com/office/drawing/2010/main" xmlns:m="http://schemas.openxmlformats.org/officeDocument/2006/math" xmlns="" val="1"/>
+              <ma14:wrappingTextBoxFlag xmlns="" xmlns:m="http://schemas.openxmlformats.org/officeDocument/2006/math" xmlns:a14="http://schemas.microsoft.com/office/drawing/2010/main" xmlns:ma14="http://schemas.microsoft.com/office/mac/drawingml/2011/main" val="1"/>
             </a:ext>
           </a:extLst>
         </p:spPr>
@@ -6520,7 +6156,7 @@
           </a:ln>
           <a:extLst>
             <a:ext uri="{C572A759-6A51-4108-AA02-DFA0A04FC94B}">
-              <ma14:wrappingTextBoxFlag xmlns:ma14="http://schemas.microsoft.com/office/mac/drawingml/2011/main" xmlns:a14="http://schemas.microsoft.com/office/drawing/2010/main" xmlns:m="http://schemas.openxmlformats.org/officeDocument/2006/math" xmlns="" val="1"/>
+              <ma14:wrappingTextBoxFlag xmlns="" xmlns:m="http://schemas.openxmlformats.org/officeDocument/2006/math" xmlns:a14="http://schemas.microsoft.com/office/drawing/2010/main" xmlns:ma14="http://schemas.microsoft.com/office/mac/drawingml/2011/main" val="1"/>
             </a:ext>
           </a:extLst>
         </p:spPr>
@@ -6573,323 +6209,180 @@
       </p:grpSpPr>
       <p:sp>
         <p:nvSpPr>
-          <p:cNvPr id="249" name="Base R vs Tidyverse"/>
+          <p:cNvPr id="3" name="TextBox 2">
+            <a:extLst>
+              <a:ext uri="{FF2B5EF4-FFF2-40B4-BE49-F238E27FC236}">
+                <a16:creationId xmlns:a16="http://schemas.microsoft.com/office/drawing/2014/main" id="{9883088A-9EBC-A37A-A909-313506B82D51}"/>
+              </a:ext>
+            </a:extLst>
+          </p:cNvPr>
           <p:cNvSpPr txBox="1"/>
           <p:nvPr/>
         </p:nvSpPr>
         <p:spPr>
           <a:xfrm>
-            <a:off x="4578864" y="374847"/>
-            <a:ext cx="2614690" cy="420628"/>
-          </a:xfrm>
-          <a:prstGeom prst="rect">
-            <a:avLst/>
-          </a:prstGeom>
-          <a:ln w="12700">
-            <a:miter lim="400000"/>
-          </a:ln>
-          <a:extLst>
-            <a:ext uri="{C572A759-6A51-4108-AA02-DFA0A04FC94B}">
-              <ma14:wrappingTextBoxFlag xmlns:ma14="http://schemas.microsoft.com/office/mac/drawingml/2011/main" xmlns:a14="http://schemas.microsoft.com/office/drawing/2010/main" xmlns:m="http://schemas.openxmlformats.org/officeDocument/2006/math" xmlns="" val="1"/>
-            </a:ext>
-          </a:extLst>
-        </p:spPr>
-        <p:txBody>
-          <a:bodyPr wrap="none" lIns="25400" tIns="25400" rIns="25400" bIns="25400" anchor="ctr">
-            <a:spAutoFit/>
-          </a:bodyPr>
-          <a:lstStyle>
-            <a:lvl1pPr>
-              <a:defRPr sz="4800"/>
-            </a:lvl1pPr>
-          </a:lstStyle>
-          <a:p>
-            <a:r>
-              <a:rPr sz="2400"/>
-              <a:t>Base R vs Tidyverse</a:t>
-            </a:r>
-          </a:p>
-        </p:txBody>
-      </p:sp>
-      <p:pic>
-        <p:nvPicPr>
-          <p:cNvPr id="250" name="Image" descr="Image"/>
-          <p:cNvPicPr>
-            <a:picLocks noChangeAspect="1"/>
-          </p:cNvPicPr>
-          <p:nvPr/>
-        </p:nvPicPr>
-        <p:blipFill>
-          <a:blip r:embed="rId2"/>
-          <a:stretch>
-            <a:fillRect/>
-          </a:stretch>
-        </p:blipFill>
-        <p:spPr>
-          <a:xfrm>
-            <a:off x="2766341" y="938374"/>
-            <a:ext cx="6659318" cy="440500"/>
-          </a:xfrm>
-          <a:prstGeom prst="rect">
-            <a:avLst/>
-          </a:prstGeom>
-          <a:ln w="12700">
-            <a:miter lim="400000"/>
-          </a:ln>
-        </p:spPr>
-      </p:pic>
-      <p:pic>
-        <p:nvPicPr>
-          <p:cNvPr id="251" name="Image" descr="Image"/>
-          <p:cNvPicPr>
-            <a:picLocks noChangeAspect="1"/>
-          </p:cNvPicPr>
-          <p:nvPr/>
-        </p:nvPicPr>
-        <p:blipFill>
-          <a:blip r:embed="rId3"/>
-          <a:stretch>
-            <a:fillRect/>
-          </a:stretch>
-        </p:blipFill>
-        <p:spPr>
-          <a:xfrm>
-            <a:off x="9526524" y="953468"/>
-            <a:ext cx="2097907" cy="1765865"/>
-          </a:xfrm>
-          <a:prstGeom prst="rect">
-            <a:avLst/>
-          </a:prstGeom>
-          <a:ln w="12700">
-            <a:miter lim="400000"/>
-          </a:ln>
-        </p:spPr>
-      </p:pic>
-      <p:pic>
-        <p:nvPicPr>
-          <p:cNvPr id="252" name="Image" descr="Image"/>
-          <p:cNvPicPr>
-            <a:picLocks noChangeAspect="1"/>
-          </p:cNvPicPr>
-          <p:nvPr/>
-        </p:nvPicPr>
-        <p:blipFill>
-          <a:blip r:embed="rId4"/>
-          <a:stretch>
-            <a:fillRect/>
-          </a:stretch>
-        </p:blipFill>
-        <p:spPr>
-          <a:xfrm>
-            <a:off x="6217070" y="3681786"/>
-            <a:ext cx="4885388" cy="628122"/>
-          </a:xfrm>
-          <a:prstGeom prst="rect">
-            <a:avLst/>
-          </a:prstGeom>
-          <a:ln w="12700">
-            <a:miter lim="400000"/>
-          </a:ln>
-        </p:spPr>
-      </p:pic>
-      <p:pic>
-        <p:nvPicPr>
-          <p:cNvPr id="253" name="Image" descr="Image"/>
-          <p:cNvPicPr>
-            <a:picLocks noChangeAspect="1"/>
-          </p:cNvPicPr>
-          <p:nvPr/>
-        </p:nvPicPr>
-        <p:blipFill>
-          <a:blip r:embed="rId5"/>
-          <a:stretch>
-            <a:fillRect/>
-          </a:stretch>
-        </p:blipFill>
-        <p:spPr>
-          <a:xfrm>
-            <a:off x="6229343" y="4371862"/>
-            <a:ext cx="2391246" cy="1106155"/>
-          </a:xfrm>
-          <a:prstGeom prst="rect">
-            <a:avLst/>
-          </a:prstGeom>
-          <a:ln w="12700">
-            <a:miter lim="400000"/>
-          </a:ln>
-        </p:spPr>
-      </p:pic>
-      <p:sp>
-        <p:nvSpPr>
-          <p:cNvPr id="254" name="Tidyverse (    library(tidyverse)"/>
-          <p:cNvSpPr txBox="1"/>
-          <p:nvPr/>
-        </p:nvSpPr>
-        <p:spPr>
-          <a:xfrm>
-            <a:off x="6163345" y="3009275"/>
-            <a:ext cx="3266022" cy="359073"/>
-          </a:xfrm>
-          <a:prstGeom prst="rect">
-            <a:avLst/>
-          </a:prstGeom>
-          <a:ln w="12700">
-            <a:miter lim="400000"/>
-          </a:ln>
-          <a:extLst>
-            <a:ext uri="{C572A759-6A51-4108-AA02-DFA0A04FC94B}">
-              <ma14:wrappingTextBoxFlag xmlns:ma14="http://schemas.microsoft.com/office/mac/drawingml/2011/main" xmlns:a14="http://schemas.microsoft.com/office/drawing/2010/main" xmlns:m="http://schemas.openxmlformats.org/officeDocument/2006/math" xmlns="" val="1"/>
-            </a:ext>
-          </a:extLst>
-        </p:spPr>
-        <p:txBody>
-          <a:bodyPr wrap="none" lIns="25400" tIns="25400" rIns="25400" bIns="25400" anchor="ctr">
-            <a:spAutoFit/>
-          </a:bodyPr>
-          <a:lstStyle>
-            <a:lvl1pPr>
-              <a:defRPr sz="4000"/>
-            </a:lvl1pPr>
-          </a:lstStyle>
-          <a:p>
-            <a:r>
-              <a:rPr sz="2000"/>
-              <a:t>Tidyverse (    library(tidyverse)</a:t>
-            </a:r>
-          </a:p>
-        </p:txBody>
-      </p:sp>
-      <p:sp>
-        <p:nvSpPr>
-          <p:cNvPr id="255" name="Base"/>
-          <p:cNvSpPr txBox="1"/>
-          <p:nvPr/>
-        </p:nvSpPr>
-        <p:spPr>
-          <a:xfrm>
-            <a:off x="1222793" y="3009275"/>
-            <a:ext cx="602729" cy="359073"/>
-          </a:xfrm>
-          <a:prstGeom prst="rect">
-            <a:avLst/>
-          </a:prstGeom>
-          <a:ln w="12700">
-            <a:miter lim="400000"/>
-          </a:ln>
-          <a:extLst>
-            <a:ext uri="{C572A759-6A51-4108-AA02-DFA0A04FC94B}">
-              <ma14:wrappingTextBoxFlag xmlns:ma14="http://schemas.microsoft.com/office/mac/drawingml/2011/main" xmlns:a14="http://schemas.microsoft.com/office/drawing/2010/main" xmlns:m="http://schemas.openxmlformats.org/officeDocument/2006/math" xmlns="" val="1"/>
-            </a:ext>
-          </a:extLst>
-        </p:spPr>
-        <p:txBody>
-          <a:bodyPr wrap="none" lIns="25400" tIns="25400" rIns="25400" bIns="25400" anchor="ctr">
-            <a:spAutoFit/>
-          </a:bodyPr>
-          <a:lstStyle>
-            <a:lvl1pPr>
-              <a:defRPr sz="4000"/>
-            </a:lvl1pPr>
-          </a:lstStyle>
-          <a:p>
-            <a:r>
-              <a:rPr sz="2000"/>
-              <a:t>Base</a:t>
-            </a:r>
-          </a:p>
-        </p:txBody>
-      </p:sp>
-      <p:pic>
-        <p:nvPicPr>
-          <p:cNvPr id="256" name="Image" descr="Image"/>
-          <p:cNvPicPr>
-            <a:picLocks noChangeAspect="1"/>
-          </p:cNvPicPr>
-          <p:nvPr/>
-        </p:nvPicPr>
-        <p:blipFill>
-          <a:blip r:embed="rId6"/>
-          <a:stretch>
-            <a:fillRect/>
-          </a:stretch>
-        </p:blipFill>
-        <p:spPr>
-          <a:xfrm>
-            <a:off x="1205877" y="3387560"/>
-            <a:ext cx="3469932" cy="581915"/>
-          </a:xfrm>
-          <a:prstGeom prst="rect">
-            <a:avLst/>
-          </a:prstGeom>
-          <a:ln w="12700">
-            <a:miter lim="400000"/>
-          </a:ln>
-        </p:spPr>
-      </p:pic>
-      <p:pic>
-        <p:nvPicPr>
-          <p:cNvPr id="257" name="Image" descr="Image"/>
-          <p:cNvPicPr>
-            <a:picLocks noChangeAspect="1"/>
-          </p:cNvPicPr>
-          <p:nvPr/>
-        </p:nvPicPr>
-        <p:blipFill>
-          <a:blip r:embed="rId7"/>
-          <a:stretch>
-            <a:fillRect/>
-          </a:stretch>
-        </p:blipFill>
-        <p:spPr>
-          <a:xfrm>
-            <a:off x="1206703" y="4424979"/>
-            <a:ext cx="2603241" cy="999921"/>
-          </a:xfrm>
-          <a:prstGeom prst="rect">
-            <a:avLst/>
-          </a:prstGeom>
-          <a:ln w="12700">
-            <a:miter lim="400000"/>
-          </a:ln>
-        </p:spPr>
-      </p:pic>
-      <p:sp>
-        <p:nvSpPr>
-          <p:cNvPr id="258" name="https://dplyr.tidyverse.org/articles/base.html"/>
-          <p:cNvSpPr txBox="1"/>
-          <p:nvPr/>
-        </p:nvSpPr>
-        <p:spPr>
-          <a:xfrm>
-            <a:off x="8526278" y="6264409"/>
-            <a:ext cx="2300310" cy="189796"/>
-          </a:xfrm>
-          <a:prstGeom prst="rect">
-            <a:avLst/>
-          </a:prstGeom>
-          <a:ln w="12700">
-            <a:miter lim="400000"/>
-          </a:ln>
-          <a:extLst>
-            <a:ext uri="{C572A759-6A51-4108-AA02-DFA0A04FC94B}">
-              <ma14:wrappingTextBoxFlag xmlns:ma14="http://schemas.microsoft.com/office/mac/drawingml/2011/main" xmlns:a14="http://schemas.microsoft.com/office/drawing/2010/main" xmlns:m="http://schemas.openxmlformats.org/officeDocument/2006/math" xmlns="" val="1"/>
-            </a:ext>
-          </a:extLst>
-        </p:spPr>
-        <p:txBody>
-          <a:bodyPr wrap="none" lIns="25400" tIns="25400" rIns="25400" bIns="25400" anchor="ctr">
+            <a:off x="3048000" y="2549978"/>
+            <a:ext cx="6096000" cy="1754326"/>
+          </a:xfrm>
+          <a:prstGeom prst="rect">
+            <a:avLst/>
+          </a:prstGeom>
+          <a:noFill/>
+        </p:spPr>
+        <p:txBody>
+          <a:bodyPr wrap="square">
             <a:spAutoFit/>
           </a:bodyPr>
           <a:lstStyle/>
           <a:p>
             <a:r>
-              <a:rPr sz="900"/>
-              <a:t>https://dplyr.tidyverse.org/articles/base.html</a:t>
+              <a:rPr lang="en-US" dirty="0"/>
+              <a:t># create vector of primes</a:t>
+            </a:r>
+          </a:p>
+          <a:p>
+            <a:r>
+              <a:rPr lang="en-US" dirty="0"/>
+              <a:t>primes &lt;- c(2, 3, 5, 7, 11, 13)</a:t>
+            </a:r>
+          </a:p>
+          <a:p>
+            <a:endParaRPr lang="en-US" dirty="0"/>
+          </a:p>
+          <a:p>
+            <a:r>
+              <a:rPr lang="en-US" dirty="0"/>
+              <a:t># multiply primes by 2</a:t>
+            </a:r>
+          </a:p>
+          <a:p>
+            <a:r>
+              <a:rPr lang="en-US" dirty="0"/>
+              <a:t>primes * 2</a:t>
+            </a:r>
+          </a:p>
+          <a:p>
+            <a:r>
+              <a:rPr lang="en-US" dirty="0"/>
+              <a:t>#&gt; [1]  4  6 10 14 22 26</a:t>
+            </a:r>
+          </a:p>
+        </p:txBody>
+      </p:sp>
+      <p:sp>
+        <p:nvSpPr>
+          <p:cNvPr id="4" name="TextBox 3">
+            <a:extLst>
+              <a:ext uri="{FF2B5EF4-FFF2-40B4-BE49-F238E27FC236}">
+                <a16:creationId xmlns:a16="http://schemas.microsoft.com/office/drawing/2014/main" id="{B656DE95-3F40-E987-493C-25267E810B5A}"/>
+              </a:ext>
+            </a:extLst>
+          </p:cNvPr>
+          <p:cNvSpPr txBox="1"/>
+          <p:nvPr/>
+        </p:nvSpPr>
+        <p:spPr>
+          <a:xfrm>
+            <a:off x="2676293" y="572429"/>
+            <a:ext cx="3910361" cy="369332"/>
+          </a:xfrm>
+          <a:prstGeom prst="rect">
+            <a:avLst/>
+          </a:prstGeom>
+          <a:noFill/>
+        </p:spPr>
+        <p:txBody>
+          <a:bodyPr wrap="square" rtlCol="0">
+            <a:spAutoFit/>
+          </a:bodyPr>
+          <a:lstStyle/>
+          <a:p>
+            <a:r>
+              <a:rPr lang="en-US" dirty="0"/>
+              <a:t>Commenting your code</a:t>
+            </a:r>
+          </a:p>
+        </p:txBody>
+      </p:sp>
+      <p:sp>
+        <p:nvSpPr>
+          <p:cNvPr id="6" name="TextBox 5">
+            <a:extLst>
+              <a:ext uri="{FF2B5EF4-FFF2-40B4-BE49-F238E27FC236}">
+                <a16:creationId xmlns:a16="http://schemas.microsoft.com/office/drawing/2014/main" id="{A89DD752-8F7D-DBA0-0026-7145410851A7}"/>
+              </a:ext>
+            </a:extLst>
+          </p:cNvPr>
+          <p:cNvSpPr txBox="1"/>
+          <p:nvPr/>
+        </p:nvSpPr>
+        <p:spPr>
+          <a:xfrm>
+            <a:off x="8043746" y="6082318"/>
+            <a:ext cx="6096000" cy="369332"/>
+          </a:xfrm>
+          <a:prstGeom prst="rect">
+            <a:avLst/>
+          </a:prstGeom>
+          <a:noFill/>
+        </p:spPr>
+        <p:txBody>
+          <a:bodyPr wrap="square">
+            <a:spAutoFit/>
+          </a:bodyPr>
+          <a:lstStyle/>
+          <a:p>
+            <a:r>
+              <a:rPr lang="en-US" u="sng" dirty="0">
+                <a:hlinkClick r:id="rId2"/>
+              </a:rPr>
+              <a:t>https://r4ds.hadley.nz/</a:t>
+            </a:r>
+            <a:endParaRPr lang="en-US" dirty="0"/>
+          </a:p>
+        </p:txBody>
+      </p:sp>
+      <p:sp>
+        <p:nvSpPr>
+          <p:cNvPr id="7" name="TextBox 6">
+            <a:extLst>
+              <a:ext uri="{FF2B5EF4-FFF2-40B4-BE49-F238E27FC236}">
+                <a16:creationId xmlns:a16="http://schemas.microsoft.com/office/drawing/2014/main" id="{8AFB8989-6878-8ECB-D938-92F457FF5BFE}"/>
+              </a:ext>
+            </a:extLst>
+          </p:cNvPr>
+          <p:cNvSpPr txBox="1"/>
+          <p:nvPr/>
+        </p:nvSpPr>
+        <p:spPr>
+          <a:xfrm>
+            <a:off x="6484986" y="6082318"/>
+            <a:ext cx="1558760" cy="369332"/>
+          </a:xfrm>
+          <a:prstGeom prst="rect">
+            <a:avLst/>
+          </a:prstGeom>
+          <a:noFill/>
+        </p:spPr>
+        <p:txBody>
+          <a:bodyPr wrap="none" rtlCol="0">
+            <a:spAutoFit/>
+          </a:bodyPr>
+          <a:lstStyle/>
+          <a:p>
+            <a:r>
+              <a:rPr lang="en-US" dirty="0"/>
+              <a:t>Example from</a:t>
             </a:r>
           </a:p>
         </p:txBody>
       </p:sp>
     </p:spTree>
+    <p:extLst>
+      <p:ext uri="{BB962C8B-B14F-4D97-AF65-F5344CB8AC3E}">
+        <p14:creationId xmlns:p14="http://schemas.microsoft.com/office/powerpoint/2010/main" val="3368278126"/>
+      </p:ext>
+    </p:extLst>
   </p:cSld>
   <p:clrMapOvr>
     <a:masterClrMapping/>
@@ -6916,14 +6409,14 @@
       </p:grpSpPr>
       <p:sp>
         <p:nvSpPr>
-          <p:cNvPr id="260" name="Why use one or the other?"/>
+          <p:cNvPr id="234" name="Getting data into R"/>
           <p:cNvSpPr txBox="1"/>
           <p:nvPr/>
         </p:nvSpPr>
         <p:spPr>
           <a:xfrm>
-            <a:off x="4266362" y="297986"/>
-            <a:ext cx="3498330" cy="420628"/>
+            <a:off x="4577311" y="297614"/>
+            <a:ext cx="3898503" cy="605294"/>
           </a:xfrm>
           <a:prstGeom prst="rect">
             <a:avLst/>
@@ -6938,59 +6431,43 @@
           </a:extLst>
         </p:spPr>
         <p:txBody>
-          <a:bodyPr wrap="none" lIns="25400" tIns="25400" rIns="25400" bIns="25400" anchor="ctr">
+          <a:bodyPr wrap="none" lIns="25400" tIns="25400" rIns="25400" bIns="25400" anchor="t">
             <a:spAutoFit/>
           </a:bodyPr>
           <a:lstStyle>
             <a:lvl1pPr>
+              <a:lnSpc>
+                <a:spcPct val="1000000"/>
+              </a:lnSpc>
               <a:defRPr sz="4800"/>
             </a:lvl1pPr>
           </a:lstStyle>
           <a:p>
-            <a:r>
-              <a:rPr sz="2400"/>
-              <a:t>Why use one or the other?</a:t>
-            </a:r>
-          </a:p>
-        </p:txBody>
-      </p:sp>
-      <p:pic>
-        <p:nvPicPr>
-          <p:cNvPr id="261" name="Image" descr="Image"/>
-          <p:cNvPicPr>
-            <a:picLocks noChangeAspect="1"/>
-          </p:cNvPicPr>
-          <p:nvPr/>
-        </p:nvPicPr>
-        <p:blipFill>
-          <a:blip r:embed="rId2"/>
-          <a:stretch>
-            <a:fillRect/>
-          </a:stretch>
-        </p:blipFill>
-        <p:spPr>
-          <a:xfrm>
-            <a:off x="4784390" y="959600"/>
-            <a:ext cx="6690845" cy="3790819"/>
-          </a:xfrm>
-          <a:prstGeom prst="rect">
-            <a:avLst/>
-          </a:prstGeom>
-          <a:ln w="12700">
-            <a:miter lim="400000"/>
-          </a:ln>
-        </p:spPr>
-      </p:pic>
-      <p:sp>
-        <p:nvSpPr>
-          <p:cNvPr id="262" name="https://towardsdatascience.com/tidyverse-vs-base-r-how-to-choose-the-best-framework-for-you-29b702bdb384"/>
+            <a:pPr>
+              <a:lnSpc>
+                <a:spcPct val="100000"/>
+              </a:lnSpc>
+            </a:pPr>
+            <a:r>
+              <a:rPr sz="3600" dirty="0">
+                <a:latin typeface="Arial" panose="020B0604020202020204" pitchFamily="34" charset="0"/>
+                <a:cs typeface="Arial" panose="020B0604020202020204" pitchFamily="34" charset="0"/>
+              </a:rPr>
+              <a:t>Getting data into R</a:t>
+            </a:r>
+          </a:p>
+        </p:txBody>
+      </p:sp>
+      <p:sp>
+        <p:nvSpPr>
+          <p:cNvPr id="235" name="df &lt;- read_csv(‘somefile.csv’)…"/>
           <p:cNvSpPr txBox="1"/>
           <p:nvPr/>
         </p:nvSpPr>
         <p:spPr>
           <a:xfrm>
-            <a:off x="5760792" y="5363365"/>
-            <a:ext cx="5459499" cy="882293"/>
+            <a:off x="2766298" y="2025508"/>
+            <a:ext cx="8216095" cy="2267287"/>
           </a:xfrm>
           <a:prstGeom prst="rect">
             <a:avLst/>
@@ -7005,36 +6482,146 @@
           </a:extLst>
         </p:spPr>
         <p:txBody>
-          <a:bodyPr lIns="25400" tIns="25400" rIns="25400" bIns="25400" anchor="ctr">
+          <a:bodyPr wrap="none" lIns="25400" tIns="25400" rIns="25400" bIns="25400" anchor="ctr">
             <a:spAutoFit/>
           </a:bodyPr>
           <a:lstStyle/>
           <a:p>
+            <a:pPr algn="l">
+              <a:defRPr sz="3600"/>
+            </a:pPr>
+            <a:r>
+              <a:rPr dirty="0" err="1"/>
+              <a:t>df</a:t>
+            </a:r>
             <a:r>
               <a:rPr dirty="0"/>
-              <a:t>https://</a:t>
+              <a:t> &lt;- </a:t>
             </a:r>
             <a:r>
               <a:rPr dirty="0" err="1"/>
-              <a:t>towardsdatascience.com</a:t>
+              <a:t>read_csv</a:t>
             </a:r>
             <a:r>
               <a:rPr dirty="0"/>
-              <a:t>/tidyverse-vs-base-r-how-to-choose-the-best-framework-for-you-29b702bdb384</a:t>
-            </a:r>
-          </a:p>
-        </p:txBody>
-      </p:sp>
-      <p:sp>
-        <p:nvSpPr>
-          <p:cNvPr id="263" name="Base R"/>
+              <a:t>(‘</a:t>
+            </a:r>
+            <a:r>
+              <a:rPr dirty="0" err="1"/>
+              <a:t>somefile.csv</a:t>
+            </a:r>
+            <a:r>
+              <a:rPr dirty="0"/>
+              <a:t>’) </a:t>
+            </a:r>
+          </a:p>
+          <a:p>
+            <a:pPr algn="l">
+              <a:defRPr sz="3600"/>
+            </a:pPr>
+            <a:r>
+              <a:rPr dirty="0" err="1"/>
+              <a:t>df</a:t>
+            </a:r>
+            <a:r>
+              <a:rPr dirty="0"/>
+              <a:t> &lt;- </a:t>
+            </a:r>
+            <a:r>
+              <a:rPr dirty="0" err="1"/>
+              <a:t>read_tsv</a:t>
+            </a:r>
+            <a:r>
+              <a:rPr dirty="0"/>
+              <a:t>(‘</a:t>
+            </a:r>
+            <a:r>
+              <a:rPr dirty="0" err="1"/>
+              <a:t>somefile.tsv</a:t>
+            </a:r>
+            <a:r>
+              <a:rPr dirty="0"/>
+              <a:t>’)</a:t>
+            </a:r>
+          </a:p>
+          <a:p>
+            <a:pPr algn="l">
+              <a:defRPr sz="3600"/>
+            </a:pPr>
+            <a:r>
+              <a:rPr dirty="0" err="1"/>
+              <a:t>df</a:t>
+            </a:r>
+            <a:r>
+              <a:rPr dirty="0"/>
+              <a:t> &lt;- </a:t>
+            </a:r>
+            <a:r>
+              <a:rPr dirty="0" err="1"/>
+              <a:t>read_table</a:t>
+            </a:r>
+            <a:r>
+              <a:rPr dirty="0"/>
+              <a:t>(‘</a:t>
+            </a:r>
+            <a:r>
+              <a:rPr dirty="0" err="1"/>
+              <a:t>somefile.tsv</a:t>
+            </a:r>
+            <a:r>
+              <a:rPr dirty="0"/>
+              <a:t>’, </a:t>
+            </a:r>
+            <a:r>
+              <a:rPr dirty="0" err="1"/>
+              <a:t>sep</a:t>
+            </a:r>
+            <a:r>
+              <a:rPr dirty="0"/>
+              <a:t> = “\t”) </a:t>
+            </a:r>
+          </a:p>
+          <a:p>
+            <a:pPr algn="l">
+              <a:defRPr sz="3600"/>
+            </a:pPr>
+            <a:r>
+              <a:rPr dirty="0" err="1"/>
+              <a:t>df</a:t>
+            </a:r>
+            <a:r>
+              <a:rPr dirty="0"/>
+              <a:t> &lt;- </a:t>
+            </a:r>
+            <a:r>
+              <a:rPr dirty="0" err="1"/>
+              <a:t>read.csv</a:t>
+            </a:r>
+            <a:r>
+              <a:rPr dirty="0"/>
+              <a:t>(‘</a:t>
+            </a:r>
+            <a:r>
+              <a:rPr dirty="0" err="1"/>
+              <a:t>somefile.csv</a:t>
+            </a:r>
+            <a:r>
+              <a:rPr dirty="0"/>
+              <a:t>’) </a:t>
+            </a:r>
+          </a:p>
+        </p:txBody>
+      </p:sp>
+      <p:sp>
+        <p:nvSpPr>
+          <p:cNvPr id="236" name="Tidyverse"/>
           <p:cNvSpPr txBox="1"/>
           <p:nvPr/>
         </p:nvSpPr>
         <p:spPr>
           <a:xfrm>
-            <a:off x="974368" y="2017741"/>
-            <a:ext cx="960199" cy="420628"/>
+            <a:off x="1215829" y="2348313"/>
+            <a:ext cx="1294009" cy="420628"/>
           </a:xfrm>
           <a:prstGeom prst="rect">
             <a:avLst/>
@@ -7052,29 +6639,26 @@
           <a:bodyPr wrap="none" lIns="25400" tIns="25400" rIns="25400" bIns="25400" anchor="ctr">
             <a:spAutoFit/>
           </a:bodyPr>
-          <a:lstStyle>
-            <a:lvl1pPr>
-              <a:defRPr sz="4800"/>
-            </a:lvl1pPr>
-          </a:lstStyle>
-          <a:p>
-            <a:r>
-              <a:rPr sz="2400" dirty="0"/>
-              <a:t>Base R</a:t>
-            </a:r>
-          </a:p>
-        </p:txBody>
-      </p:sp>
-      <p:sp>
-        <p:nvSpPr>
-          <p:cNvPr id="264" name="Can be faster…"/>
+          <a:lstStyle/>
+          <a:p>
+            <a:r>
+              <a:rPr sz="2400" dirty="0" err="1"/>
+              <a:t>Tidyverse</a:t>
+            </a:r>
+            <a:endParaRPr sz="2400" dirty="0"/>
+          </a:p>
+        </p:txBody>
+      </p:sp>
+      <p:sp>
+        <p:nvSpPr>
+          <p:cNvPr id="237" name="base"/>
           <p:cNvSpPr txBox="1"/>
           <p:nvPr/>
         </p:nvSpPr>
         <p:spPr>
           <a:xfrm>
-            <a:off x="855182" y="2438369"/>
-            <a:ext cx="3053465" cy="974626"/>
+            <a:off x="1677189" y="3764517"/>
+            <a:ext cx="698909" cy="420628"/>
           </a:xfrm>
           <a:prstGeom prst="rect">
             <a:avLst/>
@@ -7094,52 +6678,166 @@
           </a:bodyPr>
           <a:lstStyle/>
           <a:p>
-            <a:pPr marL="152400" indent="-152400">
-              <a:buSzPct val="123000"/>
-              <a:buChar char="•"/>
-              <a:defRPr sz="3000"/>
-            </a:pPr>
-            <a:r>
-              <a:rPr sz="1500" dirty="0"/>
-              <a:t>Can be faster</a:t>
-            </a:r>
-          </a:p>
-          <a:p>
-            <a:pPr marL="152400" indent="-152400">
-              <a:buSzPct val="123000"/>
-              <a:buChar char="•"/>
-              <a:defRPr sz="3000"/>
-            </a:pPr>
-            <a:r>
-              <a:rPr sz="1500" dirty="0"/>
-              <a:t>Older/Can be more stable</a:t>
-            </a:r>
-          </a:p>
-          <a:p>
-            <a:pPr marL="152400" indent="-152400">
-              <a:buSzPct val="123000"/>
-              <a:buChar char="•"/>
-              <a:defRPr sz="3000"/>
-            </a:pPr>
-            <a:r>
-              <a:rPr sz="1500" dirty="0"/>
-              <a:t>Easier for some specific cases</a:t>
-            </a:r>
-          </a:p>
-          <a:p>
-            <a:pPr marL="152400" indent="-152400">
-              <a:buSzPct val="123000"/>
-              <a:buChar char="•"/>
-              <a:defRPr sz="3000"/>
-            </a:pPr>
-            <a:r>
-              <a:rPr sz="1500" dirty="0"/>
-              <a:t>Don’t need to install anything extra</a:t>
-            </a:r>
+            <a:r>
+              <a:rPr sz="2400" dirty="0"/>
+              <a:t>base</a:t>
+            </a:r>
+          </a:p>
+        </p:txBody>
+      </p:sp>
+      <p:sp>
+        <p:nvSpPr>
+          <p:cNvPr id="238" name="Line"/>
+          <p:cNvSpPr/>
+          <p:nvPr/>
+        </p:nvSpPr>
+        <p:spPr>
+          <a:xfrm flipV="1">
+            <a:off x="2638067" y="2290413"/>
+            <a:ext cx="1" cy="667227"/>
+          </a:xfrm>
+          <a:prstGeom prst="line">
+            <a:avLst/>
+          </a:prstGeom>
+          <a:ln w="101600">
+            <a:solidFill>
+              <a:srgbClr val="000000"/>
+            </a:solidFill>
+            <a:miter lim="400000"/>
+          </a:ln>
+        </p:spPr>
+        <p:txBody>
+          <a:bodyPr lIns="25400" tIns="25400" rIns="25400" bIns="25400" anchor="ctr"/>
+          <a:lstStyle/>
+          <a:p>
+            <a:endParaRPr sz="900"/>
+          </a:p>
+        </p:txBody>
+      </p:sp>
+      <p:sp>
+        <p:nvSpPr>
+          <p:cNvPr id="2" name="Line">
+            <a:extLst>
+              <a:ext uri="{FF2B5EF4-FFF2-40B4-BE49-F238E27FC236}">
+                <a16:creationId xmlns:a16="http://schemas.microsoft.com/office/drawing/2014/main" id="{D28483D4-FF4A-2F4C-D1F7-8FA938411022}"/>
+              </a:ext>
+            </a:extLst>
+          </p:cNvPr>
+          <p:cNvSpPr/>
+          <p:nvPr/>
+        </p:nvSpPr>
+        <p:spPr>
+          <a:xfrm flipV="1">
+            <a:off x="2644446" y="3695066"/>
+            <a:ext cx="1" cy="667227"/>
+          </a:xfrm>
+          <a:prstGeom prst="line">
+            <a:avLst/>
+          </a:prstGeom>
+          <a:ln w="101600">
+            <a:solidFill>
+              <a:srgbClr val="000000"/>
+            </a:solidFill>
+            <a:miter lim="400000"/>
+          </a:ln>
+        </p:spPr>
+        <p:txBody>
+          <a:bodyPr lIns="25400" tIns="25400" rIns="25400" bIns="25400" anchor="ctr"/>
+          <a:lstStyle/>
+          <a:p>
+            <a:endParaRPr sz="900"/>
+          </a:p>
+        </p:txBody>
+      </p:sp>
+      <p:sp>
+        <p:nvSpPr>
+          <p:cNvPr id="4" name="TextBox 3">
+            <a:extLst>
+              <a:ext uri="{FF2B5EF4-FFF2-40B4-BE49-F238E27FC236}">
+                <a16:creationId xmlns:a16="http://schemas.microsoft.com/office/drawing/2014/main" id="{42B63C57-77B0-7D03-6FBC-760F644FC6A7}"/>
+              </a:ext>
+            </a:extLst>
+          </p:cNvPr>
+          <p:cNvSpPr txBox="1"/>
+          <p:nvPr/>
+        </p:nvSpPr>
+        <p:spPr>
+          <a:xfrm>
+            <a:off x="2509838" y="4522039"/>
+            <a:ext cx="6099716" cy="646331"/>
+          </a:xfrm>
+          <a:prstGeom prst="rect">
+            <a:avLst/>
+          </a:prstGeom>
+          <a:noFill/>
+        </p:spPr>
+        <p:txBody>
+          <a:bodyPr wrap="square">
+            <a:spAutoFit/>
+          </a:bodyPr>
+          <a:lstStyle/>
+          <a:p>
+            <a:r>
+              <a:rPr lang="en-US" sz="1800" dirty="0"/>
+              <a:t>For this class these are similar enough that you can read them either way.</a:t>
+            </a:r>
+          </a:p>
+        </p:txBody>
+      </p:sp>
+      <p:sp>
+        <p:nvSpPr>
+          <p:cNvPr id="6" name="TextBox 5">
+            <a:extLst>
+              <a:ext uri="{FF2B5EF4-FFF2-40B4-BE49-F238E27FC236}">
+                <a16:creationId xmlns:a16="http://schemas.microsoft.com/office/drawing/2014/main" id="{C02DB74E-BDA0-23D1-BC51-5A5B1C37F1E9}"/>
+              </a:ext>
+            </a:extLst>
+          </p:cNvPr>
+          <p:cNvSpPr txBox="1"/>
+          <p:nvPr/>
+        </p:nvSpPr>
+        <p:spPr>
+          <a:xfrm>
+            <a:off x="2376098" y="5487862"/>
+            <a:ext cx="6099716" cy="369332"/>
+          </a:xfrm>
+          <a:prstGeom prst="rect">
+            <a:avLst/>
+          </a:prstGeom>
+          <a:noFill/>
+        </p:spPr>
+        <p:txBody>
+          <a:bodyPr wrap="square">
+            <a:spAutoFit/>
+          </a:bodyPr>
+          <a:lstStyle/>
+          <a:p>
+            <a:r>
+              <a:rPr lang="en-US" sz="1800" dirty="0"/>
+              <a:t>https://r4ds.had.co.nz/tibbles.</a:t>
+            </a:r>
+            <a:r>
+              <a:rPr lang="en-US" sz="1800" dirty="0" err="1"/>
+              <a:t>html#tibbles-vs</a:t>
+            </a:r>
+            <a:r>
+              <a:rPr lang="en-US" sz="1800" dirty="0"/>
+              <a:t>.-</a:t>
+            </a:r>
+            <a:r>
+              <a:rPr lang="en-US" sz="1800" dirty="0" err="1"/>
+              <a:t>data.frame</a:t>
+            </a:r>
+            <a:endParaRPr lang="en-US" sz="1800" dirty="0"/>
           </a:p>
         </p:txBody>
       </p:sp>
     </p:spTree>
+    <p:extLst>
+      <p:ext uri="{BB962C8B-B14F-4D97-AF65-F5344CB8AC3E}">
+        <p14:creationId xmlns:p14="http://schemas.microsoft.com/office/powerpoint/2010/main" val="3638709808"/>
+      </p:ext>
+    </p:extLst>
   </p:cSld>
   <p:clrMapOvr>
     <a:masterClrMapping/>
@@ -7166,14 +6864,14 @@
       </p:grpSpPr>
       <p:sp>
         <p:nvSpPr>
-          <p:cNvPr id="266" name="Why use one or the other?"/>
+          <p:cNvPr id="249" name="Base R vs Tidyverse"/>
           <p:cNvSpPr txBox="1"/>
           <p:nvPr/>
         </p:nvSpPr>
         <p:spPr>
           <a:xfrm>
-            <a:off x="4266362" y="297986"/>
-            <a:ext cx="3498330" cy="420628"/>
+            <a:off x="4578864" y="374847"/>
+            <a:ext cx="2614690" cy="420628"/>
           </a:xfrm>
           <a:prstGeom prst="rect">
             <a:avLst/>
@@ -7183,7 +6881,7 @@
           </a:ln>
           <a:extLst>
             <a:ext uri="{C572A759-6A51-4108-AA02-DFA0A04FC94B}">
-              <ma14:wrappingTextBoxFlag xmlns:ma14="http://schemas.microsoft.com/office/mac/drawingml/2011/main" xmlns:a14="http://schemas.microsoft.com/office/drawing/2010/main" xmlns:m="http://schemas.openxmlformats.org/officeDocument/2006/math" xmlns="" val="1"/>
+              <ma14:wrappingTextBoxFlag xmlns="" xmlns:m="http://schemas.openxmlformats.org/officeDocument/2006/math" xmlns:a14="http://schemas.microsoft.com/office/drawing/2010/main" xmlns:ma14="http://schemas.microsoft.com/office/mac/drawingml/2011/main" val="1"/>
             </a:ext>
           </a:extLst>
         </p:spPr>
@@ -7199,14 +6897,14 @@
           <a:p>
             <a:r>
               <a:rPr sz="2400"/>
-              <a:t>Why use one or the other?</a:t>
+              <a:t>Base R vs Tidyverse</a:t>
             </a:r>
           </a:p>
         </p:txBody>
       </p:sp>
       <p:pic>
         <p:nvPicPr>
-          <p:cNvPr id="267" name="Image" descr="Image"/>
+          <p:cNvPr id="250" name="Image" descr="Image"/>
           <p:cNvPicPr>
             <a:picLocks noChangeAspect="1"/>
           </p:cNvPicPr>
@@ -7220,8 +6918,8 @@
         </p:blipFill>
         <p:spPr>
           <a:xfrm>
-            <a:off x="497699" y="1108105"/>
-            <a:ext cx="5592507" cy="3168536"/>
+            <a:off x="2766341" y="938374"/>
+            <a:ext cx="6659318" cy="440500"/>
           </a:xfrm>
           <a:prstGeom prst="rect">
             <a:avLst/>
@@ -7231,16 +6929,97 @@
           </a:ln>
         </p:spPr>
       </p:pic>
-      <p:sp>
-        <p:nvSpPr>
-          <p:cNvPr id="268" name="https://towardsdatascience.com/tidyverse-vs-base-r-how-to-choose-the-best-framework-for-you-29b702bdb384"/>
+      <p:pic>
+        <p:nvPicPr>
+          <p:cNvPr id="251" name="Image" descr="Image"/>
+          <p:cNvPicPr>
+            <a:picLocks noChangeAspect="1"/>
+          </p:cNvPicPr>
+          <p:nvPr/>
+        </p:nvPicPr>
+        <p:blipFill>
+          <a:blip r:embed="rId3"/>
+          <a:stretch>
+            <a:fillRect/>
+          </a:stretch>
+        </p:blipFill>
+        <p:spPr>
+          <a:xfrm>
+            <a:off x="9526524" y="953468"/>
+            <a:ext cx="2097907" cy="1765865"/>
+          </a:xfrm>
+          <a:prstGeom prst="rect">
+            <a:avLst/>
+          </a:prstGeom>
+          <a:ln w="12700">
+            <a:miter lim="400000"/>
+          </a:ln>
+        </p:spPr>
+      </p:pic>
+      <p:pic>
+        <p:nvPicPr>
+          <p:cNvPr id="252" name="Image" descr="Image"/>
+          <p:cNvPicPr>
+            <a:picLocks noChangeAspect="1"/>
+          </p:cNvPicPr>
+          <p:nvPr/>
+        </p:nvPicPr>
+        <p:blipFill>
+          <a:blip r:embed="rId4"/>
+          <a:stretch>
+            <a:fillRect/>
+          </a:stretch>
+        </p:blipFill>
+        <p:spPr>
+          <a:xfrm>
+            <a:off x="6217070" y="3681786"/>
+            <a:ext cx="4885388" cy="628122"/>
+          </a:xfrm>
+          <a:prstGeom prst="rect">
+            <a:avLst/>
+          </a:prstGeom>
+          <a:ln w="12700">
+            <a:miter lim="400000"/>
+          </a:ln>
+        </p:spPr>
+      </p:pic>
+      <p:pic>
+        <p:nvPicPr>
+          <p:cNvPr id="253" name="Image" descr="Image"/>
+          <p:cNvPicPr>
+            <a:picLocks noChangeAspect="1"/>
+          </p:cNvPicPr>
+          <p:nvPr/>
+        </p:nvPicPr>
+        <p:blipFill>
+          <a:blip r:embed="rId5"/>
+          <a:stretch>
+            <a:fillRect/>
+          </a:stretch>
+        </p:blipFill>
+        <p:spPr>
+          <a:xfrm>
+            <a:off x="6229343" y="4371862"/>
+            <a:ext cx="2391246" cy="1106155"/>
+          </a:xfrm>
+          <a:prstGeom prst="rect">
+            <a:avLst/>
+          </a:prstGeom>
+          <a:ln w="12700">
+            <a:miter lim="400000"/>
+          </a:ln>
+        </p:spPr>
+      </p:pic>
+      <p:sp>
+        <p:nvSpPr>
+          <p:cNvPr id="254" name="Tidyverse (    library(tidyverse)"/>
           <p:cNvSpPr txBox="1"/>
           <p:nvPr/>
         </p:nvSpPr>
         <p:spPr>
           <a:xfrm>
-            <a:off x="867085" y="4119329"/>
-            <a:ext cx="5459499" cy="328295"/>
+            <a:off x="6163345" y="3009275"/>
+            <a:ext cx="3266022" cy="359073"/>
           </a:xfrm>
           <a:prstGeom prst="rect">
             <a:avLst/>
@@ -7250,33 +7029,37 @@
           </a:ln>
           <a:extLst>
             <a:ext uri="{C572A759-6A51-4108-AA02-DFA0A04FC94B}">
-              <ma14:wrappingTextBoxFlag xmlns:ma14="http://schemas.microsoft.com/office/mac/drawingml/2011/main" xmlns:a14="http://schemas.microsoft.com/office/drawing/2010/main" xmlns:m="http://schemas.openxmlformats.org/officeDocument/2006/math" xmlns="" val="1"/>
+              <ma14:wrappingTextBoxFlag xmlns="" xmlns:m="http://schemas.openxmlformats.org/officeDocument/2006/math" xmlns:a14="http://schemas.microsoft.com/office/drawing/2010/main" xmlns:ma14="http://schemas.microsoft.com/office/mac/drawingml/2011/main" val="1"/>
             </a:ext>
           </a:extLst>
         </p:spPr>
         <p:txBody>
-          <a:bodyPr lIns="25400" tIns="25400" rIns="25400" bIns="25400" anchor="ctr">
+          <a:bodyPr wrap="none" lIns="25400" tIns="25400" rIns="25400" bIns="25400" anchor="ctr">
             <a:spAutoFit/>
           </a:bodyPr>
-          <a:lstStyle/>
-          <a:p>
-            <a:r>
-              <a:rPr sz="900"/>
-              <a:t>https://towardsdatascience.com/tidyverse-vs-base-r-how-to-choose-the-best-framework-for-you-29b702bdb384</a:t>
-            </a:r>
-          </a:p>
-        </p:txBody>
-      </p:sp>
-      <p:sp>
-        <p:nvSpPr>
-          <p:cNvPr id="269" name="Tidyverse"/>
+          <a:lstStyle>
+            <a:lvl1pPr>
+              <a:defRPr sz="4000"/>
+            </a:lvl1pPr>
+          </a:lstStyle>
+          <a:p>
+            <a:r>
+              <a:rPr sz="2000"/>
+              <a:t>Tidyverse (    library(tidyverse)</a:t>
+            </a:r>
+          </a:p>
+        </p:txBody>
+      </p:sp>
+      <p:sp>
+        <p:nvSpPr>
+          <p:cNvPr id="255" name="Base"/>
           <p:cNvSpPr txBox="1"/>
           <p:nvPr/>
         </p:nvSpPr>
         <p:spPr>
           <a:xfrm>
-            <a:off x="6609899" y="1566185"/>
-            <a:ext cx="1294009" cy="420628"/>
+            <a:off x="1222793" y="3009275"/>
+            <a:ext cx="602729" cy="359073"/>
           </a:xfrm>
           <a:prstGeom prst="rect">
             <a:avLst/>
@@ -7286,7 +7069,7 @@
           </a:ln>
           <a:extLst>
             <a:ext uri="{C572A759-6A51-4108-AA02-DFA0A04FC94B}">
-              <ma14:wrappingTextBoxFlag xmlns:ma14="http://schemas.microsoft.com/office/mac/drawingml/2011/main" xmlns:a14="http://schemas.microsoft.com/office/drawing/2010/main" xmlns:m="http://schemas.openxmlformats.org/officeDocument/2006/math" xmlns="" val="1"/>
+              <ma14:wrappingTextBoxFlag xmlns="" xmlns:m="http://schemas.openxmlformats.org/officeDocument/2006/math" xmlns:a14="http://schemas.microsoft.com/office/drawing/2010/main" xmlns:ma14="http://schemas.microsoft.com/office/mac/drawingml/2011/main" val="1"/>
             </a:ext>
           </a:extLst>
         </p:spPr>
@@ -7296,27 +7079,81 @@
           </a:bodyPr>
           <a:lstStyle>
             <a:lvl1pPr>
-              <a:defRPr sz="4800"/>
+              <a:defRPr sz="4000"/>
             </a:lvl1pPr>
           </a:lstStyle>
           <a:p>
             <a:r>
-              <a:rPr sz="2400"/>
-              <a:t>Tidyverse</a:t>
-            </a:r>
-          </a:p>
-        </p:txBody>
-      </p:sp>
-      <p:sp>
-        <p:nvSpPr>
-          <p:cNvPr id="270" name="More readable (left to right like english)…"/>
+              <a:rPr sz="2000"/>
+              <a:t>Base</a:t>
+            </a:r>
+          </a:p>
+        </p:txBody>
+      </p:sp>
+      <p:pic>
+        <p:nvPicPr>
+          <p:cNvPr id="256" name="Image" descr="Image"/>
+          <p:cNvPicPr>
+            <a:picLocks noChangeAspect="1"/>
+          </p:cNvPicPr>
+          <p:nvPr/>
+        </p:nvPicPr>
+        <p:blipFill>
+          <a:blip r:embed="rId6"/>
+          <a:stretch>
+            <a:fillRect/>
+          </a:stretch>
+        </p:blipFill>
+        <p:spPr>
+          <a:xfrm>
+            <a:off x="1205877" y="3387560"/>
+            <a:ext cx="3469932" cy="581915"/>
+          </a:xfrm>
+          <a:prstGeom prst="rect">
+            <a:avLst/>
+          </a:prstGeom>
+          <a:ln w="12700">
+            <a:miter lim="400000"/>
+          </a:ln>
+        </p:spPr>
+      </p:pic>
+      <p:pic>
+        <p:nvPicPr>
+          <p:cNvPr id="257" name="Image" descr="Image"/>
+          <p:cNvPicPr>
+            <a:picLocks noChangeAspect="1"/>
+          </p:cNvPicPr>
+          <p:nvPr/>
+        </p:nvPicPr>
+        <p:blipFill>
+          <a:blip r:embed="rId7"/>
+          <a:stretch>
+            <a:fillRect/>
+          </a:stretch>
+        </p:blipFill>
+        <p:spPr>
+          <a:xfrm>
+            <a:off x="1206703" y="4424979"/>
+            <a:ext cx="2603241" cy="999921"/>
+          </a:xfrm>
+          <a:prstGeom prst="rect">
+            <a:avLst/>
+          </a:prstGeom>
+          <a:ln w="12700">
+            <a:miter lim="400000"/>
+          </a:ln>
+        </p:spPr>
+      </p:pic>
+      <p:sp>
+        <p:nvSpPr>
+          <p:cNvPr id="258" name="https://dplyr.tidyverse.org/articles/base.html"/>
           <p:cNvSpPr txBox="1"/>
           <p:nvPr/>
         </p:nvSpPr>
         <p:spPr>
           <a:xfrm>
-            <a:off x="6414745" y="2205060"/>
-            <a:ext cx="4639603" cy="974626"/>
+            <a:off x="8526278" y="6264409"/>
+            <a:ext cx="2300310" cy="189796"/>
           </a:xfrm>
           <a:prstGeom prst="rect">
             <a:avLst/>
@@ -7326,7 +7163,7 @@
           </a:ln>
           <a:extLst>
             <a:ext uri="{C572A759-6A51-4108-AA02-DFA0A04FC94B}">
-              <ma14:wrappingTextBoxFlag xmlns:ma14="http://schemas.microsoft.com/office/mac/drawingml/2011/main" xmlns:a14="http://schemas.microsoft.com/office/drawing/2010/main" xmlns:m="http://schemas.openxmlformats.org/officeDocument/2006/math" xmlns="" val="1"/>
+              <ma14:wrappingTextBoxFlag xmlns="" xmlns:m="http://schemas.openxmlformats.org/officeDocument/2006/math" xmlns:a14="http://schemas.microsoft.com/office/drawing/2010/main" xmlns:ma14="http://schemas.microsoft.com/office/mac/drawingml/2011/main" val="1"/>
             </a:ext>
           </a:extLst>
         </p:spPr>
@@ -7336,71 +7173,9 @@
           </a:bodyPr>
           <a:lstStyle/>
           <a:p>
-            <a:pPr marL="152400" indent="-152400">
-              <a:buSzPct val="123000"/>
-              <a:buChar char="•"/>
-              <a:defRPr sz="3000"/>
-            </a:pPr>
-            <a:r>
-              <a:rPr sz="1500" dirty="0"/>
-              <a:t>More readable (left to right like </a:t>
-            </a:r>
-            <a:r>
-              <a:rPr sz="1500" dirty="0" err="1"/>
-              <a:t>english</a:t>
-            </a:r>
-            <a:r>
-              <a:rPr sz="1500" dirty="0"/>
-              <a:t>)</a:t>
-            </a:r>
-          </a:p>
-          <a:p>
-            <a:pPr marL="152400" indent="-152400">
-              <a:buSzPct val="123000"/>
-              <a:buChar char="•"/>
-              <a:defRPr sz="3000"/>
-            </a:pPr>
-            <a:r>
-              <a:rPr sz="1500" dirty="0"/>
-              <a:t>Standardized</a:t>
-            </a:r>
-          </a:p>
-          <a:p>
-            <a:pPr marL="152400" indent="-152400">
-              <a:buSzPct val="123000"/>
-              <a:buChar char="•"/>
-              <a:defRPr sz="3000"/>
-            </a:pPr>
-            <a:r>
-              <a:rPr sz="1500" dirty="0"/>
-              <a:t>Different parts work well together (</a:t>
-            </a:r>
-            <a:r>
-              <a:rPr sz="1500" dirty="0" err="1"/>
-              <a:t>dplyr</a:t>
-            </a:r>
-            <a:r>
-              <a:rPr sz="1500" dirty="0"/>
-              <a:t>, pipes, </a:t>
-            </a:r>
-            <a:r>
-              <a:rPr sz="1500" dirty="0" err="1"/>
-              <a:t>ggplot</a:t>
-            </a:r>
-            <a:r>
-              <a:rPr sz="1500" dirty="0"/>
-              <a:t>)</a:t>
-            </a:r>
-          </a:p>
-          <a:p>
-            <a:pPr marL="152400" indent="-152400">
-              <a:buSzPct val="123000"/>
-              <a:buChar char="•"/>
-              <a:defRPr sz="3000"/>
-            </a:pPr>
-            <a:r>
-              <a:rPr sz="1500" dirty="0"/>
-              <a:t>Many useful functions (verbs)</a:t>
+            <a:r>
+              <a:rPr sz="900"/>
+              <a:t>https://dplyr.tidyverse.org/articles/base.html</a:t>
             </a:r>
           </a:p>
         </p:txBody>
@@ -7432,7 +7207,7 @@
       </p:grpSpPr>
       <p:sp>
         <p:nvSpPr>
-          <p:cNvPr id="272" name="Why use one or the other?"/>
+          <p:cNvPr id="260" name="Why use one or the other?"/>
           <p:cNvSpPr txBox="1"/>
           <p:nvPr/>
         </p:nvSpPr>
@@ -7449,7 +7224,7 @@
           </a:ln>
           <a:extLst>
             <a:ext uri="{C572A759-6A51-4108-AA02-DFA0A04FC94B}">
-              <ma14:wrappingTextBoxFlag xmlns:ma14="http://schemas.microsoft.com/office/mac/drawingml/2011/main" xmlns:a14="http://schemas.microsoft.com/office/drawing/2010/main" xmlns:m="http://schemas.openxmlformats.org/officeDocument/2006/math" xmlns="" val="1"/>
+              <ma14:wrappingTextBoxFlag xmlns="" xmlns:m="http://schemas.openxmlformats.org/officeDocument/2006/math" xmlns:a14="http://schemas.microsoft.com/office/drawing/2010/main" xmlns:ma14="http://schemas.microsoft.com/office/mac/drawingml/2011/main" val="1"/>
             </a:ext>
           </a:extLst>
         </p:spPr>
@@ -7472,7 +7247,7 @@
       </p:sp>
       <p:pic>
         <p:nvPicPr>
-          <p:cNvPr id="273" name="Image" descr="Image"/>
+          <p:cNvPr id="261" name="Image" descr="Image"/>
           <p:cNvPicPr>
             <a:picLocks noChangeAspect="1"/>
           </p:cNvPicPr>
@@ -7486,8 +7261,8 @@
         </p:blipFill>
         <p:spPr>
           <a:xfrm>
-            <a:off x="6060479" y="1357902"/>
-            <a:ext cx="5592507" cy="3168536"/>
+            <a:off x="4784390" y="959600"/>
+            <a:ext cx="6690845" cy="3790819"/>
           </a:xfrm>
           <a:prstGeom prst="rect">
             <a:avLst/>
@@ -7499,14 +7274,14 @@
       </p:pic>
       <p:sp>
         <p:nvSpPr>
-          <p:cNvPr id="274" name="https://towardsdatascience.com/tidyverse-vs-base-r-how-to-choose-the-best-framework-for-you-29b702bdb384"/>
+          <p:cNvPr id="262" name="https://towardsdatascience.com/tidyverse-vs-base-r-how-to-choose-the-best-framework-for-you-29b702bdb384"/>
           <p:cNvSpPr txBox="1"/>
           <p:nvPr/>
         </p:nvSpPr>
         <p:spPr>
           <a:xfrm>
-            <a:off x="6429865" y="4369125"/>
-            <a:ext cx="5459499" cy="328295"/>
+            <a:off x="5760792" y="5363365"/>
+            <a:ext cx="5459499" cy="882293"/>
           </a:xfrm>
           <a:prstGeom prst="rect">
             <a:avLst/>
@@ -7516,7 +7291,7 @@
           </a:ln>
           <a:extLst>
             <a:ext uri="{C572A759-6A51-4108-AA02-DFA0A04FC94B}">
-              <ma14:wrappingTextBoxFlag xmlns:ma14="http://schemas.microsoft.com/office/mac/drawingml/2011/main" xmlns:a14="http://schemas.microsoft.com/office/drawing/2010/main" xmlns:m="http://schemas.openxmlformats.org/officeDocument/2006/math" xmlns="" val="1"/>
+              <ma14:wrappingTextBoxFlag xmlns="" xmlns:m="http://schemas.openxmlformats.org/officeDocument/2006/math" xmlns:a14="http://schemas.microsoft.com/office/drawing/2010/main" xmlns:ma14="http://schemas.microsoft.com/office/mac/drawingml/2011/main" val="1"/>
             </a:ext>
           </a:extLst>
         </p:spPr>
@@ -7527,30 +7302,30 @@
           <a:lstStyle/>
           <a:p>
             <a:r>
-              <a:rPr sz="900"/>
-              <a:t>https://towardsdatascience.com/tidyverse-vs-base-r-how-to-choose-the-best-framework-for-you-29b702bdb384</a:t>
-            </a:r>
-          </a:p>
-        </p:txBody>
-      </p:sp>
-      <p:pic>
-        <p:nvPicPr>
-          <p:cNvPr id="275" name="Image" descr="Image"/>
-          <p:cNvPicPr>
-            <a:picLocks noChangeAspect="1"/>
-          </p:cNvPicPr>
-          <p:nvPr/>
-        </p:nvPicPr>
-        <p:blipFill>
-          <a:blip r:embed="rId3"/>
-          <a:stretch>
-            <a:fillRect/>
-          </a:stretch>
-        </p:blipFill>
-        <p:spPr>
-          <a:xfrm>
-            <a:off x="763634" y="1356323"/>
-            <a:ext cx="4935640" cy="319115"/>
+              <a:rPr dirty="0"/>
+              <a:t>https://</a:t>
+            </a:r>
+            <a:r>
+              <a:rPr dirty="0" err="1"/>
+              <a:t>towardsdatascience.com</a:t>
+            </a:r>
+            <a:r>
+              <a:rPr dirty="0"/>
+              <a:t>/tidyverse-vs-base-r-how-to-choose-the-best-framework-for-you-29b702bdb384</a:t>
+            </a:r>
+          </a:p>
+        </p:txBody>
+      </p:sp>
+      <p:sp>
+        <p:nvSpPr>
+          <p:cNvPr id="263" name="Base R"/>
+          <p:cNvSpPr txBox="1"/>
+          <p:nvPr/>
+        </p:nvSpPr>
+        <p:spPr>
+          <a:xfrm>
+            <a:off x="974368" y="2017741"/>
+            <a:ext cx="960199" cy="420628"/>
           </a:xfrm>
           <a:prstGeom prst="rect">
             <a:avLst/>
@@ -7558,26 +7333,39 @@
           <a:ln w="12700">
             <a:miter lim="400000"/>
           </a:ln>
-        </p:spPr>
-      </p:pic>
-      <p:pic>
-        <p:nvPicPr>
-          <p:cNvPr id="276" name="Image" descr="Image"/>
-          <p:cNvPicPr>
-            <a:picLocks noChangeAspect="1"/>
-          </p:cNvPicPr>
-          <p:nvPr/>
-        </p:nvPicPr>
-        <p:blipFill>
-          <a:blip r:embed="rId4"/>
-          <a:stretch>
-            <a:fillRect/>
-          </a:stretch>
-        </p:blipFill>
-        <p:spPr>
-          <a:xfrm>
-            <a:off x="716691" y="3968292"/>
-            <a:ext cx="2144850" cy="1829872"/>
+          <a:extLst>
+            <a:ext uri="{C572A759-6A51-4108-AA02-DFA0A04FC94B}">
+              <ma14:wrappingTextBoxFlag xmlns="" xmlns:m="http://schemas.openxmlformats.org/officeDocument/2006/math" xmlns:a14="http://schemas.microsoft.com/office/drawing/2010/main" xmlns:ma14="http://schemas.microsoft.com/office/mac/drawingml/2011/main" val="1"/>
+            </a:ext>
+          </a:extLst>
+        </p:spPr>
+        <p:txBody>
+          <a:bodyPr wrap="none" lIns="25400" tIns="25400" rIns="25400" bIns="25400" anchor="ctr">
+            <a:spAutoFit/>
+          </a:bodyPr>
+          <a:lstStyle>
+            <a:lvl1pPr>
+              <a:defRPr sz="4800"/>
+            </a:lvl1pPr>
+          </a:lstStyle>
+          <a:p>
+            <a:r>
+              <a:rPr sz="2400" dirty="0"/>
+              <a:t>Base R</a:t>
+            </a:r>
+          </a:p>
+        </p:txBody>
+      </p:sp>
+      <p:sp>
+        <p:nvSpPr>
+          <p:cNvPr id="264" name="Can be faster…"/>
+          <p:cNvSpPr txBox="1"/>
+          <p:nvPr/>
+        </p:nvSpPr>
+        <p:spPr>
+          <a:xfrm>
+            <a:off x="855182" y="2438369"/>
+            <a:ext cx="3053465" cy="974626"/>
           </a:xfrm>
           <a:prstGeom prst="rect">
             <a:avLst/>
@@ -7585,41 +7373,63 @@
           <a:ln w="12700">
             <a:miter lim="400000"/>
           </a:ln>
-        </p:spPr>
-      </p:pic>
-      <p:pic>
-        <p:nvPicPr>
-          <p:cNvPr id="2" name="Image" descr="Image">
-            <a:extLst>
-              <a:ext uri="{FF2B5EF4-FFF2-40B4-BE49-F238E27FC236}">
-                <a16:creationId xmlns:a16="http://schemas.microsoft.com/office/drawing/2014/main" id="{79A63B04-A6DD-62FA-E1C1-76DA019546AD}"/>
-              </a:ext>
-            </a:extLst>
-          </p:cNvPr>
-          <p:cNvPicPr>
-            <a:picLocks noChangeAspect="1"/>
-          </p:cNvPicPr>
-          <p:nvPr/>
-        </p:nvPicPr>
-        <p:blipFill>
-          <a:blip r:embed="rId5"/>
-          <a:stretch>
-            <a:fillRect/>
-          </a:stretch>
-        </p:blipFill>
-        <p:spPr>
-          <a:xfrm>
-            <a:off x="763634" y="1997412"/>
-            <a:ext cx="2097907" cy="1765865"/>
-          </a:xfrm>
-          <a:prstGeom prst="rect">
-            <a:avLst/>
-          </a:prstGeom>
-          <a:ln w="12700">
-            <a:miter lim="400000"/>
-          </a:ln>
-        </p:spPr>
-      </p:pic>
+          <a:extLst>
+            <a:ext uri="{C572A759-6A51-4108-AA02-DFA0A04FC94B}">
+              <ma14:wrappingTextBoxFlag xmlns="" xmlns:m="http://schemas.openxmlformats.org/officeDocument/2006/math" xmlns:a14="http://schemas.microsoft.com/office/drawing/2010/main" xmlns:ma14="http://schemas.microsoft.com/office/mac/drawingml/2011/main" val="1"/>
+            </a:ext>
+          </a:extLst>
+        </p:spPr>
+        <p:txBody>
+          <a:bodyPr wrap="none" lIns="25400" tIns="25400" rIns="25400" bIns="25400" anchor="ctr">
+            <a:spAutoFit/>
+          </a:bodyPr>
+          <a:lstStyle/>
+          <a:p>
+            <a:pPr marL="152400" indent="-152400">
+              <a:buSzPct val="123000"/>
+              <a:buChar char="•"/>
+              <a:defRPr sz="3000"/>
+            </a:pPr>
+            <a:r>
+              <a:rPr sz="1500" dirty="0"/>
+              <a:t>Can be faster</a:t>
+            </a:r>
+          </a:p>
+          <a:p>
+            <a:pPr marL="152400" indent="-152400">
+              <a:buSzPct val="123000"/>
+              <a:buChar char="•"/>
+              <a:defRPr sz="3000"/>
+            </a:pPr>
+            <a:r>
+              <a:rPr sz="1500" dirty="0"/>
+              <a:t>Older/Can be more stable</a:t>
+            </a:r>
+          </a:p>
+          <a:p>
+            <a:pPr marL="152400" indent="-152400">
+              <a:buSzPct val="123000"/>
+              <a:buChar char="•"/>
+              <a:defRPr sz="3000"/>
+            </a:pPr>
+            <a:r>
+              <a:rPr sz="1500" dirty="0"/>
+              <a:t>Easier for some specific cases</a:t>
+            </a:r>
+          </a:p>
+          <a:p>
+            <a:pPr marL="152400" indent="-152400">
+              <a:buSzPct val="123000"/>
+              <a:buChar char="•"/>
+              <a:defRPr sz="3000"/>
+            </a:pPr>
+            <a:r>
+              <a:rPr sz="1500" dirty="0"/>
+              <a:t>Don’t need to install anything extra</a:t>
+            </a:r>
+          </a:p>
+        </p:txBody>
+      </p:sp>
     </p:spTree>
   </p:cSld>
   <p:clrMapOvr>
@@ -7647,14 +7457,14 @@
       </p:grpSpPr>
       <p:sp>
         <p:nvSpPr>
-          <p:cNvPr id="278" name="Tidyverse ‘verb’s"/>
+          <p:cNvPr id="266" name="Why use one or the other?"/>
           <p:cNvSpPr txBox="1"/>
           <p:nvPr/>
         </p:nvSpPr>
         <p:spPr>
           <a:xfrm>
-            <a:off x="4759725" y="532725"/>
-            <a:ext cx="2211631" cy="420628"/>
+            <a:off x="4266362" y="297986"/>
+            <a:ext cx="3498330" cy="420628"/>
           </a:xfrm>
           <a:prstGeom prst="rect">
             <a:avLst/>
@@ -7664,7 +7474,7 @@
           </a:ln>
           <a:extLst>
             <a:ext uri="{C572A759-6A51-4108-AA02-DFA0A04FC94B}">
-              <ma14:wrappingTextBoxFlag xmlns:ma14="http://schemas.microsoft.com/office/mac/drawingml/2011/main" xmlns:a14="http://schemas.microsoft.com/office/drawing/2010/main" xmlns:m="http://schemas.openxmlformats.org/officeDocument/2006/math" xmlns="" val="1"/>
+              <ma14:wrappingTextBoxFlag xmlns="" xmlns:m="http://schemas.openxmlformats.org/officeDocument/2006/math" xmlns:a14="http://schemas.microsoft.com/office/drawing/2010/main" xmlns:ma14="http://schemas.microsoft.com/office/mac/drawingml/2011/main" val="1"/>
             </a:ext>
           </a:extLst>
         </p:spPr>
@@ -7680,21 +7490,48 @@
           <a:p>
             <a:r>
               <a:rPr sz="2400"/>
-              <a:t>Tidyverse ‘verb’s</a:t>
-            </a:r>
-          </a:p>
-        </p:txBody>
-      </p:sp>
-      <p:sp>
-        <p:nvSpPr>
-          <p:cNvPr id="279" name="https://dplyr.tidyverse.org/reference/index.html"/>
+              <a:t>Why use one or the other?</a:t>
+            </a:r>
+          </a:p>
+        </p:txBody>
+      </p:sp>
+      <p:pic>
+        <p:nvPicPr>
+          <p:cNvPr id="267" name="Image" descr="Image"/>
+          <p:cNvPicPr>
+            <a:picLocks noChangeAspect="1"/>
+          </p:cNvPicPr>
+          <p:nvPr/>
+        </p:nvPicPr>
+        <p:blipFill>
+          <a:blip r:embed="rId2"/>
+          <a:stretch>
+            <a:fillRect/>
+          </a:stretch>
+        </p:blipFill>
+        <p:spPr>
+          <a:xfrm>
+            <a:off x="497699" y="1108105"/>
+            <a:ext cx="5592507" cy="3168536"/>
+          </a:xfrm>
+          <a:prstGeom prst="rect">
+            <a:avLst/>
+          </a:prstGeom>
+          <a:ln w="12700">
+            <a:miter lim="400000"/>
+          </a:ln>
+        </p:spPr>
+      </p:pic>
+      <p:sp>
+        <p:nvSpPr>
+          <p:cNvPr id="268" name="https://towardsdatascience.com/tidyverse-vs-base-r-how-to-choose-the-best-framework-for-you-29b702bdb384"/>
           <p:cNvSpPr txBox="1"/>
           <p:nvPr/>
         </p:nvSpPr>
         <p:spPr>
           <a:xfrm>
-            <a:off x="6784390" y="6145738"/>
-            <a:ext cx="5260671" cy="359073"/>
+            <a:off x="867085" y="4119329"/>
+            <a:ext cx="5459499" cy="328295"/>
           </a:xfrm>
           <a:prstGeom prst="rect">
             <a:avLst/>
@@ -7704,7 +7541,83 @@
           </a:ln>
           <a:extLst>
             <a:ext uri="{C572A759-6A51-4108-AA02-DFA0A04FC94B}">
-              <ma14:wrappingTextBoxFlag xmlns:ma14="http://schemas.microsoft.com/office/mac/drawingml/2011/main" xmlns:a14="http://schemas.microsoft.com/office/drawing/2010/main" xmlns:m="http://schemas.openxmlformats.org/officeDocument/2006/math" xmlns="" val="1"/>
+              <ma14:wrappingTextBoxFlag xmlns="" xmlns:m="http://schemas.openxmlformats.org/officeDocument/2006/math" xmlns:a14="http://schemas.microsoft.com/office/drawing/2010/main" xmlns:ma14="http://schemas.microsoft.com/office/mac/drawingml/2011/main" val="1"/>
+            </a:ext>
+          </a:extLst>
+        </p:spPr>
+        <p:txBody>
+          <a:bodyPr lIns="25400" tIns="25400" rIns="25400" bIns="25400" anchor="ctr">
+            <a:spAutoFit/>
+          </a:bodyPr>
+          <a:lstStyle/>
+          <a:p>
+            <a:r>
+              <a:rPr sz="900"/>
+              <a:t>https://towardsdatascience.com/tidyverse-vs-base-r-how-to-choose-the-best-framework-for-you-29b702bdb384</a:t>
+            </a:r>
+          </a:p>
+        </p:txBody>
+      </p:sp>
+      <p:sp>
+        <p:nvSpPr>
+          <p:cNvPr id="269" name="Tidyverse"/>
+          <p:cNvSpPr txBox="1"/>
+          <p:nvPr/>
+        </p:nvSpPr>
+        <p:spPr>
+          <a:xfrm>
+            <a:off x="6609899" y="1566185"/>
+            <a:ext cx="1294009" cy="420628"/>
+          </a:xfrm>
+          <a:prstGeom prst="rect">
+            <a:avLst/>
+          </a:prstGeom>
+          <a:ln w="12700">
+            <a:miter lim="400000"/>
+          </a:ln>
+          <a:extLst>
+            <a:ext uri="{C572A759-6A51-4108-AA02-DFA0A04FC94B}">
+              <ma14:wrappingTextBoxFlag xmlns="" xmlns:m="http://schemas.openxmlformats.org/officeDocument/2006/math" xmlns:a14="http://schemas.microsoft.com/office/drawing/2010/main" xmlns:ma14="http://schemas.microsoft.com/office/mac/drawingml/2011/main" val="1"/>
+            </a:ext>
+          </a:extLst>
+        </p:spPr>
+        <p:txBody>
+          <a:bodyPr wrap="none" lIns="25400" tIns="25400" rIns="25400" bIns="25400" anchor="ctr">
+            <a:spAutoFit/>
+          </a:bodyPr>
+          <a:lstStyle>
+            <a:lvl1pPr>
+              <a:defRPr sz="4800"/>
+            </a:lvl1pPr>
+          </a:lstStyle>
+          <a:p>
+            <a:r>
+              <a:rPr sz="2400"/>
+              <a:t>Tidyverse</a:t>
+            </a:r>
+          </a:p>
+        </p:txBody>
+      </p:sp>
+      <p:sp>
+        <p:nvSpPr>
+          <p:cNvPr id="270" name="More readable (left to right like english)…"/>
+          <p:cNvSpPr txBox="1"/>
+          <p:nvPr/>
+        </p:nvSpPr>
+        <p:spPr>
+          <a:xfrm>
+            <a:off x="6414745" y="2205060"/>
+            <a:ext cx="4639603" cy="974626"/>
+          </a:xfrm>
+          <a:prstGeom prst="rect">
+            <a:avLst/>
+          </a:prstGeom>
+          <a:ln w="12700">
+            <a:miter lim="400000"/>
+          </a:ln>
+          <a:extLst>
+            <a:ext uri="{C572A759-6A51-4108-AA02-DFA0A04FC94B}">
+              <ma14:wrappingTextBoxFlag xmlns="" xmlns:m="http://schemas.openxmlformats.org/officeDocument/2006/math" xmlns:a14="http://schemas.microsoft.com/office/drawing/2010/main" xmlns:ma14="http://schemas.microsoft.com/office/mac/drawingml/2011/main" val="1"/>
             </a:ext>
           </a:extLst>
         </p:spPr>
@@ -7714,107 +7627,75 @@
           </a:bodyPr>
           <a:lstStyle/>
           <a:p>
-            <a:r>
-              <a:rPr sz="2000" dirty="0"/>
-              <a:t>https://</a:t>
-            </a:r>
-            <a:r>
-              <a:rPr sz="2000" dirty="0" err="1"/>
-              <a:t>dplyr.tidyverse.org</a:t>
-            </a:r>
-            <a:r>
-              <a:rPr sz="2000" dirty="0"/>
-              <a:t>/reference/</a:t>
-            </a:r>
-            <a:r>
-              <a:rPr sz="2000" dirty="0" err="1"/>
-              <a:t>index.html</a:t>
-            </a:r>
-            <a:endParaRPr sz="2000" dirty="0"/>
-          </a:p>
-        </p:txBody>
-      </p:sp>
-      <p:pic>
-        <p:nvPicPr>
-          <p:cNvPr id="280" name="Image" descr="Image"/>
-          <p:cNvPicPr>
-            <a:picLocks noChangeAspect="1"/>
-          </p:cNvPicPr>
-          <p:nvPr/>
-        </p:nvPicPr>
-        <p:blipFill>
-          <a:blip r:embed="rId3"/>
-          <a:stretch>
-            <a:fillRect/>
-          </a:stretch>
-        </p:blipFill>
-        <p:spPr>
-          <a:xfrm>
-            <a:off x="794028" y="1137830"/>
-            <a:ext cx="4864101" cy="4582339"/>
-          </a:xfrm>
-          <a:prstGeom prst="rect">
-            <a:avLst/>
-          </a:prstGeom>
-          <a:ln w="12700">
-            <a:miter lim="400000"/>
-          </a:ln>
-        </p:spPr>
-      </p:pic>
-      <p:pic>
-        <p:nvPicPr>
-          <p:cNvPr id="281" name="Image" descr="Image"/>
-          <p:cNvPicPr>
-            <a:picLocks noChangeAspect="1"/>
-          </p:cNvPicPr>
-          <p:nvPr/>
-        </p:nvPicPr>
-        <p:blipFill>
-          <a:blip r:embed="rId4"/>
-          <a:stretch>
-            <a:fillRect/>
-          </a:stretch>
-        </p:blipFill>
-        <p:spPr>
-          <a:xfrm>
-            <a:off x="5853794" y="1101491"/>
-            <a:ext cx="6061586" cy="2738001"/>
-          </a:xfrm>
-          <a:prstGeom prst="rect">
-            <a:avLst/>
-          </a:prstGeom>
-          <a:ln w="12700">
-            <a:miter lim="400000"/>
-          </a:ln>
-        </p:spPr>
-      </p:pic>
-      <p:pic>
-        <p:nvPicPr>
-          <p:cNvPr id="282" name="Image" descr="Image"/>
-          <p:cNvPicPr>
-            <a:picLocks noChangeAspect="1"/>
-          </p:cNvPicPr>
-          <p:nvPr/>
-        </p:nvPicPr>
-        <p:blipFill>
-          <a:blip r:embed="rId5"/>
-          <a:stretch>
-            <a:fillRect/>
-          </a:stretch>
-        </p:blipFill>
-        <p:spPr>
-          <a:xfrm>
-            <a:off x="5938848" y="3995836"/>
-            <a:ext cx="5092870" cy="1467586"/>
-          </a:xfrm>
-          <a:prstGeom prst="rect">
-            <a:avLst/>
-          </a:prstGeom>
-          <a:ln w="12700">
-            <a:miter lim="400000"/>
-          </a:ln>
-        </p:spPr>
-      </p:pic>
+            <a:pPr marL="152400" indent="-152400">
+              <a:buSzPct val="123000"/>
+              <a:buChar char="•"/>
+              <a:defRPr sz="3000"/>
+            </a:pPr>
+            <a:r>
+              <a:rPr sz="1500" dirty="0"/>
+              <a:t>More readable (left to right like </a:t>
+            </a:r>
+            <a:r>
+              <a:rPr sz="1500" dirty="0" err="1"/>
+              <a:t>english</a:t>
+            </a:r>
+            <a:r>
+              <a:rPr sz="1500" dirty="0"/>
+              <a:t>)</a:t>
+            </a:r>
+          </a:p>
+          <a:p>
+            <a:pPr marL="152400" indent="-152400">
+              <a:buSzPct val="123000"/>
+              <a:buChar char="•"/>
+              <a:defRPr sz="3000"/>
+            </a:pPr>
+            <a:r>
+              <a:rPr sz="1500" dirty="0"/>
+              <a:t>Standardized</a:t>
+            </a:r>
+          </a:p>
+          <a:p>
+            <a:pPr marL="152400" indent="-152400">
+              <a:buSzPct val="123000"/>
+              <a:buChar char="•"/>
+              <a:defRPr sz="3000"/>
+            </a:pPr>
+            <a:r>
+              <a:rPr sz="1500" dirty="0"/>
+              <a:t>Different parts work well together (</a:t>
+            </a:r>
+            <a:r>
+              <a:rPr sz="1500" dirty="0" err="1"/>
+              <a:t>dplyr</a:t>
+            </a:r>
+            <a:r>
+              <a:rPr sz="1500" dirty="0"/>
+              <a:t>, pipes, </a:t>
+            </a:r>
+            <a:r>
+              <a:rPr sz="1500" dirty="0" err="1"/>
+              <a:t>ggplot</a:t>
+            </a:r>
+            <a:r>
+              <a:rPr sz="1500" dirty="0"/>
+              <a:t>)</a:t>
+            </a:r>
+          </a:p>
+          <a:p>
+            <a:pPr marL="152400" indent="-152400">
+              <a:buSzPct val="123000"/>
+              <a:buChar char="•"/>
+              <a:defRPr sz="3000"/>
+            </a:pPr>
+            <a:r>
+              <a:rPr sz="1500" dirty="0"/>
+              <a:t>Many useful functions (verbs)</a:t>
+            </a:r>
+          </a:p>
+        </p:txBody>
+      </p:sp>
     </p:spTree>
   </p:cSld>
   <p:clrMapOvr>
@@ -7842,14 +7723,14 @@
       </p:grpSpPr>
       <p:sp>
         <p:nvSpPr>
-          <p:cNvPr id="286" name="Pipes"/>
+          <p:cNvPr id="272" name="Why use one or the other?"/>
           <p:cNvSpPr txBox="1"/>
           <p:nvPr/>
         </p:nvSpPr>
         <p:spPr>
           <a:xfrm>
-            <a:off x="5609564" y="422885"/>
-            <a:ext cx="787075" cy="420628"/>
+            <a:off x="4266362" y="297986"/>
+            <a:ext cx="3498330" cy="420628"/>
           </a:xfrm>
           <a:prstGeom prst="rect">
             <a:avLst/>
@@ -7859,7 +7740,7 @@
           </a:ln>
           <a:extLst>
             <a:ext uri="{C572A759-6A51-4108-AA02-DFA0A04FC94B}">
-              <ma14:wrappingTextBoxFlag xmlns:ma14="http://schemas.microsoft.com/office/mac/drawingml/2011/main" xmlns:a14="http://schemas.microsoft.com/office/drawing/2010/main" xmlns:m="http://schemas.openxmlformats.org/officeDocument/2006/math" xmlns="" val="1"/>
+              <ma14:wrappingTextBoxFlag xmlns="" xmlns:m="http://schemas.openxmlformats.org/officeDocument/2006/math" xmlns:a14="http://schemas.microsoft.com/office/drawing/2010/main" xmlns:ma14="http://schemas.microsoft.com/office/mac/drawingml/2011/main" val="1"/>
             </a:ext>
           </a:extLst>
         </p:spPr>
@@ -7875,21 +7756,48 @@
           <a:p>
             <a:r>
               <a:rPr sz="2400"/>
-              <a:t>Pipes</a:t>
-            </a:r>
-          </a:p>
-        </p:txBody>
-      </p:sp>
-      <p:sp>
-        <p:nvSpPr>
-          <p:cNvPr id="287" name="In Unix Pipes let you chain commands together with the pipe ( | )"/>
+              <a:t>Why use one or the other?</a:t>
+            </a:r>
+          </a:p>
+        </p:txBody>
+      </p:sp>
+      <p:pic>
+        <p:nvPicPr>
+          <p:cNvPr id="273" name="Image" descr="Image"/>
+          <p:cNvPicPr>
+            <a:picLocks noChangeAspect="1"/>
+          </p:cNvPicPr>
+          <p:nvPr/>
+        </p:nvPicPr>
+        <p:blipFill>
+          <a:blip r:embed="rId2"/>
+          <a:stretch>
+            <a:fillRect/>
+          </a:stretch>
+        </p:blipFill>
+        <p:spPr>
+          <a:xfrm>
+            <a:off x="6060479" y="1357902"/>
+            <a:ext cx="5592507" cy="3168536"/>
+          </a:xfrm>
+          <a:prstGeom prst="rect">
+            <a:avLst/>
+          </a:prstGeom>
+          <a:ln w="12700">
+            <a:miter lim="400000"/>
+          </a:ln>
+        </p:spPr>
+      </p:pic>
+      <p:sp>
+        <p:nvSpPr>
+          <p:cNvPr id="274" name="https://towardsdatascience.com/tidyverse-vs-base-r-how-to-choose-the-best-framework-for-you-29b702bdb384"/>
           <p:cNvSpPr txBox="1"/>
           <p:nvPr/>
         </p:nvSpPr>
         <p:spPr>
           <a:xfrm>
-            <a:off x="806615" y="1640481"/>
-            <a:ext cx="6395725" cy="328295"/>
+            <a:off x="6429865" y="4369125"/>
+            <a:ext cx="5459499" cy="328295"/>
           </a:xfrm>
           <a:prstGeom prst="rect">
             <a:avLst/>
@@ -7899,33 +7807,41 @@
           </a:ln>
           <a:extLst>
             <a:ext uri="{C572A759-6A51-4108-AA02-DFA0A04FC94B}">
-              <ma14:wrappingTextBoxFlag xmlns:ma14="http://schemas.microsoft.com/office/mac/drawingml/2011/main" xmlns:a14="http://schemas.microsoft.com/office/drawing/2010/main" xmlns:m="http://schemas.openxmlformats.org/officeDocument/2006/math" xmlns="" val="1"/>
+              <ma14:wrappingTextBoxFlag xmlns="" xmlns:m="http://schemas.openxmlformats.org/officeDocument/2006/math" xmlns:a14="http://schemas.microsoft.com/office/drawing/2010/main" xmlns:ma14="http://schemas.microsoft.com/office/mac/drawingml/2011/main" val="1"/>
             </a:ext>
           </a:extLst>
         </p:spPr>
         <p:txBody>
-          <a:bodyPr wrap="none" lIns="25400" tIns="25400" rIns="25400" bIns="25400" anchor="ctr">
+          <a:bodyPr lIns="25400" tIns="25400" rIns="25400" bIns="25400" anchor="ctr">
             <a:spAutoFit/>
           </a:bodyPr>
           <a:lstStyle/>
           <a:p>
             <a:r>
-              <a:rPr dirty="0"/>
-              <a:t>In Unix Pipes let you chain commands together with the pipe ( | ) </a:t>
-            </a:r>
-          </a:p>
-        </p:txBody>
-      </p:sp>
-      <p:sp>
-        <p:nvSpPr>
-          <p:cNvPr id="288" name="Tidyverse uses %&gt;% or  |&gt; to link commands"/>
-          <p:cNvSpPr txBox="1"/>
-          <p:nvPr/>
-        </p:nvSpPr>
-        <p:spPr>
-          <a:xfrm>
-            <a:off x="711013" y="2881730"/>
-            <a:ext cx="4412234" cy="328295"/>
+              <a:rPr sz="900"/>
+              <a:t>https://towardsdatascience.com/tidyverse-vs-base-r-how-to-choose-the-best-framework-for-you-29b702bdb384</a:t>
+            </a:r>
+          </a:p>
+        </p:txBody>
+      </p:sp>
+      <p:pic>
+        <p:nvPicPr>
+          <p:cNvPr id="275" name="Image" descr="Image"/>
+          <p:cNvPicPr>
+            <a:picLocks noChangeAspect="1"/>
+          </p:cNvPicPr>
+          <p:nvPr/>
+        </p:nvPicPr>
+        <p:blipFill>
+          <a:blip r:embed="rId3"/>
+          <a:stretch>
+            <a:fillRect/>
+          </a:stretch>
+        </p:blipFill>
+        <p:spPr>
+          <a:xfrm>
+            <a:off x="763634" y="1356323"/>
+            <a:ext cx="4935640" cy="319115"/>
           </a:xfrm>
           <a:prstGeom prst="rect">
             <a:avLst/>
@@ -7933,39 +7849,26 @@
           <a:ln w="12700">
             <a:miter lim="400000"/>
           </a:ln>
-          <a:extLst>
-            <a:ext uri="{C572A759-6A51-4108-AA02-DFA0A04FC94B}">
-              <ma14:wrappingTextBoxFlag xmlns:ma14="http://schemas.microsoft.com/office/mac/drawingml/2011/main" xmlns:a14="http://schemas.microsoft.com/office/drawing/2010/main" xmlns:m="http://schemas.openxmlformats.org/officeDocument/2006/math" xmlns="" val="1"/>
-            </a:ext>
-          </a:extLst>
-        </p:spPr>
-        <p:txBody>
-          <a:bodyPr wrap="none" lIns="25400" tIns="25400" rIns="25400" bIns="25400" anchor="ctr">
-            <a:spAutoFit/>
-          </a:bodyPr>
-          <a:lstStyle/>
-          <a:p>
-            <a:r>
-              <a:rPr dirty="0" err="1"/>
-              <a:t>Tidyverse</a:t>
-            </a:r>
-            <a:r>
-              <a:rPr dirty="0"/>
-              <a:t> uses %&gt;% or  |&gt; to link commands</a:t>
-            </a:r>
-          </a:p>
-        </p:txBody>
-      </p:sp>
-      <p:sp>
-        <p:nvSpPr>
-          <p:cNvPr id="289" name="cat file.txt | grep ‘sometext’"/>
-          <p:cNvSpPr txBox="1"/>
-          <p:nvPr/>
-        </p:nvSpPr>
-        <p:spPr>
-          <a:xfrm>
-            <a:off x="806615" y="2075469"/>
-            <a:ext cx="2142190" cy="266740"/>
+        </p:spPr>
+      </p:pic>
+      <p:pic>
+        <p:nvPicPr>
+          <p:cNvPr id="276" name="Image" descr="Image"/>
+          <p:cNvPicPr>
+            <a:picLocks noChangeAspect="1"/>
+          </p:cNvPicPr>
+          <p:nvPr/>
+        </p:nvPicPr>
+        <p:blipFill>
+          <a:blip r:embed="rId4"/>
+          <a:stretch>
+            <a:fillRect/>
+          </a:stretch>
+        </p:blipFill>
+        <p:spPr>
+          <a:xfrm>
+            <a:off x="716691" y="3968292"/>
+            <a:ext cx="2144850" cy="1829872"/>
           </a:xfrm>
           <a:prstGeom prst="rect">
             <a:avLst/>
@@ -7973,51 +7876,32 @@
           <a:ln w="12700">
             <a:miter lim="400000"/>
           </a:ln>
-          <a:extLst>
-            <a:ext uri="{C572A759-6A51-4108-AA02-DFA0A04FC94B}">
-              <ma14:wrappingTextBoxFlag xmlns:ma14="http://schemas.microsoft.com/office/mac/drawingml/2011/main" xmlns:a14="http://schemas.microsoft.com/office/drawing/2010/main" xmlns:m="http://schemas.openxmlformats.org/officeDocument/2006/math" xmlns="" val="1"/>
-            </a:ext>
-          </a:extLst>
-        </p:spPr>
-        <p:txBody>
-          <a:bodyPr wrap="none" lIns="25400" tIns="25400" rIns="25400" bIns="25400" anchor="ctr">
-            <a:spAutoFit/>
-          </a:bodyPr>
-          <a:lstStyle/>
-          <a:p>
-            <a:r>
-              <a:rPr sz="1400" dirty="0"/>
-              <a:t>cat </a:t>
-            </a:r>
-            <a:r>
-              <a:rPr sz="1400" dirty="0" err="1"/>
-              <a:t>file.txt</a:t>
-            </a:r>
-            <a:r>
-              <a:rPr sz="1400" dirty="0"/>
-              <a:t> | grep ‘</a:t>
-            </a:r>
-            <a:r>
-              <a:rPr sz="1400" dirty="0" err="1"/>
-              <a:t>sometext</a:t>
-            </a:r>
-            <a:r>
-              <a:rPr sz="1400" dirty="0"/>
-              <a:t>’ </a:t>
-            </a:r>
-          </a:p>
-        </p:txBody>
-      </p:sp>
-      <p:sp>
-        <p:nvSpPr>
-          <p:cNvPr id="290" name="df |&gt; filter() |&gt; group_by() |&gt; summarise()"/>
-          <p:cNvSpPr txBox="1"/>
-          <p:nvPr/>
-        </p:nvSpPr>
-        <p:spPr>
-          <a:xfrm>
-            <a:off x="711013" y="3210025"/>
-            <a:ext cx="3978525" cy="328295"/>
+        </p:spPr>
+      </p:pic>
+      <p:pic>
+        <p:nvPicPr>
+          <p:cNvPr id="2" name="Image" descr="Image">
+            <a:extLst>
+              <a:ext uri="{FF2B5EF4-FFF2-40B4-BE49-F238E27FC236}">
+                <a16:creationId xmlns:a16="http://schemas.microsoft.com/office/drawing/2014/main" id="{79A63B04-A6DD-62FA-E1C1-76DA019546AD}"/>
+              </a:ext>
+            </a:extLst>
+          </p:cNvPr>
+          <p:cNvPicPr>
+            <a:picLocks noChangeAspect="1"/>
+          </p:cNvPicPr>
+          <p:nvPr/>
+        </p:nvPicPr>
+        <p:blipFill>
+          <a:blip r:embed="rId5"/>
+          <a:stretch>
+            <a:fillRect/>
+          </a:stretch>
+        </p:blipFill>
+        <p:spPr>
+          <a:xfrm>
+            <a:off x="763634" y="1997412"/>
+            <a:ext cx="2097907" cy="1765865"/>
           </a:xfrm>
           <a:prstGeom prst="rect">
             <a:avLst/>
@@ -8025,133 +7909,8 @@
           <a:ln w="12700">
             <a:miter lim="400000"/>
           </a:ln>
-          <a:extLst>
-            <a:ext uri="{C572A759-6A51-4108-AA02-DFA0A04FC94B}">
-              <ma14:wrappingTextBoxFlag xmlns:ma14="http://schemas.microsoft.com/office/mac/drawingml/2011/main" xmlns:a14="http://schemas.microsoft.com/office/drawing/2010/main" xmlns:m="http://schemas.openxmlformats.org/officeDocument/2006/math" xmlns="" val="1"/>
-            </a:ext>
-          </a:extLst>
-        </p:spPr>
-        <p:txBody>
-          <a:bodyPr wrap="none" lIns="25400" tIns="25400" rIns="25400" bIns="25400" anchor="ctr">
-            <a:spAutoFit/>
-          </a:bodyPr>
-          <a:lstStyle/>
-          <a:p>
-            <a:r>
-              <a:rPr dirty="0" err="1"/>
-              <a:t>df</a:t>
-            </a:r>
-            <a:r>
-              <a:rPr dirty="0"/>
-              <a:t> |&gt; filter() |&gt; </a:t>
-            </a:r>
-            <a:r>
-              <a:rPr dirty="0" err="1"/>
-              <a:t>group_by</a:t>
-            </a:r>
-            <a:r>
-              <a:rPr dirty="0"/>
-              <a:t>() |&gt; </a:t>
-            </a:r>
-            <a:r>
-              <a:rPr dirty="0" err="1"/>
-              <a:t>summarise</a:t>
-            </a:r>
-            <a:r>
-              <a:rPr dirty="0"/>
-              <a:t>()</a:t>
-            </a:r>
-          </a:p>
-        </p:txBody>
-      </p:sp>
-      <p:sp>
-        <p:nvSpPr>
-          <p:cNvPr id="291" name="https://r4ds.had.co.nz/pipes.html"/>
-          <p:cNvSpPr txBox="1"/>
-          <p:nvPr/>
-        </p:nvSpPr>
-        <p:spPr>
-          <a:xfrm>
-            <a:off x="9205640" y="6028079"/>
-            <a:ext cx="3415294" cy="328295"/>
-          </a:xfrm>
-          <a:prstGeom prst="rect">
-            <a:avLst/>
-          </a:prstGeom>
-          <a:ln w="12700">
-            <a:miter lim="400000"/>
-          </a:ln>
-          <a:extLst>
-            <a:ext uri="{C572A759-6A51-4108-AA02-DFA0A04FC94B}">
-              <ma14:wrappingTextBoxFlag xmlns:ma14="http://schemas.microsoft.com/office/mac/drawingml/2011/main" xmlns:a14="http://schemas.microsoft.com/office/drawing/2010/main" xmlns:m="http://schemas.openxmlformats.org/officeDocument/2006/math" xmlns="" val="1"/>
-            </a:ext>
-          </a:extLst>
-        </p:spPr>
-        <p:txBody>
-          <a:bodyPr wrap="none" lIns="25400" tIns="25400" rIns="25400" bIns="25400" anchor="ctr">
-            <a:spAutoFit/>
-          </a:bodyPr>
-          <a:lstStyle/>
-          <a:p>
-            <a:r>
-              <a:rPr dirty="0"/>
-              <a:t>https://r4ds.had.co.nz/</a:t>
-            </a:r>
-            <a:r>
-              <a:rPr dirty="0" err="1"/>
-              <a:t>pipes.html</a:t>
-            </a:r>
-            <a:endParaRPr dirty="0"/>
-          </a:p>
-        </p:txBody>
-      </p:sp>
-      <p:sp>
-        <p:nvSpPr>
-          <p:cNvPr id="292" name="Pipes make reading a series of steps easier"/>
-          <p:cNvSpPr txBox="1"/>
-          <p:nvPr/>
-        </p:nvSpPr>
-        <p:spPr>
-          <a:xfrm>
-            <a:off x="3289479" y="5552502"/>
-            <a:ext cx="4297715" cy="328295"/>
-          </a:xfrm>
-          <a:prstGeom prst="rect">
-            <a:avLst/>
-          </a:prstGeom>
-          <a:ln w="12700">
-            <a:miter lim="400000"/>
-          </a:ln>
-          <a:extLst>
-            <a:ext uri="{C572A759-6A51-4108-AA02-DFA0A04FC94B}">
-              <ma14:wrappingTextBoxFlag xmlns:ma14="http://schemas.microsoft.com/office/mac/drawingml/2011/main" xmlns:a14="http://schemas.microsoft.com/office/drawing/2010/main" xmlns:m="http://schemas.openxmlformats.org/officeDocument/2006/math" xmlns="" val="1"/>
-            </a:ext>
-          </a:extLst>
-        </p:spPr>
-        <p:txBody>
-          <a:bodyPr wrap="none" lIns="25400" tIns="25400" rIns="25400" bIns="25400" anchor="ctr">
-            <a:spAutoFit/>
-          </a:bodyPr>
-          <a:lstStyle>
-            <a:lvl1pPr>
-              <a:defRPr sz="3600">
-                <a:solidFill>
-                  <a:schemeClr val="accent1">
-                    <a:hueOff val="114395"/>
-                    <a:lumOff val="-24975"/>
-                  </a:schemeClr>
-                </a:solidFill>
-              </a:defRPr>
-            </a:lvl1pPr>
-          </a:lstStyle>
-          <a:p>
-            <a:r>
-              <a:rPr sz="1800" dirty="0"/>
-              <a:t>Pipes make reading a series of steps easier</a:t>
-            </a:r>
-          </a:p>
-        </p:txBody>
-      </p:sp>
+        </p:spPr>
+      </p:pic>
     </p:spTree>
   </p:cSld>
   <p:clrMapOvr>
@@ -8179,14 +7938,14 @@
       </p:grpSpPr>
       <p:sp>
         <p:nvSpPr>
-          <p:cNvPr id="294" name="Fun data sets to play with"/>
+          <p:cNvPr id="278" name="Tidyverse ‘verb’s"/>
           <p:cNvSpPr txBox="1"/>
           <p:nvPr/>
         </p:nvSpPr>
         <p:spPr>
           <a:xfrm>
-            <a:off x="3989952" y="329818"/>
-            <a:ext cx="3659528" cy="420628"/>
+            <a:off x="4759725" y="532725"/>
+            <a:ext cx="2211631" cy="420628"/>
           </a:xfrm>
           <a:prstGeom prst="rect">
             <a:avLst/>
@@ -8196,7 +7955,7 @@
           </a:ln>
           <a:extLst>
             <a:ext uri="{C572A759-6A51-4108-AA02-DFA0A04FC94B}">
-              <ma14:wrappingTextBoxFlag xmlns:ma14="http://schemas.microsoft.com/office/mac/drawingml/2011/main" xmlns:a14="http://schemas.microsoft.com/office/drawing/2010/main" xmlns:m="http://schemas.openxmlformats.org/officeDocument/2006/math" xmlns="" val="1"/>
+              <ma14:wrappingTextBoxFlag xmlns="" xmlns:m="http://schemas.openxmlformats.org/officeDocument/2006/math" xmlns:a14="http://schemas.microsoft.com/office/drawing/2010/main" xmlns:ma14="http://schemas.microsoft.com/office/mac/drawingml/2011/main" val="1"/>
             </a:ext>
           </a:extLst>
         </p:spPr>
@@ -8206,32 +7965,27 @@
           </a:bodyPr>
           <a:lstStyle>
             <a:lvl1pPr>
-              <a:defRPr sz="4800">
-                <a:latin typeface="Avenir Next Regular"/>
-                <a:ea typeface="Avenir Next Regular"/>
-                <a:cs typeface="Avenir Next Regular"/>
-                <a:sym typeface="Avenir Next Regular"/>
-              </a:defRPr>
+              <a:defRPr sz="4800"/>
             </a:lvl1pPr>
           </a:lstStyle>
           <a:p>
             <a:r>
               <a:rPr sz="2400"/>
-              <a:t>Fun data sets to play with </a:t>
-            </a:r>
-          </a:p>
-        </p:txBody>
-      </p:sp>
-      <p:sp>
-        <p:nvSpPr>
-          <p:cNvPr id="295" name="https://www.kaggle.com/crawford/80-cereals"/>
+              <a:t>Tidyverse ‘verb’s</a:t>
+            </a:r>
+          </a:p>
+        </p:txBody>
+      </p:sp>
+      <p:sp>
+        <p:nvSpPr>
+          <p:cNvPr id="279" name="https://dplyr.tidyverse.org/reference/index.html"/>
           <p:cNvSpPr txBox="1"/>
           <p:nvPr/>
         </p:nvSpPr>
         <p:spPr>
           <a:xfrm>
-            <a:off x="4495068" y="3114955"/>
-            <a:ext cx="4560800" cy="328295"/>
+            <a:off x="6784390" y="6145738"/>
+            <a:ext cx="5260671" cy="359073"/>
           </a:xfrm>
           <a:prstGeom prst="rect">
             <a:avLst/>
@@ -8241,7 +7995,7 @@
           </a:ln>
           <a:extLst>
             <a:ext uri="{C572A759-6A51-4108-AA02-DFA0A04FC94B}">
-              <ma14:wrappingTextBoxFlag xmlns:ma14="http://schemas.microsoft.com/office/mac/drawingml/2011/main" xmlns:a14="http://schemas.microsoft.com/office/drawing/2010/main" xmlns:m="http://schemas.openxmlformats.org/officeDocument/2006/math" xmlns="" val="1"/>
+              <ma14:wrappingTextBoxFlag xmlns="" xmlns:m="http://schemas.openxmlformats.org/officeDocument/2006/math" xmlns:a14="http://schemas.microsoft.com/office/drawing/2010/main" xmlns:ma14="http://schemas.microsoft.com/office/mac/drawingml/2011/main" val="1"/>
             </a:ext>
           </a:extLst>
         </p:spPr>
@@ -8249,29 +8003,46 @@
           <a:bodyPr wrap="none" lIns="25400" tIns="25400" rIns="25400" bIns="25400" anchor="ctr">
             <a:spAutoFit/>
           </a:bodyPr>
-          <a:lstStyle>
-            <a:lvl1pPr>
-              <a:defRPr sz="3600"/>
-            </a:lvl1pPr>
-          </a:lstStyle>
-          <a:p>
-            <a:r>
-              <a:rPr sz="1800"/>
-              <a:t>https://www.kaggle.com/crawford/80-cereals</a:t>
-            </a:r>
-          </a:p>
-        </p:txBody>
-      </p:sp>
-      <p:sp>
-        <p:nvSpPr>
-          <p:cNvPr id="296" name="Cereal"/>
-          <p:cNvSpPr txBox="1"/>
-          <p:nvPr/>
-        </p:nvSpPr>
-        <p:spPr>
-          <a:xfrm>
-            <a:off x="2598514" y="3188401"/>
-            <a:ext cx="711798" cy="328295"/>
+          <a:lstStyle/>
+          <a:p>
+            <a:r>
+              <a:rPr sz="2000" dirty="0"/>
+              <a:t>https://</a:t>
+            </a:r>
+            <a:r>
+              <a:rPr sz="2000" dirty="0" err="1"/>
+              <a:t>dplyr.tidyverse.org</a:t>
+            </a:r>
+            <a:r>
+              <a:rPr sz="2000" dirty="0"/>
+              <a:t>/reference/</a:t>
+            </a:r>
+            <a:r>
+              <a:rPr sz="2000" dirty="0" err="1"/>
+              <a:t>index.html</a:t>
+            </a:r>
+            <a:endParaRPr sz="2000" dirty="0"/>
+          </a:p>
+        </p:txBody>
+      </p:sp>
+      <p:pic>
+        <p:nvPicPr>
+          <p:cNvPr id="280" name="Image" descr="Image"/>
+          <p:cNvPicPr>
+            <a:picLocks noChangeAspect="1"/>
+          </p:cNvPicPr>
+          <p:nvPr/>
+        </p:nvPicPr>
+        <p:blipFill>
+          <a:blip r:embed="rId3"/>
+          <a:stretch>
+            <a:fillRect/>
+          </a:stretch>
+        </p:blipFill>
+        <p:spPr>
+          <a:xfrm>
+            <a:off x="794028" y="1137830"/>
+            <a:ext cx="4864101" cy="4582339"/>
           </a:xfrm>
           <a:prstGeom prst="rect">
             <a:avLst/>
@@ -8279,39 +8050,26 @@
           <a:ln w="12700">
             <a:miter lim="400000"/>
           </a:ln>
-          <a:extLst>
-            <a:ext uri="{C572A759-6A51-4108-AA02-DFA0A04FC94B}">
-              <ma14:wrappingTextBoxFlag xmlns:ma14="http://schemas.microsoft.com/office/mac/drawingml/2011/main" xmlns:a14="http://schemas.microsoft.com/office/drawing/2010/main" xmlns:m="http://schemas.openxmlformats.org/officeDocument/2006/math" xmlns="" val="1"/>
-            </a:ext>
-          </a:extLst>
-        </p:spPr>
-        <p:txBody>
-          <a:bodyPr wrap="none" lIns="25400" tIns="25400" rIns="25400" bIns="25400" anchor="ctr">
-            <a:spAutoFit/>
-          </a:bodyPr>
-          <a:lstStyle>
-            <a:lvl1pPr algn="l">
-              <a:defRPr sz="3600"/>
-            </a:lvl1pPr>
-          </a:lstStyle>
-          <a:p>
-            <a:r>
-              <a:rPr sz="1800"/>
-              <a:t>Cereal</a:t>
-            </a:r>
-          </a:p>
-        </p:txBody>
-      </p:sp>
-      <p:sp>
-        <p:nvSpPr>
-          <p:cNvPr id="297" name="iris"/>
-          <p:cNvSpPr txBox="1"/>
-          <p:nvPr/>
-        </p:nvSpPr>
-        <p:spPr>
-          <a:xfrm>
-            <a:off x="2605030" y="2009900"/>
-            <a:ext cx="349455" cy="328295"/>
+        </p:spPr>
+      </p:pic>
+      <p:pic>
+        <p:nvPicPr>
+          <p:cNvPr id="281" name="Image" descr="Image"/>
+          <p:cNvPicPr>
+            <a:picLocks noChangeAspect="1"/>
+          </p:cNvPicPr>
+          <p:nvPr/>
+        </p:nvPicPr>
+        <p:blipFill>
+          <a:blip r:embed="rId4"/>
+          <a:stretch>
+            <a:fillRect/>
+          </a:stretch>
+        </p:blipFill>
+        <p:spPr>
+          <a:xfrm>
+            <a:off x="5853794" y="1101491"/>
+            <a:ext cx="6061586" cy="2738001"/>
           </a:xfrm>
           <a:prstGeom prst="rect">
             <a:avLst/>
@@ -8319,39 +8077,26 @@
           <a:ln w="12700">
             <a:miter lim="400000"/>
           </a:ln>
-          <a:extLst>
-            <a:ext uri="{C572A759-6A51-4108-AA02-DFA0A04FC94B}">
-              <ma14:wrappingTextBoxFlag xmlns:ma14="http://schemas.microsoft.com/office/mac/drawingml/2011/main" xmlns:a14="http://schemas.microsoft.com/office/drawing/2010/main" xmlns:m="http://schemas.openxmlformats.org/officeDocument/2006/math" xmlns="" val="1"/>
-            </a:ext>
-          </a:extLst>
-        </p:spPr>
-        <p:txBody>
-          <a:bodyPr wrap="none" lIns="25400" tIns="25400" rIns="25400" bIns="25400" anchor="ctr">
-            <a:spAutoFit/>
-          </a:bodyPr>
-          <a:lstStyle>
-            <a:lvl1pPr>
-              <a:defRPr sz="3600"/>
-            </a:lvl1pPr>
-          </a:lstStyle>
-          <a:p>
-            <a:r>
-              <a:rPr sz="1800" dirty="0"/>
-              <a:t>iris</a:t>
-            </a:r>
-          </a:p>
-        </p:txBody>
-      </p:sp>
-      <p:sp>
-        <p:nvSpPr>
-          <p:cNvPr id="298" name="nih"/>
-          <p:cNvSpPr txBox="1"/>
-          <p:nvPr/>
-        </p:nvSpPr>
-        <p:spPr>
-          <a:xfrm>
-            <a:off x="2598514" y="4262036"/>
-            <a:ext cx="359073" cy="328295"/>
+        </p:spPr>
+      </p:pic>
+      <p:pic>
+        <p:nvPicPr>
+          <p:cNvPr id="282" name="Image" descr="Image"/>
+          <p:cNvPicPr>
+            <a:picLocks noChangeAspect="1"/>
+          </p:cNvPicPr>
+          <p:nvPr/>
+        </p:nvPicPr>
+        <p:blipFill>
+          <a:blip r:embed="rId5"/>
+          <a:stretch>
+            <a:fillRect/>
+          </a:stretch>
+        </p:blipFill>
+        <p:spPr>
+          <a:xfrm>
+            <a:off x="5938848" y="3995836"/>
+            <a:ext cx="5092870" cy="1467586"/>
           </a:xfrm>
           <a:prstGeom prst="rect">
             <a:avLst/>
@@ -8359,289 +8104,8 @@
           <a:ln w="12700">
             <a:miter lim="400000"/>
           </a:ln>
-          <a:extLst>
-            <a:ext uri="{C572A759-6A51-4108-AA02-DFA0A04FC94B}">
-              <ma14:wrappingTextBoxFlag xmlns:ma14="http://schemas.microsoft.com/office/mac/drawingml/2011/main" xmlns:a14="http://schemas.microsoft.com/office/drawing/2010/main" xmlns:m="http://schemas.openxmlformats.org/officeDocument/2006/math" xmlns="" val="1"/>
-            </a:ext>
-          </a:extLst>
-        </p:spPr>
-        <p:txBody>
-          <a:bodyPr wrap="none" lIns="25400" tIns="25400" rIns="25400" bIns="25400" anchor="ctr">
-            <a:spAutoFit/>
-          </a:bodyPr>
-          <a:lstStyle>
-            <a:lvl1pPr>
-              <a:defRPr sz="3600"/>
-            </a:lvl1pPr>
-          </a:lstStyle>
-          <a:p>
-            <a:r>
-              <a:rPr sz="1800"/>
-              <a:t>nih</a:t>
-            </a:r>
-          </a:p>
-        </p:txBody>
-      </p:sp>
-      <p:sp>
-        <p:nvSpPr>
-          <p:cNvPr id="299" name="NIH Reporter (on github as worldwide2020.csv)"/>
-          <p:cNvSpPr txBox="1"/>
-          <p:nvPr/>
-        </p:nvSpPr>
-        <p:spPr>
-          <a:xfrm>
-            <a:off x="4465901" y="4267458"/>
-            <a:ext cx="5315109" cy="328295"/>
-          </a:xfrm>
-          <a:prstGeom prst="rect">
-            <a:avLst/>
-          </a:prstGeom>
-          <a:ln w="12700">
-            <a:miter lim="400000"/>
-          </a:ln>
-          <a:extLst>
-            <a:ext uri="{C572A759-6A51-4108-AA02-DFA0A04FC94B}">
-              <ma14:wrappingTextBoxFlag xmlns:ma14="http://schemas.microsoft.com/office/mac/drawingml/2011/main" xmlns:a14="http://schemas.microsoft.com/office/drawing/2010/main" xmlns:m="http://schemas.openxmlformats.org/officeDocument/2006/math" xmlns="" val="1"/>
-            </a:ext>
-          </a:extLst>
-        </p:spPr>
-        <p:txBody>
-          <a:bodyPr wrap="none" lIns="25400" tIns="25400" rIns="25400" bIns="25400" anchor="ctr">
-            <a:spAutoFit/>
-          </a:bodyPr>
-          <a:lstStyle>
-            <a:lvl1pPr>
-              <a:defRPr sz="3600"/>
-            </a:lvl1pPr>
-          </a:lstStyle>
-          <a:p>
-            <a:r>
-              <a:rPr sz="1800" dirty="0"/>
-              <a:t>NIH Reporter (on </a:t>
-            </a:r>
-            <a:r>
-              <a:rPr sz="1800" dirty="0" err="1"/>
-              <a:t>github</a:t>
-            </a:r>
-            <a:r>
-              <a:rPr sz="1800" dirty="0"/>
-              <a:t> as </a:t>
-            </a:r>
-            <a:r>
-              <a:rPr lang="en-US" sz="1800" dirty="0"/>
-              <a:t>data/W</a:t>
-            </a:r>
-            <a:r>
-              <a:rPr sz="1800" dirty="0"/>
-              <a:t>orldwide2020.csv) </a:t>
-            </a:r>
-          </a:p>
-        </p:txBody>
-      </p:sp>
-      <p:sp>
-        <p:nvSpPr>
-          <p:cNvPr id="300" name="built-in"/>
-          <p:cNvSpPr txBox="1"/>
-          <p:nvPr/>
-        </p:nvSpPr>
-        <p:spPr>
-          <a:xfrm>
-            <a:off x="4465901" y="2009900"/>
-            <a:ext cx="756554" cy="328295"/>
-          </a:xfrm>
-          <a:prstGeom prst="rect">
-            <a:avLst/>
-          </a:prstGeom>
-          <a:ln w="12700">
-            <a:miter lim="400000"/>
-          </a:ln>
-          <a:extLst>
-            <a:ext uri="{C572A759-6A51-4108-AA02-DFA0A04FC94B}">
-              <ma14:wrappingTextBoxFlag xmlns:ma14="http://schemas.microsoft.com/office/mac/drawingml/2011/main" xmlns:a14="http://schemas.microsoft.com/office/drawing/2010/main" xmlns:m="http://schemas.openxmlformats.org/officeDocument/2006/math" xmlns="" val="1"/>
-            </a:ext>
-          </a:extLst>
-        </p:spPr>
-        <p:txBody>
-          <a:bodyPr wrap="none" lIns="25400" tIns="25400" rIns="25400" bIns="25400" anchor="ctr">
-            <a:spAutoFit/>
-          </a:bodyPr>
-          <a:lstStyle>
-            <a:lvl1pPr>
-              <a:defRPr sz="3600"/>
-            </a:lvl1pPr>
-          </a:lstStyle>
-          <a:p>
-            <a:r>
-              <a:rPr sz="1800"/>
-              <a:t>built-in</a:t>
-            </a:r>
-          </a:p>
-        </p:txBody>
-      </p:sp>
-      <p:sp>
-        <p:nvSpPr>
-          <p:cNvPr id="301" name="install.packages('nycflights13')"/>
-          <p:cNvSpPr txBox="1"/>
-          <p:nvPr/>
-        </p:nvSpPr>
-        <p:spPr>
-          <a:xfrm>
-            <a:off x="4495068" y="3799590"/>
-            <a:ext cx="3159968" cy="328295"/>
-          </a:xfrm>
-          <a:prstGeom prst="rect">
-            <a:avLst/>
-          </a:prstGeom>
-          <a:ln w="12700">
-            <a:miter lim="400000"/>
-          </a:ln>
-          <a:extLst>
-            <a:ext uri="{C572A759-6A51-4108-AA02-DFA0A04FC94B}">
-              <ma14:wrappingTextBoxFlag xmlns:ma14="http://schemas.microsoft.com/office/mac/drawingml/2011/main" xmlns:a14="http://schemas.microsoft.com/office/drawing/2010/main" xmlns:m="http://schemas.openxmlformats.org/officeDocument/2006/math" xmlns="" val="1"/>
-            </a:ext>
-          </a:extLst>
-        </p:spPr>
-        <p:txBody>
-          <a:bodyPr wrap="none" lIns="25400" tIns="25400" rIns="25400" bIns="25400" anchor="ctr">
-            <a:spAutoFit/>
-          </a:bodyPr>
-          <a:lstStyle>
-            <a:lvl1pPr>
-              <a:defRPr sz="3600"/>
-            </a:lvl1pPr>
-          </a:lstStyle>
-          <a:p>
-            <a:r>
-              <a:rPr sz="1800" dirty="0" err="1"/>
-              <a:t>install.packages</a:t>
-            </a:r>
-            <a:r>
-              <a:rPr sz="1800" dirty="0"/>
-              <a:t>('nycflights13') </a:t>
-            </a:r>
-          </a:p>
-        </p:txBody>
-      </p:sp>
-      <p:sp>
-        <p:nvSpPr>
-          <p:cNvPr id="302" name="flightdata"/>
-          <p:cNvSpPr txBox="1"/>
-          <p:nvPr/>
-        </p:nvSpPr>
-        <p:spPr>
-          <a:xfrm>
-            <a:off x="2598514" y="3725218"/>
-            <a:ext cx="996170" cy="328295"/>
-          </a:xfrm>
-          <a:prstGeom prst="rect">
-            <a:avLst/>
-          </a:prstGeom>
-          <a:ln w="12700">
-            <a:miter lim="400000"/>
-          </a:ln>
-          <a:extLst>
-            <a:ext uri="{C572A759-6A51-4108-AA02-DFA0A04FC94B}">
-              <ma14:wrappingTextBoxFlag xmlns:ma14="http://schemas.microsoft.com/office/mac/drawingml/2011/main" xmlns:a14="http://schemas.microsoft.com/office/drawing/2010/main" xmlns:m="http://schemas.openxmlformats.org/officeDocument/2006/math" xmlns="" val="1"/>
-            </a:ext>
-          </a:extLst>
-        </p:spPr>
-        <p:txBody>
-          <a:bodyPr wrap="none" lIns="25400" tIns="25400" rIns="25400" bIns="25400" anchor="ctr">
-            <a:spAutoFit/>
-          </a:bodyPr>
-          <a:lstStyle>
-            <a:lvl1pPr>
-              <a:defRPr sz="3600"/>
-            </a:lvl1pPr>
-          </a:lstStyle>
-          <a:p>
-            <a:r>
-              <a:rPr sz="1800"/>
-              <a:t>flightdata</a:t>
-            </a:r>
-          </a:p>
-        </p:txBody>
-      </p:sp>
-      <p:sp>
-        <p:nvSpPr>
-          <p:cNvPr id="303" name="ToothGrowth"/>
-          <p:cNvSpPr txBox="1"/>
-          <p:nvPr/>
-        </p:nvSpPr>
-        <p:spPr>
-          <a:xfrm>
-            <a:off x="2598515" y="2599150"/>
-            <a:ext cx="1330236" cy="328295"/>
-          </a:xfrm>
-          <a:prstGeom prst="rect">
-            <a:avLst/>
-          </a:prstGeom>
-          <a:ln w="12700">
-            <a:miter lim="400000"/>
-          </a:ln>
-          <a:extLst>
-            <a:ext uri="{C572A759-6A51-4108-AA02-DFA0A04FC94B}">
-              <ma14:wrappingTextBoxFlag xmlns:ma14="http://schemas.microsoft.com/office/mac/drawingml/2011/main" xmlns:a14="http://schemas.microsoft.com/office/drawing/2010/main" xmlns:m="http://schemas.openxmlformats.org/officeDocument/2006/math" xmlns="" val="1"/>
-            </a:ext>
-          </a:extLst>
-        </p:spPr>
-        <p:txBody>
-          <a:bodyPr wrap="none" lIns="25400" tIns="25400" rIns="25400" bIns="25400" anchor="ctr">
-            <a:spAutoFit/>
-          </a:bodyPr>
-          <a:lstStyle>
-            <a:lvl1pPr>
-              <a:defRPr sz="3600"/>
-            </a:lvl1pPr>
-          </a:lstStyle>
-          <a:p>
-            <a:r>
-              <a:rPr sz="1800"/>
-              <a:t>ToothGrowth</a:t>
-            </a:r>
-          </a:p>
-        </p:txBody>
-      </p:sp>
-      <p:sp>
-        <p:nvSpPr>
-          <p:cNvPr id="304" name="built-in"/>
-          <p:cNvSpPr txBox="1"/>
-          <p:nvPr/>
-        </p:nvSpPr>
-        <p:spPr>
-          <a:xfrm>
-            <a:off x="4465901" y="2581400"/>
-            <a:ext cx="756554" cy="328295"/>
-          </a:xfrm>
-          <a:prstGeom prst="rect">
-            <a:avLst/>
-          </a:prstGeom>
-          <a:ln w="12700">
-            <a:miter lim="400000"/>
-          </a:ln>
-          <a:extLst>
-            <a:ext uri="{C572A759-6A51-4108-AA02-DFA0A04FC94B}">
-              <ma14:wrappingTextBoxFlag xmlns:ma14="http://schemas.microsoft.com/office/mac/drawingml/2011/main" xmlns:a14="http://schemas.microsoft.com/office/drawing/2010/main" xmlns:m="http://schemas.openxmlformats.org/officeDocument/2006/math" xmlns="" val="1"/>
-            </a:ext>
-          </a:extLst>
-        </p:spPr>
-        <p:txBody>
-          <a:bodyPr wrap="none" lIns="25400" tIns="25400" rIns="25400" bIns="25400" anchor="ctr">
-            <a:spAutoFit/>
-          </a:bodyPr>
-          <a:lstStyle>
-            <a:lvl1pPr>
-              <a:defRPr sz="3600"/>
-            </a:lvl1pPr>
-          </a:lstStyle>
-          <a:p>
-            <a:r>
-              <a:rPr sz="1800"/>
-              <a:t>built-in</a:t>
-            </a:r>
-          </a:p>
-        </p:txBody>
-      </p:sp>
+        </p:spPr>
+      </p:pic>
     </p:spTree>
   </p:cSld>
   <p:clrMapOvr>
@@ -8669,14 +8133,14 @@
       </p:grpSpPr>
       <p:sp>
         <p:nvSpPr>
-          <p:cNvPr id="306" name="Recap - Class 1"/>
+          <p:cNvPr id="286" name="Pipes"/>
           <p:cNvSpPr txBox="1"/>
           <p:nvPr/>
         </p:nvSpPr>
         <p:spPr>
           <a:xfrm>
-            <a:off x="5170535" y="383337"/>
-            <a:ext cx="2107756" cy="420628"/>
+            <a:off x="5609564" y="422885"/>
+            <a:ext cx="787075" cy="420628"/>
           </a:xfrm>
           <a:prstGeom prst="rect">
             <a:avLst/>
@@ -8686,7 +8150,7 @@
           </a:ln>
           <a:extLst>
             <a:ext uri="{C572A759-6A51-4108-AA02-DFA0A04FC94B}">
-              <ma14:wrappingTextBoxFlag xmlns:ma14="http://schemas.microsoft.com/office/mac/drawingml/2011/main" xmlns:a14="http://schemas.microsoft.com/office/drawing/2010/main" xmlns:m="http://schemas.openxmlformats.org/officeDocument/2006/math" xmlns="" val="1"/>
+              <ma14:wrappingTextBoxFlag xmlns="" xmlns:m="http://schemas.openxmlformats.org/officeDocument/2006/math" xmlns:a14="http://schemas.microsoft.com/office/drawing/2010/main" xmlns:ma14="http://schemas.microsoft.com/office/mac/drawingml/2011/main" val="1"/>
             </a:ext>
           </a:extLst>
         </p:spPr>
@@ -8702,21 +8166,21 @@
           <a:p>
             <a:r>
               <a:rPr sz="2400"/>
-              <a:t>Recap - Class 1</a:t>
-            </a:r>
-          </a:p>
-        </p:txBody>
-      </p:sp>
-      <p:sp>
-        <p:nvSpPr>
-          <p:cNvPr id="307" name="Installing R and Github and getting code…"/>
+              <a:t>Pipes</a:t>
+            </a:r>
+          </a:p>
+        </p:txBody>
+      </p:sp>
+      <p:sp>
+        <p:nvSpPr>
+          <p:cNvPr id="287" name="In Unix Pipes let you chain commands together with the pipe ( | )"/>
           <p:cNvSpPr txBox="1"/>
           <p:nvPr/>
         </p:nvSpPr>
         <p:spPr>
           <a:xfrm>
-            <a:off x="3702304" y="2066425"/>
-            <a:ext cx="4593052" cy="1282402"/>
+            <a:off x="806615" y="1640481"/>
+            <a:ext cx="6395725" cy="328295"/>
           </a:xfrm>
           <a:prstGeom prst="rect">
             <a:avLst/>
@@ -8726,7 +8190,7 @@
           </a:ln>
           <a:extLst>
             <a:ext uri="{C572A759-6A51-4108-AA02-DFA0A04FC94B}">
-              <ma14:wrappingTextBoxFlag xmlns:ma14="http://schemas.microsoft.com/office/mac/drawingml/2011/main" xmlns:a14="http://schemas.microsoft.com/office/drawing/2010/main" xmlns:m="http://schemas.openxmlformats.org/officeDocument/2006/math" xmlns="" val="1"/>
+              <ma14:wrappingTextBoxFlag xmlns="" xmlns:m="http://schemas.openxmlformats.org/officeDocument/2006/math" xmlns:a14="http://schemas.microsoft.com/office/drawing/2010/main" xmlns:ma14="http://schemas.microsoft.com/office/mac/drawingml/2011/main" val="1"/>
             </a:ext>
           </a:extLst>
         </p:spPr>
@@ -8736,55 +8200,245 @@
           </a:bodyPr>
           <a:lstStyle/>
           <a:p>
-            <a:pPr marL="152400" indent="-152400">
-              <a:buSzPct val="123000"/>
-              <a:buChar char="•"/>
-              <a:defRPr sz="4000"/>
-            </a:pPr>
-            <a:r>
-              <a:rPr sz="2000" dirty="0"/>
-              <a:t>Installing R and </a:t>
-            </a:r>
-            <a:r>
-              <a:rPr sz="2000" dirty="0" err="1"/>
-              <a:t>Github</a:t>
-            </a:r>
-            <a:r>
-              <a:rPr sz="2000" dirty="0"/>
-              <a:t> and getting code</a:t>
-            </a:r>
-          </a:p>
-          <a:p>
-            <a:pPr marL="152400" indent="-152400">
-              <a:buSzPct val="123000"/>
-              <a:buChar char="•"/>
-              <a:defRPr sz="4000"/>
-            </a:pPr>
-            <a:r>
-              <a:rPr sz="2000" dirty="0"/>
-              <a:t>R syntax</a:t>
-            </a:r>
-          </a:p>
-          <a:p>
-            <a:pPr marL="152400" indent="-152400">
-              <a:buSzPct val="123000"/>
-              <a:buChar char="•"/>
-              <a:defRPr sz="4000"/>
-            </a:pPr>
-            <a:r>
-              <a:rPr sz="2000" dirty="0"/>
-              <a:t>Getting data into R</a:t>
-            </a:r>
-          </a:p>
-          <a:p>
-            <a:pPr marL="152400" indent="-152400">
-              <a:buSzPct val="123000"/>
-              <a:buChar char="•"/>
-              <a:defRPr sz="4000"/>
-            </a:pPr>
-            <a:r>
-              <a:rPr sz="2000" dirty="0"/>
-              <a:t>working with data in R</a:t>
+            <a:r>
+              <a:rPr dirty="0"/>
+              <a:t>In Unix Pipes let you chain commands together with the pipe ( | ) </a:t>
+            </a:r>
+          </a:p>
+        </p:txBody>
+      </p:sp>
+      <p:sp>
+        <p:nvSpPr>
+          <p:cNvPr id="288" name="Tidyverse uses %&gt;% or  |&gt; to link commands"/>
+          <p:cNvSpPr txBox="1"/>
+          <p:nvPr/>
+        </p:nvSpPr>
+        <p:spPr>
+          <a:xfrm>
+            <a:off x="711013" y="2881730"/>
+            <a:ext cx="4412234" cy="328295"/>
+          </a:xfrm>
+          <a:prstGeom prst="rect">
+            <a:avLst/>
+          </a:prstGeom>
+          <a:ln w="12700">
+            <a:miter lim="400000"/>
+          </a:ln>
+          <a:extLst>
+            <a:ext uri="{C572A759-6A51-4108-AA02-DFA0A04FC94B}">
+              <ma14:wrappingTextBoxFlag xmlns="" xmlns:m="http://schemas.openxmlformats.org/officeDocument/2006/math" xmlns:a14="http://schemas.microsoft.com/office/drawing/2010/main" xmlns:ma14="http://schemas.microsoft.com/office/mac/drawingml/2011/main" val="1"/>
+            </a:ext>
+          </a:extLst>
+        </p:spPr>
+        <p:txBody>
+          <a:bodyPr wrap="none" lIns="25400" tIns="25400" rIns="25400" bIns="25400" anchor="ctr">
+            <a:spAutoFit/>
+          </a:bodyPr>
+          <a:lstStyle/>
+          <a:p>
+            <a:r>
+              <a:rPr dirty="0" err="1"/>
+              <a:t>Tidyverse</a:t>
+            </a:r>
+            <a:r>
+              <a:rPr dirty="0"/>
+              <a:t> uses %&gt;% or  |&gt; to link commands</a:t>
+            </a:r>
+          </a:p>
+        </p:txBody>
+      </p:sp>
+      <p:sp>
+        <p:nvSpPr>
+          <p:cNvPr id="289" name="cat file.txt | grep ‘sometext’"/>
+          <p:cNvSpPr txBox="1"/>
+          <p:nvPr/>
+        </p:nvSpPr>
+        <p:spPr>
+          <a:xfrm>
+            <a:off x="806615" y="2075469"/>
+            <a:ext cx="2142190" cy="266740"/>
+          </a:xfrm>
+          <a:prstGeom prst="rect">
+            <a:avLst/>
+          </a:prstGeom>
+          <a:ln w="12700">
+            <a:miter lim="400000"/>
+          </a:ln>
+          <a:extLst>
+            <a:ext uri="{C572A759-6A51-4108-AA02-DFA0A04FC94B}">
+              <ma14:wrappingTextBoxFlag xmlns="" xmlns:m="http://schemas.openxmlformats.org/officeDocument/2006/math" xmlns:a14="http://schemas.microsoft.com/office/drawing/2010/main" xmlns:ma14="http://schemas.microsoft.com/office/mac/drawingml/2011/main" val="1"/>
+            </a:ext>
+          </a:extLst>
+        </p:spPr>
+        <p:txBody>
+          <a:bodyPr wrap="none" lIns="25400" tIns="25400" rIns="25400" bIns="25400" anchor="ctr">
+            <a:spAutoFit/>
+          </a:bodyPr>
+          <a:lstStyle/>
+          <a:p>
+            <a:r>
+              <a:rPr sz="1400" dirty="0"/>
+              <a:t>cat </a:t>
+            </a:r>
+            <a:r>
+              <a:rPr sz="1400" dirty="0" err="1"/>
+              <a:t>file.txt</a:t>
+            </a:r>
+            <a:r>
+              <a:rPr sz="1400" dirty="0"/>
+              <a:t> | grep ‘</a:t>
+            </a:r>
+            <a:r>
+              <a:rPr sz="1400" dirty="0" err="1"/>
+              <a:t>sometext</a:t>
+            </a:r>
+            <a:r>
+              <a:rPr sz="1400" dirty="0"/>
+              <a:t>’ </a:t>
+            </a:r>
+          </a:p>
+        </p:txBody>
+      </p:sp>
+      <p:sp>
+        <p:nvSpPr>
+          <p:cNvPr id="290" name="df |&gt; filter() |&gt; group_by() |&gt; summarise()"/>
+          <p:cNvSpPr txBox="1"/>
+          <p:nvPr/>
+        </p:nvSpPr>
+        <p:spPr>
+          <a:xfrm>
+            <a:off x="711013" y="3210025"/>
+            <a:ext cx="3978525" cy="328295"/>
+          </a:xfrm>
+          <a:prstGeom prst="rect">
+            <a:avLst/>
+          </a:prstGeom>
+          <a:ln w="12700">
+            <a:miter lim="400000"/>
+          </a:ln>
+          <a:extLst>
+            <a:ext uri="{C572A759-6A51-4108-AA02-DFA0A04FC94B}">
+              <ma14:wrappingTextBoxFlag xmlns="" xmlns:m="http://schemas.openxmlformats.org/officeDocument/2006/math" xmlns:a14="http://schemas.microsoft.com/office/drawing/2010/main" xmlns:ma14="http://schemas.microsoft.com/office/mac/drawingml/2011/main" val="1"/>
+            </a:ext>
+          </a:extLst>
+        </p:spPr>
+        <p:txBody>
+          <a:bodyPr wrap="none" lIns="25400" tIns="25400" rIns="25400" bIns="25400" anchor="ctr">
+            <a:spAutoFit/>
+          </a:bodyPr>
+          <a:lstStyle/>
+          <a:p>
+            <a:r>
+              <a:rPr dirty="0" err="1"/>
+              <a:t>df</a:t>
+            </a:r>
+            <a:r>
+              <a:rPr dirty="0"/>
+              <a:t> |&gt; filter() |&gt; </a:t>
+            </a:r>
+            <a:r>
+              <a:rPr dirty="0" err="1"/>
+              <a:t>group_by</a:t>
+            </a:r>
+            <a:r>
+              <a:rPr dirty="0"/>
+              <a:t>() |&gt; </a:t>
+            </a:r>
+            <a:r>
+              <a:rPr dirty="0" err="1"/>
+              <a:t>summarise</a:t>
+            </a:r>
+            <a:r>
+              <a:rPr dirty="0"/>
+              <a:t>()</a:t>
+            </a:r>
+          </a:p>
+        </p:txBody>
+      </p:sp>
+      <p:sp>
+        <p:nvSpPr>
+          <p:cNvPr id="291" name="https://r4ds.had.co.nz/pipes.html"/>
+          <p:cNvSpPr txBox="1"/>
+          <p:nvPr/>
+        </p:nvSpPr>
+        <p:spPr>
+          <a:xfrm>
+            <a:off x="8529133" y="6280840"/>
+            <a:ext cx="3415294" cy="328295"/>
+          </a:xfrm>
+          <a:prstGeom prst="rect">
+            <a:avLst/>
+          </a:prstGeom>
+          <a:ln w="12700">
+            <a:miter lim="400000"/>
+          </a:ln>
+          <a:extLst>
+            <a:ext uri="{C572A759-6A51-4108-AA02-DFA0A04FC94B}">
+              <ma14:wrappingTextBoxFlag xmlns="" xmlns:m="http://schemas.openxmlformats.org/officeDocument/2006/math" xmlns:a14="http://schemas.microsoft.com/office/drawing/2010/main" xmlns:ma14="http://schemas.microsoft.com/office/mac/drawingml/2011/main" val="1"/>
+            </a:ext>
+          </a:extLst>
+        </p:spPr>
+        <p:txBody>
+          <a:bodyPr wrap="none" lIns="25400" tIns="25400" rIns="25400" bIns="25400" anchor="ctr">
+            <a:spAutoFit/>
+          </a:bodyPr>
+          <a:lstStyle/>
+          <a:p>
+            <a:r>
+              <a:rPr dirty="0"/>
+              <a:t>https://r4ds.had.co.nz/</a:t>
+            </a:r>
+            <a:r>
+              <a:rPr dirty="0" err="1"/>
+              <a:t>pipes.html</a:t>
+            </a:r>
+            <a:endParaRPr dirty="0"/>
+          </a:p>
+        </p:txBody>
+      </p:sp>
+      <p:sp>
+        <p:nvSpPr>
+          <p:cNvPr id="292" name="Pipes make reading a series of steps easier"/>
+          <p:cNvSpPr txBox="1"/>
+          <p:nvPr/>
+        </p:nvSpPr>
+        <p:spPr>
+          <a:xfrm>
+            <a:off x="3289479" y="5552502"/>
+            <a:ext cx="4297715" cy="328295"/>
+          </a:xfrm>
+          <a:prstGeom prst="rect">
+            <a:avLst/>
+          </a:prstGeom>
+          <a:ln w="12700">
+            <a:miter lim="400000"/>
+          </a:ln>
+          <a:extLst>
+            <a:ext uri="{C572A759-6A51-4108-AA02-DFA0A04FC94B}">
+              <ma14:wrappingTextBoxFlag xmlns="" xmlns:m="http://schemas.openxmlformats.org/officeDocument/2006/math" xmlns:a14="http://schemas.microsoft.com/office/drawing/2010/main" xmlns:ma14="http://schemas.microsoft.com/office/mac/drawingml/2011/main" val="1"/>
+            </a:ext>
+          </a:extLst>
+        </p:spPr>
+        <p:txBody>
+          <a:bodyPr wrap="none" lIns="25400" tIns="25400" rIns="25400" bIns="25400" anchor="ctr">
+            <a:spAutoFit/>
+          </a:bodyPr>
+          <a:lstStyle>
+            <a:lvl1pPr>
+              <a:defRPr sz="3600">
+                <a:solidFill>
+                  <a:schemeClr val="accent1">
+                    <a:hueOff val="114395"/>
+                    <a:lumOff val="-24975"/>
+                  </a:schemeClr>
+                </a:solidFill>
+              </a:defRPr>
+            </a:lvl1pPr>
+          </a:lstStyle>
+          <a:p>
+            <a:r>
+              <a:rPr sz="1800" dirty="0"/>
+              <a:t>Pipes make reading a series of steps easier</a:t>
             </a:r>
           </a:p>
         </p:txBody>
@@ -8816,14 +8470,14 @@
       </p:grpSpPr>
       <p:sp>
         <p:nvSpPr>
-          <p:cNvPr id="309" name="switch to live mode"/>
+          <p:cNvPr id="294" name="Fun data sets to play with"/>
           <p:cNvSpPr txBox="1"/>
           <p:nvPr/>
         </p:nvSpPr>
         <p:spPr>
           <a:xfrm>
-            <a:off x="5494839" y="317327"/>
-            <a:ext cx="1011495" cy="189796"/>
+            <a:off x="3989952" y="329818"/>
+            <a:ext cx="3659528" cy="420628"/>
           </a:xfrm>
           <a:prstGeom prst="rect">
             <a:avLst/>
@@ -8833,7 +8487,7 @@
           </a:ln>
           <a:extLst>
             <a:ext uri="{C572A759-6A51-4108-AA02-DFA0A04FC94B}">
-              <ma14:wrappingTextBoxFlag xmlns:ma14="http://schemas.microsoft.com/office/mac/drawingml/2011/main" xmlns:a14="http://schemas.microsoft.com/office/drawing/2010/main" xmlns:m="http://schemas.openxmlformats.org/officeDocument/2006/math" xmlns="" val="1"/>
+              <ma14:wrappingTextBoxFlag xmlns="" xmlns:m="http://schemas.openxmlformats.org/officeDocument/2006/math" xmlns:a14="http://schemas.microsoft.com/office/drawing/2010/main" xmlns:ma14="http://schemas.microsoft.com/office/mac/drawingml/2011/main" val="1"/>
             </a:ext>
           </a:extLst>
         </p:spPr>
@@ -8841,11 +8495,440 @@
           <a:bodyPr wrap="none" lIns="25400" tIns="25400" rIns="25400" bIns="25400" anchor="ctr">
             <a:spAutoFit/>
           </a:bodyPr>
-          <a:lstStyle/>
-          <a:p>
-            <a:r>
-              <a:rPr sz="900"/>
-              <a:t>switch to live mode</a:t>
+          <a:lstStyle>
+            <a:lvl1pPr>
+              <a:defRPr sz="4800">
+                <a:latin typeface="Avenir Next Regular"/>
+                <a:ea typeface="Avenir Next Regular"/>
+                <a:cs typeface="Avenir Next Regular"/>
+                <a:sym typeface="Avenir Next Regular"/>
+              </a:defRPr>
+            </a:lvl1pPr>
+          </a:lstStyle>
+          <a:p>
+            <a:r>
+              <a:rPr sz="2400"/>
+              <a:t>Fun data sets to play with </a:t>
+            </a:r>
+          </a:p>
+        </p:txBody>
+      </p:sp>
+      <p:sp>
+        <p:nvSpPr>
+          <p:cNvPr id="295" name="https://www.kaggle.com/crawford/80-cereals"/>
+          <p:cNvSpPr txBox="1"/>
+          <p:nvPr/>
+        </p:nvSpPr>
+        <p:spPr>
+          <a:xfrm>
+            <a:off x="4495068" y="3114955"/>
+            <a:ext cx="4560800" cy="328295"/>
+          </a:xfrm>
+          <a:prstGeom prst="rect">
+            <a:avLst/>
+          </a:prstGeom>
+          <a:ln w="12700">
+            <a:miter lim="400000"/>
+          </a:ln>
+          <a:extLst>
+            <a:ext uri="{C572A759-6A51-4108-AA02-DFA0A04FC94B}">
+              <ma14:wrappingTextBoxFlag xmlns="" xmlns:m="http://schemas.openxmlformats.org/officeDocument/2006/math" xmlns:a14="http://schemas.microsoft.com/office/drawing/2010/main" xmlns:ma14="http://schemas.microsoft.com/office/mac/drawingml/2011/main" val="1"/>
+            </a:ext>
+          </a:extLst>
+        </p:spPr>
+        <p:txBody>
+          <a:bodyPr wrap="none" lIns="25400" tIns="25400" rIns="25400" bIns="25400" anchor="ctr">
+            <a:spAutoFit/>
+          </a:bodyPr>
+          <a:lstStyle>
+            <a:lvl1pPr>
+              <a:defRPr sz="3600"/>
+            </a:lvl1pPr>
+          </a:lstStyle>
+          <a:p>
+            <a:r>
+              <a:rPr sz="1800"/>
+              <a:t>https://www.kaggle.com/crawford/80-cereals</a:t>
+            </a:r>
+          </a:p>
+        </p:txBody>
+      </p:sp>
+      <p:sp>
+        <p:nvSpPr>
+          <p:cNvPr id="296" name="Cereal"/>
+          <p:cNvSpPr txBox="1"/>
+          <p:nvPr/>
+        </p:nvSpPr>
+        <p:spPr>
+          <a:xfrm>
+            <a:off x="2598514" y="3188401"/>
+            <a:ext cx="711798" cy="328295"/>
+          </a:xfrm>
+          <a:prstGeom prst="rect">
+            <a:avLst/>
+          </a:prstGeom>
+          <a:ln w="12700">
+            <a:miter lim="400000"/>
+          </a:ln>
+          <a:extLst>
+            <a:ext uri="{C572A759-6A51-4108-AA02-DFA0A04FC94B}">
+              <ma14:wrappingTextBoxFlag xmlns="" xmlns:m="http://schemas.openxmlformats.org/officeDocument/2006/math" xmlns:a14="http://schemas.microsoft.com/office/drawing/2010/main" xmlns:ma14="http://schemas.microsoft.com/office/mac/drawingml/2011/main" val="1"/>
+            </a:ext>
+          </a:extLst>
+        </p:spPr>
+        <p:txBody>
+          <a:bodyPr wrap="none" lIns="25400" tIns="25400" rIns="25400" bIns="25400" anchor="ctr">
+            <a:spAutoFit/>
+          </a:bodyPr>
+          <a:lstStyle>
+            <a:lvl1pPr algn="l">
+              <a:defRPr sz="3600"/>
+            </a:lvl1pPr>
+          </a:lstStyle>
+          <a:p>
+            <a:r>
+              <a:rPr sz="1800"/>
+              <a:t>Cereal</a:t>
+            </a:r>
+          </a:p>
+        </p:txBody>
+      </p:sp>
+      <p:sp>
+        <p:nvSpPr>
+          <p:cNvPr id="297" name="iris"/>
+          <p:cNvSpPr txBox="1"/>
+          <p:nvPr/>
+        </p:nvSpPr>
+        <p:spPr>
+          <a:xfrm>
+            <a:off x="2605030" y="2009900"/>
+            <a:ext cx="349455" cy="328295"/>
+          </a:xfrm>
+          <a:prstGeom prst="rect">
+            <a:avLst/>
+          </a:prstGeom>
+          <a:ln w="12700">
+            <a:miter lim="400000"/>
+          </a:ln>
+          <a:extLst>
+            <a:ext uri="{C572A759-6A51-4108-AA02-DFA0A04FC94B}">
+              <ma14:wrappingTextBoxFlag xmlns="" xmlns:m="http://schemas.openxmlformats.org/officeDocument/2006/math" xmlns:a14="http://schemas.microsoft.com/office/drawing/2010/main" xmlns:ma14="http://schemas.microsoft.com/office/mac/drawingml/2011/main" val="1"/>
+            </a:ext>
+          </a:extLst>
+        </p:spPr>
+        <p:txBody>
+          <a:bodyPr wrap="none" lIns="25400" tIns="25400" rIns="25400" bIns="25400" anchor="ctr">
+            <a:spAutoFit/>
+          </a:bodyPr>
+          <a:lstStyle>
+            <a:lvl1pPr>
+              <a:defRPr sz="3600"/>
+            </a:lvl1pPr>
+          </a:lstStyle>
+          <a:p>
+            <a:r>
+              <a:rPr sz="1800" dirty="0"/>
+              <a:t>iris</a:t>
+            </a:r>
+          </a:p>
+        </p:txBody>
+      </p:sp>
+      <p:sp>
+        <p:nvSpPr>
+          <p:cNvPr id="298" name="nih"/>
+          <p:cNvSpPr txBox="1"/>
+          <p:nvPr/>
+        </p:nvSpPr>
+        <p:spPr>
+          <a:xfrm>
+            <a:off x="2598514" y="4262036"/>
+            <a:ext cx="359073" cy="328295"/>
+          </a:xfrm>
+          <a:prstGeom prst="rect">
+            <a:avLst/>
+          </a:prstGeom>
+          <a:ln w="12700">
+            <a:miter lim="400000"/>
+          </a:ln>
+          <a:extLst>
+            <a:ext uri="{C572A759-6A51-4108-AA02-DFA0A04FC94B}">
+              <ma14:wrappingTextBoxFlag xmlns="" xmlns:m="http://schemas.openxmlformats.org/officeDocument/2006/math" xmlns:a14="http://schemas.microsoft.com/office/drawing/2010/main" xmlns:ma14="http://schemas.microsoft.com/office/mac/drawingml/2011/main" val="1"/>
+            </a:ext>
+          </a:extLst>
+        </p:spPr>
+        <p:txBody>
+          <a:bodyPr wrap="none" lIns="25400" tIns="25400" rIns="25400" bIns="25400" anchor="ctr">
+            <a:spAutoFit/>
+          </a:bodyPr>
+          <a:lstStyle>
+            <a:lvl1pPr>
+              <a:defRPr sz="3600"/>
+            </a:lvl1pPr>
+          </a:lstStyle>
+          <a:p>
+            <a:r>
+              <a:rPr sz="1800"/>
+              <a:t>nih</a:t>
+            </a:r>
+          </a:p>
+        </p:txBody>
+      </p:sp>
+      <p:sp>
+        <p:nvSpPr>
+          <p:cNvPr id="299" name="NIH Reporter (on github as worldwide2020.csv)"/>
+          <p:cNvSpPr txBox="1"/>
+          <p:nvPr/>
+        </p:nvSpPr>
+        <p:spPr>
+          <a:xfrm>
+            <a:off x="4465901" y="4267458"/>
+            <a:ext cx="5315109" cy="328295"/>
+          </a:xfrm>
+          <a:prstGeom prst="rect">
+            <a:avLst/>
+          </a:prstGeom>
+          <a:ln w="12700">
+            <a:miter lim="400000"/>
+          </a:ln>
+          <a:extLst>
+            <a:ext uri="{C572A759-6A51-4108-AA02-DFA0A04FC94B}">
+              <ma14:wrappingTextBoxFlag xmlns="" xmlns:m="http://schemas.openxmlformats.org/officeDocument/2006/math" xmlns:a14="http://schemas.microsoft.com/office/drawing/2010/main" xmlns:ma14="http://schemas.microsoft.com/office/mac/drawingml/2011/main" val="1"/>
+            </a:ext>
+          </a:extLst>
+        </p:spPr>
+        <p:txBody>
+          <a:bodyPr wrap="none" lIns="25400" tIns="25400" rIns="25400" bIns="25400" anchor="ctr">
+            <a:spAutoFit/>
+          </a:bodyPr>
+          <a:lstStyle>
+            <a:lvl1pPr>
+              <a:defRPr sz="3600"/>
+            </a:lvl1pPr>
+          </a:lstStyle>
+          <a:p>
+            <a:r>
+              <a:rPr sz="1800" dirty="0"/>
+              <a:t>NIH Reporter (on </a:t>
+            </a:r>
+            <a:r>
+              <a:rPr sz="1800" dirty="0" err="1"/>
+              <a:t>github</a:t>
+            </a:r>
+            <a:r>
+              <a:rPr sz="1800" dirty="0"/>
+              <a:t> as </a:t>
+            </a:r>
+            <a:r>
+              <a:rPr lang="en-US" sz="1800" dirty="0"/>
+              <a:t>data/W</a:t>
+            </a:r>
+            <a:r>
+              <a:rPr sz="1800" dirty="0"/>
+              <a:t>orldwide2020.csv) </a:t>
+            </a:r>
+          </a:p>
+        </p:txBody>
+      </p:sp>
+      <p:sp>
+        <p:nvSpPr>
+          <p:cNvPr id="300" name="built-in"/>
+          <p:cNvSpPr txBox="1"/>
+          <p:nvPr/>
+        </p:nvSpPr>
+        <p:spPr>
+          <a:xfrm>
+            <a:off x="4465901" y="2009900"/>
+            <a:ext cx="756554" cy="328295"/>
+          </a:xfrm>
+          <a:prstGeom prst="rect">
+            <a:avLst/>
+          </a:prstGeom>
+          <a:ln w="12700">
+            <a:miter lim="400000"/>
+          </a:ln>
+          <a:extLst>
+            <a:ext uri="{C572A759-6A51-4108-AA02-DFA0A04FC94B}">
+              <ma14:wrappingTextBoxFlag xmlns="" xmlns:m="http://schemas.openxmlformats.org/officeDocument/2006/math" xmlns:a14="http://schemas.microsoft.com/office/drawing/2010/main" xmlns:ma14="http://schemas.microsoft.com/office/mac/drawingml/2011/main" val="1"/>
+            </a:ext>
+          </a:extLst>
+        </p:spPr>
+        <p:txBody>
+          <a:bodyPr wrap="none" lIns="25400" tIns="25400" rIns="25400" bIns="25400" anchor="ctr">
+            <a:spAutoFit/>
+          </a:bodyPr>
+          <a:lstStyle>
+            <a:lvl1pPr>
+              <a:defRPr sz="3600"/>
+            </a:lvl1pPr>
+          </a:lstStyle>
+          <a:p>
+            <a:r>
+              <a:rPr sz="1800"/>
+              <a:t>built-in</a:t>
+            </a:r>
+          </a:p>
+        </p:txBody>
+      </p:sp>
+      <p:sp>
+        <p:nvSpPr>
+          <p:cNvPr id="301" name="install.packages('nycflights13')"/>
+          <p:cNvSpPr txBox="1"/>
+          <p:nvPr/>
+        </p:nvSpPr>
+        <p:spPr>
+          <a:xfrm>
+            <a:off x="4495068" y="3799590"/>
+            <a:ext cx="3159968" cy="328295"/>
+          </a:xfrm>
+          <a:prstGeom prst="rect">
+            <a:avLst/>
+          </a:prstGeom>
+          <a:ln w="12700">
+            <a:miter lim="400000"/>
+          </a:ln>
+          <a:extLst>
+            <a:ext uri="{C572A759-6A51-4108-AA02-DFA0A04FC94B}">
+              <ma14:wrappingTextBoxFlag xmlns="" xmlns:m="http://schemas.openxmlformats.org/officeDocument/2006/math" xmlns:a14="http://schemas.microsoft.com/office/drawing/2010/main" xmlns:ma14="http://schemas.microsoft.com/office/mac/drawingml/2011/main" val="1"/>
+            </a:ext>
+          </a:extLst>
+        </p:spPr>
+        <p:txBody>
+          <a:bodyPr wrap="none" lIns="25400" tIns="25400" rIns="25400" bIns="25400" anchor="ctr">
+            <a:spAutoFit/>
+          </a:bodyPr>
+          <a:lstStyle>
+            <a:lvl1pPr>
+              <a:defRPr sz="3600"/>
+            </a:lvl1pPr>
+          </a:lstStyle>
+          <a:p>
+            <a:r>
+              <a:rPr sz="1800" dirty="0" err="1"/>
+              <a:t>install.packages</a:t>
+            </a:r>
+            <a:r>
+              <a:rPr sz="1800" dirty="0"/>
+              <a:t>('nycflights13') </a:t>
+            </a:r>
+          </a:p>
+        </p:txBody>
+      </p:sp>
+      <p:sp>
+        <p:nvSpPr>
+          <p:cNvPr id="302" name="flightdata"/>
+          <p:cNvSpPr txBox="1"/>
+          <p:nvPr/>
+        </p:nvSpPr>
+        <p:spPr>
+          <a:xfrm>
+            <a:off x="2598514" y="3725218"/>
+            <a:ext cx="996170" cy="328295"/>
+          </a:xfrm>
+          <a:prstGeom prst="rect">
+            <a:avLst/>
+          </a:prstGeom>
+          <a:ln w="12700">
+            <a:miter lim="400000"/>
+          </a:ln>
+          <a:extLst>
+            <a:ext uri="{C572A759-6A51-4108-AA02-DFA0A04FC94B}">
+              <ma14:wrappingTextBoxFlag xmlns="" xmlns:m="http://schemas.openxmlformats.org/officeDocument/2006/math" xmlns:a14="http://schemas.microsoft.com/office/drawing/2010/main" xmlns:ma14="http://schemas.microsoft.com/office/mac/drawingml/2011/main" val="1"/>
+            </a:ext>
+          </a:extLst>
+        </p:spPr>
+        <p:txBody>
+          <a:bodyPr wrap="none" lIns="25400" tIns="25400" rIns="25400" bIns="25400" anchor="ctr">
+            <a:spAutoFit/>
+          </a:bodyPr>
+          <a:lstStyle>
+            <a:lvl1pPr>
+              <a:defRPr sz="3600"/>
+            </a:lvl1pPr>
+          </a:lstStyle>
+          <a:p>
+            <a:r>
+              <a:rPr sz="1800"/>
+              <a:t>flightdata</a:t>
+            </a:r>
+          </a:p>
+        </p:txBody>
+      </p:sp>
+      <p:sp>
+        <p:nvSpPr>
+          <p:cNvPr id="303" name="ToothGrowth"/>
+          <p:cNvSpPr txBox="1"/>
+          <p:nvPr/>
+        </p:nvSpPr>
+        <p:spPr>
+          <a:xfrm>
+            <a:off x="2598515" y="2599150"/>
+            <a:ext cx="1330236" cy="328295"/>
+          </a:xfrm>
+          <a:prstGeom prst="rect">
+            <a:avLst/>
+          </a:prstGeom>
+          <a:ln w="12700">
+            <a:miter lim="400000"/>
+          </a:ln>
+          <a:extLst>
+            <a:ext uri="{C572A759-6A51-4108-AA02-DFA0A04FC94B}">
+              <ma14:wrappingTextBoxFlag xmlns="" xmlns:m="http://schemas.openxmlformats.org/officeDocument/2006/math" xmlns:a14="http://schemas.microsoft.com/office/drawing/2010/main" xmlns:ma14="http://schemas.microsoft.com/office/mac/drawingml/2011/main" val="1"/>
+            </a:ext>
+          </a:extLst>
+        </p:spPr>
+        <p:txBody>
+          <a:bodyPr wrap="none" lIns="25400" tIns="25400" rIns="25400" bIns="25400" anchor="ctr">
+            <a:spAutoFit/>
+          </a:bodyPr>
+          <a:lstStyle>
+            <a:lvl1pPr>
+              <a:defRPr sz="3600"/>
+            </a:lvl1pPr>
+          </a:lstStyle>
+          <a:p>
+            <a:r>
+              <a:rPr sz="1800"/>
+              <a:t>ToothGrowth</a:t>
+            </a:r>
+          </a:p>
+        </p:txBody>
+      </p:sp>
+      <p:sp>
+        <p:nvSpPr>
+          <p:cNvPr id="304" name="built-in"/>
+          <p:cNvSpPr txBox="1"/>
+          <p:nvPr/>
+        </p:nvSpPr>
+        <p:spPr>
+          <a:xfrm>
+            <a:off x="4465901" y="2581400"/>
+            <a:ext cx="756554" cy="328295"/>
+          </a:xfrm>
+          <a:prstGeom prst="rect">
+            <a:avLst/>
+          </a:prstGeom>
+          <a:ln w="12700">
+            <a:miter lim="400000"/>
+          </a:ln>
+          <a:extLst>
+            <a:ext uri="{C572A759-6A51-4108-AA02-DFA0A04FC94B}">
+              <ma14:wrappingTextBoxFlag xmlns="" xmlns:m="http://schemas.openxmlformats.org/officeDocument/2006/math" xmlns:a14="http://schemas.microsoft.com/office/drawing/2010/main" xmlns:ma14="http://schemas.microsoft.com/office/mac/drawingml/2011/main" val="1"/>
+            </a:ext>
+          </a:extLst>
+        </p:spPr>
+        <p:txBody>
+          <a:bodyPr wrap="none" lIns="25400" tIns="25400" rIns="25400" bIns="25400" anchor="ctr">
+            <a:spAutoFit/>
+          </a:bodyPr>
+          <a:lstStyle>
+            <a:lvl1pPr>
+              <a:defRPr sz="3600"/>
+            </a:lvl1pPr>
+          </a:lstStyle>
+          <a:p>
+            <a:r>
+              <a:rPr sz="1800"/>
+              <a:t>built-in</a:t>
             </a:r>
           </a:p>
         </p:txBody>
@@ -8858,7 +8941,7 @@
 </p:sld>
 </file>
 
-<file path=ppt/slides/slide3.xml><?xml version="1.0" encoding="utf-8"?>
+<file path=ppt/slides/slide29.xml><?xml version="1.0" encoding="utf-8"?>
 <p:sld xmlns:a="http://schemas.openxmlformats.org/drawingml/2006/main" xmlns:r="http://schemas.openxmlformats.org/officeDocument/2006/relationships" xmlns:p="http://schemas.openxmlformats.org/presentationml/2006/main">
   <p:cSld>
     <p:spTree>
@@ -8877,13 +8960,172 @@
       </p:grpSpPr>
       <p:sp>
         <p:nvSpPr>
-          <p:cNvPr id="156" name="Goals for this section of the module"/>
+          <p:cNvPr id="306" name="Recap - Class 1"/>
           <p:cNvSpPr txBox="1"/>
           <p:nvPr/>
         </p:nvSpPr>
         <p:spPr>
           <a:xfrm>
-            <a:off x="2681481" y="909283"/>
+            <a:off x="5170535" y="383337"/>
+            <a:ext cx="2107756" cy="420628"/>
+          </a:xfrm>
+          <a:prstGeom prst="rect">
+            <a:avLst/>
+          </a:prstGeom>
+          <a:ln w="12700">
+            <a:miter lim="400000"/>
+          </a:ln>
+          <a:extLst>
+            <a:ext uri="{C572A759-6A51-4108-AA02-DFA0A04FC94B}">
+              <ma14:wrappingTextBoxFlag xmlns="" xmlns:m="http://schemas.openxmlformats.org/officeDocument/2006/math" xmlns:a14="http://schemas.microsoft.com/office/drawing/2010/main" xmlns:ma14="http://schemas.microsoft.com/office/mac/drawingml/2011/main" val="1"/>
+            </a:ext>
+          </a:extLst>
+        </p:spPr>
+        <p:txBody>
+          <a:bodyPr wrap="none" lIns="25400" tIns="25400" rIns="25400" bIns="25400" anchor="ctr">
+            <a:spAutoFit/>
+          </a:bodyPr>
+          <a:lstStyle>
+            <a:lvl1pPr>
+              <a:defRPr sz="4800"/>
+            </a:lvl1pPr>
+          </a:lstStyle>
+          <a:p>
+            <a:r>
+              <a:rPr sz="2400"/>
+              <a:t>Recap - Class 1</a:t>
+            </a:r>
+          </a:p>
+        </p:txBody>
+      </p:sp>
+      <p:sp>
+        <p:nvSpPr>
+          <p:cNvPr id="307" name="Installing R and Github and getting code…"/>
+          <p:cNvSpPr txBox="1"/>
+          <p:nvPr/>
+        </p:nvSpPr>
+        <p:spPr>
+          <a:xfrm>
+            <a:off x="3702304" y="2066425"/>
+            <a:ext cx="4593052" cy="1282402"/>
+          </a:xfrm>
+          <a:prstGeom prst="rect">
+            <a:avLst/>
+          </a:prstGeom>
+          <a:ln w="12700">
+            <a:miter lim="400000"/>
+          </a:ln>
+          <a:extLst>
+            <a:ext uri="{C572A759-6A51-4108-AA02-DFA0A04FC94B}">
+              <ma14:wrappingTextBoxFlag xmlns="" xmlns:m="http://schemas.openxmlformats.org/officeDocument/2006/math" xmlns:a14="http://schemas.microsoft.com/office/drawing/2010/main" xmlns:ma14="http://schemas.microsoft.com/office/mac/drawingml/2011/main" val="1"/>
+            </a:ext>
+          </a:extLst>
+        </p:spPr>
+        <p:txBody>
+          <a:bodyPr wrap="none" lIns="25400" tIns="25400" rIns="25400" bIns="25400" anchor="ctr">
+            <a:spAutoFit/>
+          </a:bodyPr>
+          <a:lstStyle/>
+          <a:p>
+            <a:pPr marL="152400" indent="-152400">
+              <a:buSzPct val="123000"/>
+              <a:buChar char="•"/>
+              <a:defRPr sz="4000"/>
+            </a:pPr>
+            <a:r>
+              <a:rPr sz="2000" dirty="0"/>
+              <a:t>Installing R and </a:t>
+            </a:r>
+            <a:r>
+              <a:rPr sz="2000" dirty="0" err="1"/>
+              <a:t>Github</a:t>
+            </a:r>
+            <a:r>
+              <a:rPr sz="2000" dirty="0"/>
+              <a:t> and getting code</a:t>
+            </a:r>
+          </a:p>
+          <a:p>
+            <a:pPr marL="152400" indent="-152400">
+              <a:buSzPct val="123000"/>
+              <a:buChar char="•"/>
+              <a:defRPr sz="4000"/>
+            </a:pPr>
+            <a:r>
+              <a:rPr sz="2000" dirty="0"/>
+              <a:t>R syntax</a:t>
+            </a:r>
+          </a:p>
+          <a:p>
+            <a:pPr marL="152400" indent="-152400">
+              <a:buSzPct val="123000"/>
+              <a:buChar char="•"/>
+              <a:defRPr sz="4000"/>
+            </a:pPr>
+            <a:r>
+              <a:rPr sz="2000" dirty="0"/>
+              <a:t>Getting data into R</a:t>
+            </a:r>
+          </a:p>
+          <a:p>
+            <a:pPr marL="152400" indent="-152400">
+              <a:buSzPct val="123000"/>
+              <a:buChar char="•"/>
+              <a:defRPr sz="4000"/>
+            </a:pPr>
+            <a:r>
+              <a:rPr sz="2000" dirty="0"/>
+              <a:t>working with data in R</a:t>
+            </a:r>
+          </a:p>
+        </p:txBody>
+      </p:sp>
+    </p:spTree>
+  </p:cSld>
+  <p:clrMapOvr>
+    <a:masterClrMapping/>
+  </p:clrMapOvr>
+</p:sld>
+</file>
+
+<file path=ppt/slides/slide3.xml><?xml version="1.0" encoding="utf-8"?>
+<p:sld xmlns:a="http://schemas.openxmlformats.org/drawingml/2006/main" xmlns:r="http://schemas.openxmlformats.org/officeDocument/2006/relationships" xmlns:p="http://schemas.openxmlformats.org/presentationml/2006/main">
+  <p:cSld>
+    <p:spTree>
+      <p:nvGrpSpPr>
+        <p:cNvPr id="1" name="">
+          <a:extLst>
+            <a:ext uri="{FF2B5EF4-FFF2-40B4-BE49-F238E27FC236}">
+              <a16:creationId xmlns:a16="http://schemas.microsoft.com/office/drawing/2014/main" id="{41726125-252A-E6E1-3F90-C9FC90BA659B}"/>
+            </a:ext>
+          </a:extLst>
+        </p:cNvPr>
+        <p:cNvGrpSpPr/>
+        <p:nvPr/>
+      </p:nvGrpSpPr>
+      <p:grpSpPr>
+        <a:xfrm>
+          <a:off x="0" y="0"/>
+          <a:ext cx="0" cy="0"/>
+          <a:chOff x="0" y="0"/>
+          <a:chExt cx="0" cy="0"/>
+        </a:xfrm>
+      </p:grpSpPr>
+      <p:sp>
+        <p:nvSpPr>
+          <p:cNvPr id="156" name="Goals for this section of the module">
+            <a:extLst>
+              <a:ext uri="{FF2B5EF4-FFF2-40B4-BE49-F238E27FC236}">
+                <a16:creationId xmlns:a16="http://schemas.microsoft.com/office/drawing/2014/main" id="{23B4B793-FFA6-CBD0-D1E6-3C36D53A1FF6}"/>
+              </a:ext>
+            </a:extLst>
+          </p:cNvPr>
+          <p:cNvSpPr txBox="1"/>
+          <p:nvPr/>
+        </p:nvSpPr>
+        <p:spPr>
+          <a:xfrm>
+            <a:off x="2659178" y="296726"/>
             <a:ext cx="6326668" cy="543739"/>
           </a:xfrm>
           <a:prstGeom prst="rect">
@@ -8917,14 +9159,20 @@
       </p:sp>
       <p:sp>
         <p:nvSpPr>
-          <p:cNvPr id="157" name="Get your own data into R…"/>
+          <p:cNvPr id="157" name="Get your own data into R…">
+            <a:extLst>
+              <a:ext uri="{FF2B5EF4-FFF2-40B4-BE49-F238E27FC236}">
+                <a16:creationId xmlns:a16="http://schemas.microsoft.com/office/drawing/2014/main" id="{318DAE61-7024-016C-4D30-86735DEA3A65}"/>
+              </a:ext>
+            </a:extLst>
+          </p:cNvPr>
           <p:cNvSpPr txBox="1"/>
           <p:nvPr/>
         </p:nvSpPr>
         <p:spPr>
           <a:xfrm>
-            <a:off x="3194203" y="2333181"/>
-            <a:ext cx="6856557" cy="1913344"/>
+            <a:off x="3194203" y="840465"/>
+            <a:ext cx="7362785" cy="4898777"/>
           </a:xfrm>
           <a:prstGeom prst="rect">
             <a:avLst/>
@@ -8953,8 +9201,8 @@
               <a:defRPr sz="3600"/>
             </a:pPr>
             <a:r>
-              <a:rPr sz="2400" dirty="0"/>
-              <a:t>Get your own data into R</a:t>
+              <a:rPr lang="en-US" sz="2400" dirty="0"/>
+              <a:t>Set up your computational tools</a:t>
             </a:r>
           </a:p>
           <a:p>
@@ -8967,8 +9215,8 @@
               <a:defRPr sz="3600"/>
             </a:pPr>
             <a:r>
-              <a:rPr sz="2400" dirty="0"/>
-              <a:t>Explore your data (exploratory data analysis/ EDA)</a:t>
+              <a:rPr lang="en-US" sz="2400" dirty="0"/>
+              <a:t>Learn basics of R </a:t>
             </a:r>
           </a:p>
           <a:p>
@@ -8982,7 +9230,7 @@
             </a:pPr>
             <a:r>
               <a:rPr sz="2400" dirty="0"/>
-              <a:t>Do a simple RNA-seq analysis</a:t>
+              <a:t>Get your own data into R</a:t>
             </a:r>
           </a:p>
           <a:p>
@@ -8996,12 +9244,145 @@
             </a:pPr>
             <a:r>
               <a:rPr sz="2400" dirty="0"/>
+              <a:t>Explore your data (exploratory data analysis/ EDA)</a:t>
+            </a:r>
+          </a:p>
+          <a:p>
+            <a:pPr marL="222250" indent="-222250">
+              <a:spcBef>
+                <a:spcPts val="1000"/>
+              </a:spcBef>
+              <a:buSzPct val="100000"/>
+              <a:buAutoNum type="arabicPeriod"/>
+              <a:defRPr sz="3600"/>
+            </a:pPr>
+            <a:r>
+              <a:rPr sz="2400" dirty="0"/>
+              <a:t>Do a simple RNA-seq analysis</a:t>
+            </a:r>
+          </a:p>
+          <a:p>
+            <a:pPr marL="222250" indent="-222250">
+              <a:spcBef>
+                <a:spcPts val="1000"/>
+              </a:spcBef>
+              <a:buSzPct val="100000"/>
+              <a:buAutoNum type="arabicPeriod"/>
+              <a:defRPr sz="3600"/>
+            </a:pPr>
+            <a:r>
+              <a:rPr sz="2400" dirty="0"/>
               <a:t>Know where to find help</a:t>
             </a:r>
+            <a:endParaRPr lang="en-US" sz="2400" dirty="0"/>
+          </a:p>
+          <a:p>
+            <a:pPr marL="222250" indent="-222250">
+              <a:spcBef>
+                <a:spcPts val="1000"/>
+              </a:spcBef>
+              <a:buSzPct val="100000"/>
+              <a:buAutoNum type="arabicPeriod"/>
+              <a:defRPr sz="3600">
+                <a:solidFill>
+                  <a:schemeClr val="accent1">
+                    <a:lumOff val="-13575"/>
+                  </a:schemeClr>
+                </a:solidFill>
+              </a:defRPr>
+            </a:pPr>
+            <a:r>
+              <a:rPr lang="en-US" sz="2400" dirty="0">
+                <a:solidFill>
+                  <a:schemeClr val="bg1"/>
+                </a:solidFill>
+              </a:rPr>
+              <a:t>Batch effects - multiple levels - multiple comparisons</a:t>
+            </a:r>
+          </a:p>
+          <a:p>
+            <a:pPr marL="222250" indent="-222250">
+              <a:spcBef>
+                <a:spcPts val="1000"/>
+              </a:spcBef>
+              <a:buSzPct val="100000"/>
+              <a:buAutoNum type="arabicPeriod"/>
+              <a:defRPr sz="3600">
+                <a:solidFill>
+                  <a:schemeClr val="accent1">
+                    <a:lumOff val="-13575"/>
+                  </a:schemeClr>
+                </a:solidFill>
+              </a:defRPr>
+            </a:pPr>
+            <a:r>
+              <a:rPr lang="en-US" sz="2400" dirty="0">
+                <a:solidFill>
+                  <a:schemeClr val="bg1"/>
+                </a:solidFill>
+              </a:rPr>
+              <a:t>Downstream analysis (GSEA/GO/</a:t>
+            </a:r>
+            <a:r>
+              <a:rPr lang="en-US" sz="2400" dirty="0" err="1">
+                <a:solidFill>
+                  <a:schemeClr val="bg1"/>
+                </a:solidFill>
+              </a:rPr>
+              <a:t>enrichr</a:t>
+            </a:r>
+            <a:r>
+              <a:rPr lang="en-US" sz="2400" dirty="0">
+                <a:solidFill>
+                  <a:schemeClr val="bg1"/>
+                </a:solidFill>
+              </a:rPr>
+              <a:t>)</a:t>
+            </a:r>
+          </a:p>
+          <a:p>
+            <a:pPr marL="222250" indent="-222250">
+              <a:spcBef>
+                <a:spcPts val="1000"/>
+              </a:spcBef>
+              <a:buSzPct val="100000"/>
+              <a:buAutoNum type="arabicPeriod"/>
+              <a:defRPr sz="3600">
+                <a:solidFill>
+                  <a:schemeClr val="accent1">
+                    <a:lumOff val="-13575"/>
+                  </a:schemeClr>
+                </a:solidFill>
+              </a:defRPr>
+            </a:pPr>
+            <a:r>
+              <a:rPr lang="en-US" sz="2400" dirty="0">
+                <a:solidFill>
+                  <a:schemeClr val="bg1"/>
+                </a:solidFill>
+              </a:rPr>
+              <a:t>Bioconductor</a:t>
+            </a:r>
+          </a:p>
+          <a:p>
+            <a:pPr marL="222250" indent="-222250">
+              <a:spcBef>
+                <a:spcPts val="1000"/>
+              </a:spcBef>
+              <a:buSzPct val="100000"/>
+              <a:buAutoNum type="arabicPeriod"/>
+              <a:defRPr sz="3600"/>
+            </a:pPr>
+            <a:endParaRPr sz="2400" dirty="0"/>
           </a:p>
         </p:txBody>
       </p:sp>
     </p:spTree>
+    <p:extLst>
+      <p:ext uri="{BB962C8B-B14F-4D97-AF65-F5344CB8AC3E}">
+        <p14:creationId xmlns:p14="http://schemas.microsoft.com/office/powerpoint/2010/main" val="4095078119"/>
+      </p:ext>
+    </p:extLst>
   </p:cSld>
   <p:clrMapOvr>
     <a:masterClrMapping/>
@@ -9009,7 +9390,7 @@
 </p:sld>
 </file>
 
-<file path=ppt/slides/slide4.xml><?xml version="1.0" encoding="utf-8"?>
+<file path=ppt/slides/slide30.xml><?xml version="1.0" encoding="utf-8"?>
 <p:sld xmlns:a="http://schemas.openxmlformats.org/drawingml/2006/main" xmlns:r="http://schemas.openxmlformats.org/officeDocument/2006/relationships" xmlns:p="http://schemas.openxmlformats.org/presentationml/2006/main">
   <p:cSld>
     <p:spTree>
@@ -9028,14 +9409,14 @@
       </p:grpSpPr>
       <p:sp>
         <p:nvSpPr>
-          <p:cNvPr id="159" name="Goals for this section of the module"/>
+          <p:cNvPr id="309" name="switch to live mode"/>
           <p:cNvSpPr txBox="1"/>
           <p:nvPr/>
         </p:nvSpPr>
         <p:spPr>
           <a:xfrm>
-            <a:off x="2225544" y="419609"/>
-            <a:ext cx="7122719" cy="605294"/>
+            <a:off x="5494839" y="317327"/>
+            <a:ext cx="1011495" cy="189796"/>
           </a:xfrm>
           <a:prstGeom prst="rect">
             <a:avLst/>
@@ -9045,7 +9426,80 @@
           </a:ln>
           <a:extLst>
             <a:ext uri="{C572A759-6A51-4108-AA02-DFA0A04FC94B}">
-              <ma14:wrappingTextBoxFlag xmlns:ma14="http://schemas.microsoft.com/office/mac/drawingml/2011/main" xmlns:a14="http://schemas.microsoft.com/office/drawing/2010/main" xmlns:m="http://schemas.openxmlformats.org/officeDocument/2006/math" xmlns="" val="1"/>
+              <ma14:wrappingTextBoxFlag xmlns="" xmlns:m="http://schemas.openxmlformats.org/officeDocument/2006/math" xmlns:a14="http://schemas.microsoft.com/office/drawing/2010/main" xmlns:ma14="http://schemas.microsoft.com/office/mac/drawingml/2011/main" val="1"/>
+            </a:ext>
+          </a:extLst>
+        </p:spPr>
+        <p:txBody>
+          <a:bodyPr wrap="none" lIns="25400" tIns="25400" rIns="25400" bIns="25400" anchor="ctr">
+            <a:spAutoFit/>
+          </a:bodyPr>
+          <a:lstStyle/>
+          <a:p>
+            <a:r>
+              <a:rPr sz="900"/>
+              <a:t>switch to live mode</a:t>
+            </a:r>
+          </a:p>
+        </p:txBody>
+      </p:sp>
+    </p:spTree>
+  </p:cSld>
+  <p:clrMapOvr>
+    <a:masterClrMapping/>
+  </p:clrMapOvr>
+</p:sld>
+</file>
+
+<file path=ppt/slides/slide4.xml><?xml version="1.0" encoding="utf-8"?>
+<p:sld xmlns:a="http://schemas.openxmlformats.org/drawingml/2006/main" xmlns:r="http://schemas.openxmlformats.org/officeDocument/2006/relationships" xmlns:p="http://schemas.openxmlformats.org/presentationml/2006/main">
+  <p:cSld>
+    <p:spTree>
+      <p:nvGrpSpPr>
+        <p:cNvPr id="1" name="">
+          <a:extLst>
+            <a:ext uri="{FF2B5EF4-FFF2-40B4-BE49-F238E27FC236}">
+              <a16:creationId xmlns:a16="http://schemas.microsoft.com/office/drawing/2014/main" id="{A1B28039-164D-9929-8A2E-853C599E2290}"/>
+            </a:ext>
+          </a:extLst>
+        </p:cNvPr>
+        <p:cNvGrpSpPr/>
+        <p:nvPr/>
+      </p:nvGrpSpPr>
+      <p:grpSpPr>
+        <a:xfrm>
+          <a:off x="0" y="0"/>
+          <a:ext cx="0" cy="0"/>
+          <a:chOff x="0" y="0"/>
+          <a:chExt cx="0" cy="0"/>
+        </a:xfrm>
+      </p:grpSpPr>
+      <p:sp>
+        <p:nvSpPr>
+          <p:cNvPr id="156" name="Goals for this section of the module">
+            <a:extLst>
+              <a:ext uri="{FF2B5EF4-FFF2-40B4-BE49-F238E27FC236}">
+                <a16:creationId xmlns:a16="http://schemas.microsoft.com/office/drawing/2014/main" id="{FFB7018D-E56C-B64A-2A50-6883803B8976}"/>
+              </a:ext>
+            </a:extLst>
+          </p:cNvPr>
+          <p:cNvSpPr txBox="1"/>
+          <p:nvPr/>
+        </p:nvSpPr>
+        <p:spPr>
+          <a:xfrm>
+            <a:off x="2659178" y="296726"/>
+            <a:ext cx="6326668" cy="543739"/>
+          </a:xfrm>
+          <a:prstGeom prst="rect">
+            <a:avLst/>
+          </a:prstGeom>
+          <a:ln w="12700">
+            <a:miter lim="400000"/>
+          </a:ln>
+          <a:extLst>
+            <a:ext uri="{C572A759-6A51-4108-AA02-DFA0A04FC94B}">
+              <ma14:wrappingTextBoxFlag xmlns="" xmlns:m="http://schemas.openxmlformats.org/officeDocument/2006/math" xmlns:a14="http://schemas.microsoft.com/office/drawing/2010/main" xmlns:ma14="http://schemas.microsoft.com/office/mac/drawingml/2011/main" val="1"/>
             </a:ext>
           </a:extLst>
         </p:spPr>
@@ -9060,7 +9514,7 @@
           </a:lstStyle>
           <a:p>
             <a:r>
-              <a:rPr sz="3600" dirty="0"/>
+              <a:rPr sz="3200" dirty="0"/>
               <a:t>Goals for this section of the module</a:t>
             </a:r>
           </a:p>
@@ -9068,14 +9522,20 @@
       </p:sp>
       <p:sp>
         <p:nvSpPr>
-          <p:cNvPr id="160" name="Get your own data into R…"/>
+          <p:cNvPr id="157" name="Get your own data into R…">
+            <a:extLst>
+              <a:ext uri="{FF2B5EF4-FFF2-40B4-BE49-F238E27FC236}">
+                <a16:creationId xmlns:a16="http://schemas.microsoft.com/office/drawing/2014/main" id="{6E496D56-D917-D5CB-63E8-22527818F1E8}"/>
+              </a:ext>
+            </a:extLst>
+          </p:cNvPr>
           <p:cNvSpPr txBox="1"/>
           <p:nvPr/>
         </p:nvSpPr>
         <p:spPr>
           <a:xfrm>
-            <a:off x="2743791" y="1813624"/>
-            <a:ext cx="7362785" cy="3406061"/>
+            <a:off x="3194203" y="840465"/>
+            <a:ext cx="7362785" cy="4898777"/>
           </a:xfrm>
           <a:prstGeom prst="rect">
             <a:avLst/>
@@ -9085,7 +9545,7 @@
           </a:ln>
           <a:extLst>
             <a:ext uri="{C572A759-6A51-4108-AA02-DFA0A04FC94B}">
-              <ma14:wrappingTextBoxFlag xmlns:ma14="http://schemas.microsoft.com/office/mac/drawingml/2011/main" xmlns:a14="http://schemas.microsoft.com/office/drawing/2010/main" xmlns:m="http://schemas.openxmlformats.org/officeDocument/2006/math" xmlns="" val="1"/>
+              <ma14:wrappingTextBoxFlag xmlns="" xmlns:m="http://schemas.openxmlformats.org/officeDocument/2006/math" xmlns:a14="http://schemas.microsoft.com/office/drawing/2010/main" xmlns:ma14="http://schemas.microsoft.com/office/mac/drawingml/2011/main" val="1"/>
             </a:ext>
           </a:extLst>
         </p:spPr>
@@ -9101,15 +9561,17 @@
               </a:spcBef>
               <a:buSzPct val="100000"/>
               <a:buAutoNum type="arabicPeriod"/>
-              <a:defRPr sz="3600">
+              <a:defRPr sz="3600"/>
+            </a:pPr>
+            <a:r>
+              <a:rPr lang="en-US" sz="2400" dirty="0">
                 <a:solidFill>
-                  <a:srgbClr val="D5D5D5"/>
+                  <a:schemeClr val="bg1">
+                    <a:lumMod val="75000"/>
+                  </a:schemeClr>
                 </a:solidFill>
-              </a:defRPr>
-            </a:pPr>
-            <a:r>
-              <a:rPr sz="2400" dirty="0"/>
-              <a:t>Get your own data into R</a:t>
+              </a:rPr>
+              <a:t>Set up your computational tools</a:t>
             </a:r>
           </a:p>
           <a:p>
@@ -9119,15 +9581,17 @@
               </a:spcBef>
               <a:buSzPct val="100000"/>
               <a:buAutoNum type="arabicPeriod"/>
-              <a:defRPr sz="3600">
+              <a:defRPr sz="3600"/>
+            </a:pPr>
+            <a:r>
+              <a:rPr lang="en-US" sz="2400" dirty="0">
                 <a:solidFill>
-                  <a:srgbClr val="D5D5D5"/>
+                  <a:schemeClr val="bg1">
+                    <a:lumMod val="75000"/>
+                  </a:schemeClr>
                 </a:solidFill>
-              </a:defRPr>
-            </a:pPr>
-            <a:r>
-              <a:rPr sz="2400" dirty="0"/>
-              <a:t>Explore your data (exploratory data analysis/ EDA)</a:t>
+              </a:rPr>
+              <a:t>Learn basics of R </a:t>
             </a:r>
           </a:p>
           <a:p>
@@ -9137,15 +9601,17 @@
               </a:spcBef>
               <a:buSzPct val="100000"/>
               <a:buAutoNum type="arabicPeriod"/>
-              <a:defRPr sz="3600">
+              <a:defRPr sz="3600"/>
+            </a:pPr>
+            <a:r>
+              <a:rPr sz="2400" dirty="0">
                 <a:solidFill>
-                  <a:srgbClr val="D5D5D5"/>
+                  <a:schemeClr val="bg1">
+                    <a:lumMod val="75000"/>
+                  </a:schemeClr>
                 </a:solidFill>
-              </a:defRPr>
-            </a:pPr>
-            <a:r>
-              <a:rPr sz="2400" dirty="0"/>
-              <a:t>Do a simple RNA-seq analysis</a:t>
+              </a:rPr>
+              <a:t>Get your own data into R</a:t>
             </a:r>
           </a:p>
           <a:p>
@@ -9155,16 +9621,65 @@
               </a:spcBef>
               <a:buSzPct val="100000"/>
               <a:buAutoNum type="arabicPeriod"/>
-              <a:defRPr sz="3600">
+              <a:defRPr sz="3600"/>
+            </a:pPr>
+            <a:r>
+              <a:rPr sz="2400" dirty="0">
                 <a:solidFill>
-                  <a:srgbClr val="D5D5D5"/>
+                  <a:schemeClr val="bg1">
+                    <a:lumMod val="75000"/>
+                  </a:schemeClr>
                 </a:solidFill>
-              </a:defRPr>
+              </a:rPr>
+              <a:t>Explore your data (exploratory data analysis/ EDA)</a:t>
+            </a:r>
+          </a:p>
+          <a:p>
+            <a:pPr marL="222250" indent="-222250">
+              <a:spcBef>
+                <a:spcPts val="1000"/>
+              </a:spcBef>
+              <a:buSzPct val="100000"/>
+              <a:buAutoNum type="arabicPeriod"/>
+              <a:defRPr sz="3600"/>
             </a:pPr>
             <a:r>
-              <a:rPr sz="2400" dirty="0"/>
+              <a:rPr sz="2400" dirty="0">
+                <a:solidFill>
+                  <a:schemeClr val="bg1">
+                    <a:lumMod val="75000"/>
+                  </a:schemeClr>
+                </a:solidFill>
+              </a:rPr>
+              <a:t>Do a simple RNA-seq analysis</a:t>
+            </a:r>
+          </a:p>
+          <a:p>
+            <a:pPr marL="222250" indent="-222250">
+              <a:spcBef>
+                <a:spcPts val="1000"/>
+              </a:spcBef>
+              <a:buSzPct val="100000"/>
+              <a:buAutoNum type="arabicPeriod"/>
+              <a:defRPr sz="3600"/>
+            </a:pPr>
+            <a:r>
+              <a:rPr sz="2400" dirty="0">
+                <a:solidFill>
+                  <a:schemeClr val="bg1">
+                    <a:lumMod val="75000"/>
+                  </a:schemeClr>
+                </a:solidFill>
+              </a:rPr>
               <a:t>Know where to find help</a:t>
             </a:r>
+            <a:endParaRPr lang="en-US" sz="2400" dirty="0">
+              <a:solidFill>
+                <a:schemeClr val="bg1">
+                  <a:lumMod val="75000"/>
+                </a:schemeClr>
+              </a:solidFill>
+            </a:endParaRPr>
           </a:p>
           <a:p>
             <a:pPr marL="222250" indent="-222250">
@@ -9182,7 +9697,7 @@
               </a:defRPr>
             </a:pPr>
             <a:r>
-              <a:rPr sz="2400" dirty="0"/>
+              <a:rPr lang="en-US" sz="2400" dirty="0"/>
               <a:t>Batch effects - multiple levels - multiple comparisons</a:t>
             </a:r>
           </a:p>
@@ -9202,15 +9717,15 @@
               </a:defRPr>
             </a:pPr>
             <a:r>
-              <a:rPr sz="2400" dirty="0"/>
+              <a:rPr lang="en-US" sz="2400" dirty="0"/>
               <a:t>Downstream analysis (GSEA/GO/</a:t>
             </a:r>
             <a:r>
-              <a:rPr sz="2400" dirty="0" err="1"/>
+              <a:rPr lang="en-US" sz="2400" dirty="0" err="1"/>
               <a:t>enrichr</a:t>
             </a:r>
             <a:r>
-              <a:rPr sz="2400" dirty="0"/>
+              <a:rPr lang="en-US" sz="2400" dirty="0"/>
               <a:t>)</a:t>
             </a:r>
           </a:p>
@@ -9230,57 +9745,29 @@
               </a:defRPr>
             </a:pPr>
             <a:r>
-              <a:rPr sz="2400" dirty="0"/>
+              <a:rPr lang="en-US" sz="2400" dirty="0"/>
               <a:t>Bioconductor</a:t>
             </a:r>
           </a:p>
-        </p:txBody>
-      </p:sp>
-      <p:sp>
-        <p:nvSpPr>
-          <p:cNvPr id="161" name="Bonus"/>
-          <p:cNvSpPr txBox="1"/>
-          <p:nvPr/>
-        </p:nvSpPr>
-        <p:spPr>
-          <a:xfrm>
-            <a:off x="1436867" y="2824160"/>
-            <a:ext cx="788677" cy="359073"/>
-          </a:xfrm>
-          <a:prstGeom prst="rect">
-            <a:avLst/>
-          </a:prstGeom>
-          <a:ln w="12700">
-            <a:miter lim="400000"/>
-          </a:ln>
-          <a:extLst>
-            <a:ext uri="{C572A759-6A51-4108-AA02-DFA0A04FC94B}">
-              <ma14:wrappingTextBoxFlag xmlns:ma14="http://schemas.microsoft.com/office/mac/drawingml/2011/main" xmlns:a14="http://schemas.microsoft.com/office/drawing/2010/main" xmlns:m="http://schemas.openxmlformats.org/officeDocument/2006/math" xmlns="" val="1"/>
-            </a:ext>
-          </a:extLst>
-        </p:spPr>
-        <p:txBody>
-          <a:bodyPr wrap="none" lIns="25400" tIns="25400" rIns="25400" bIns="25400" anchor="ctr">
-            <a:spAutoFit/>
-          </a:bodyPr>
-          <a:lstStyle>
-            <a:lvl1pPr>
-              <a:defRPr sz="4000">
-                <a:solidFill>
-                  <a:schemeClr val="accent6"/>
-                </a:solidFill>
-              </a:defRPr>
-            </a:lvl1pPr>
-          </a:lstStyle>
-          <a:p>
-            <a:r>
-              <a:rPr sz="2000" b="1" dirty="0"/>
-              <a:t>Bonus</a:t>
-            </a:r>
+          <a:p>
+            <a:pPr marL="222250" indent="-222250">
+              <a:spcBef>
+                <a:spcPts val="1000"/>
+              </a:spcBef>
+              <a:buSzPct val="100000"/>
+              <a:buAutoNum type="arabicPeriod"/>
+              <a:defRPr sz="3600"/>
+            </a:pPr>
+            <a:endParaRPr sz="2400" dirty="0"/>
           </a:p>
         </p:txBody>
       </p:sp>
     </p:spTree>
+    <p:extLst>
+      <p:ext uri="{BB962C8B-B14F-4D97-AF65-F5344CB8AC3E}">
+        <p14:creationId xmlns:p14="http://schemas.microsoft.com/office/powerpoint/2010/main" val="434551867"/>
+      </p:ext>
+    </p:extLst>
   </p:cSld>
   <p:clrMapOvr>
     <a:masterClrMapping/>
@@ -9324,7 +9811,7 @@
           </a:ln>
           <a:extLst>
             <a:ext uri="{C572A759-6A51-4108-AA02-DFA0A04FC94B}">
-              <ma14:wrappingTextBoxFlag xmlns:ma14="http://schemas.microsoft.com/office/mac/drawingml/2011/main" xmlns:a14="http://schemas.microsoft.com/office/drawing/2010/main" xmlns:m="http://schemas.openxmlformats.org/officeDocument/2006/math" xmlns="" val="1"/>
+              <ma14:wrappingTextBoxFlag xmlns="" xmlns:m="http://schemas.openxmlformats.org/officeDocument/2006/math" xmlns:a14="http://schemas.microsoft.com/office/drawing/2010/main" xmlns:ma14="http://schemas.microsoft.com/office/mac/drawingml/2011/main" val="1"/>
             </a:ext>
           </a:extLst>
         </p:spPr>
@@ -9372,28 +9859,28 @@
           <p:nvPr>
             <p:extLst>
               <p:ext uri="{D42A27DB-BD31-4B8C-83A1-F6EECF244321}">
-                <p14:modId xmlns:p14="http://schemas.microsoft.com/office/powerpoint/2010/main" val="274164875"/>
+                <p14:modId xmlns:p14="http://schemas.microsoft.com/office/powerpoint/2010/main" val="636954911"/>
               </p:ext>
             </p:extLst>
           </p:nvPr>
         </p:nvGraphicFramePr>
         <p:xfrm>
-          <a:off x="966762" y="502852"/>
-          <a:ext cx="10258478" cy="5320547"/>
+          <a:off x="966762" y="502853"/>
+          <a:ext cx="9671501" cy="6090712"/>
         </p:xfrm>
         <a:graphic>
           <a:graphicData uri="http://schemas.openxmlformats.org/drawingml/2006/table">
             <a:tbl>
               <a:tblPr firstCol="1"/>
               <a:tblGrid>
-                <a:gridCol w="2501064">
+                <a:gridCol w="2357956">
                   <a:extLst>
                     <a:ext uri="{9D8B030D-6E8A-4147-A177-3AD203B41FA5}">
                       <a16:colId xmlns:a16="http://schemas.microsoft.com/office/drawing/2014/main" val="20000"/>
                     </a:ext>
                   </a:extLst>
                 </a:gridCol>
-                <a:gridCol w="7757414">
+                <a:gridCol w="7313545">
                   <a:extLst>
                     <a:ext uri="{9D8B030D-6E8A-4147-A177-3AD203B41FA5}">
                       <a16:colId xmlns:a16="http://schemas.microsoft.com/office/drawing/2014/main" val="20001"/>
@@ -9401,7 +9888,7 @@
                   </a:extLst>
                 </a:gridCol>
               </a:tblGrid>
-              <a:tr h="1530869">
+              <a:tr h="1231160">
                 <a:tc>
                   <a:txBody>
                     <a:bodyPr/>
@@ -9414,17 +9901,17 @@
                         <a:defRPr b="0"/>
                       </a:pPr>
                       <a:r>
-                        <a:rPr sz="1600" b="1" dirty="0"/>
+                        <a:rPr sz="1500" b="1" dirty="0"/>
                         <a:t>April 1</a:t>
                       </a:r>
                       <a:r>
-                        <a:rPr lang="en-US" sz="1600" b="1" dirty="0"/>
-                        <a:t>5</a:t>
+                        <a:rPr lang="en-US" sz="1500" b="1" dirty="0"/>
+                        <a:t>1</a:t>
                       </a:r>
-                      <a:endParaRPr sz="1600" b="1" dirty="0"/>
+                      <a:endParaRPr sz="1500" b="1" dirty="0"/>
                     </a:p>
                   </a:txBody>
-                  <a:tcPr marL="25400" marR="25400" marT="25400" marB="25400" anchor="ctr" horzOverflow="overflow"/>
+                  <a:tcPr marL="23947" marR="23947" marT="23947" marB="23947" anchor="ctr" horzOverflow="overflow"/>
                 </a:tc>
                 <a:tc>
                   <a:txBody>
@@ -9448,7 +9935,7 @@
                         </a:defRPr>
                       </a:pPr>
                       <a:r>
-                        <a:rPr sz="1500"/>
+                        <a:rPr sz="1400"/>
                         <a:t>Installing R/Rstudio</a:t>
                       </a:r>
                     </a:p>
@@ -9470,7 +9957,7 @@
                         </a:defRPr>
                       </a:pPr>
                       <a:r>
-                        <a:rPr sz="1500"/>
+                        <a:rPr sz="1400"/>
                         <a:t>Git/Github Basics </a:t>
                       </a:r>
                     </a:p>
@@ -9492,7 +9979,7 @@
                         </a:defRPr>
                       </a:pPr>
                       <a:r>
-                        <a:rPr sz="1500"/>
+                        <a:rPr sz="1400"/>
                         <a:t>Basic R</a:t>
                       </a:r>
                     </a:p>
@@ -9514,12 +10001,12 @@
                         </a:defRPr>
                       </a:pPr>
                       <a:r>
-                        <a:rPr sz="1500"/>
+                        <a:rPr sz="1400"/>
                         <a:t>Getting data into R</a:t>
                       </a:r>
                     </a:p>
                   </a:txBody>
-                  <a:tcPr marL="25400" marR="25400" marT="25400" marB="25400" anchor="ctr" horzOverflow="overflow"/>
+                  <a:tcPr marL="23947" marR="23947" marT="23947" marB="23947" anchor="ctr" horzOverflow="overflow"/>
                 </a:tc>
                 <a:extLst>
                   <a:ext uri="{0D108BD9-81ED-4DB2-BD59-A6C34878D82A}">
@@ -9527,7 +10014,7 @@
                   </a:ext>
                 </a:extLst>
               </a:tr>
-              <a:tr h="812800">
+              <a:tr h="838133">
                 <a:tc>
                   <a:txBody>
                     <a:bodyPr/>
@@ -9540,12 +10027,17 @@
                         <a:defRPr b="0"/>
                       </a:pPr>
                       <a:r>
-                        <a:rPr sz="1600" b="1" dirty="0"/>
-                        <a:t>April 17</a:t>
+                        <a:rPr sz="1500" b="1" dirty="0"/>
+                        <a:t>April 1</a:t>
                       </a:r>
+                      <a:r>
+                        <a:rPr lang="en-US" sz="1500" b="1" dirty="0"/>
+                        <a:t>4</a:t>
+                      </a:r>
+                      <a:endParaRPr sz="1500" b="1" dirty="0"/>
                     </a:p>
                   </a:txBody>
-                  <a:tcPr marL="25400" marR="25400" marT="25400" marB="25400" anchor="ctr" horzOverflow="overflow"/>
+                  <a:tcPr marL="23947" marR="23947" marT="23947" marB="23947" anchor="ctr" horzOverflow="overflow"/>
                 </a:tc>
                 <a:tc>
                   <a:txBody>
@@ -9569,7 +10061,7 @@
                         </a:defRPr>
                       </a:pPr>
                       <a:r>
-                        <a:rPr sz="1500"/>
+                        <a:rPr sz="1400" dirty="0"/>
                         <a:t>How to plot data (and make it look good)</a:t>
                       </a:r>
                     </a:p>
@@ -9591,8 +10083,12 @@
                         </a:defRPr>
                       </a:pPr>
                       <a:r>
-                        <a:rPr sz="1500"/>
-                        <a:t>exploring data</a:t>
+                        <a:rPr lang="en-US" sz="1400" dirty="0"/>
+                        <a:t>E</a:t>
+                      </a:r>
+                      <a:r>
+                        <a:rPr sz="1400" dirty="0"/>
+                        <a:t>xploring data</a:t>
                       </a:r>
                     </a:p>
                     <a:p>
@@ -9610,10 +10106,10 @@
                           <a:sym typeface="Avenir Next Regular"/>
                         </a:defRPr>
                       </a:pPr>
-                      <a:endParaRPr sz="1500"/>
+                      <a:endParaRPr sz="1400" dirty="0"/>
                     </a:p>
                   </a:txBody>
-                  <a:tcPr marL="25400" marR="25400" marT="25400" marB="25400" anchor="ctr" horzOverflow="overflow"/>
+                  <a:tcPr marL="23947" marR="23947" marT="23947" marB="23947" anchor="ctr" horzOverflow="overflow"/>
                 </a:tc>
                 <a:extLst>
                   <a:ext uri="{0D108BD9-81ED-4DB2-BD59-A6C34878D82A}">
@@ -9621,7 +10117,7 @@
                   </a:ext>
                 </a:extLst>
               </a:tr>
-              <a:tr h="707307">
+              <a:tr h="568832">
                 <a:tc>
                   <a:txBody>
                     <a:bodyPr/>
@@ -9634,12 +10130,17 @@
                         <a:defRPr b="0"/>
                       </a:pPr>
                       <a:r>
-                        <a:rPr sz="1600" b="1"/>
-                        <a:t>April 19</a:t>
+                        <a:rPr sz="1500" b="1" dirty="0"/>
+                        <a:t>April 1</a:t>
                       </a:r>
+                      <a:r>
+                        <a:rPr lang="en-US" sz="1500" b="1" dirty="0"/>
+                        <a:t>6</a:t>
+                      </a:r>
+                      <a:endParaRPr sz="1500" b="1" dirty="0"/>
                     </a:p>
                   </a:txBody>
-                  <a:tcPr marL="25400" marR="25400" marT="25400" marB="25400" anchor="ctr" horzOverflow="overflow"/>
+                  <a:tcPr marL="23947" marR="23947" marT="23947" marB="23947" anchor="ctr" horzOverflow="overflow"/>
                 </a:tc>
                 <a:tc>
                   <a:txBody>
@@ -9663,7 +10164,7 @@
                         </a:defRPr>
                       </a:pPr>
                       <a:r>
-                        <a:rPr sz="1500"/>
+                        <a:rPr sz="1400" dirty="0"/>
                         <a:t>Functions</a:t>
                       </a:r>
                     </a:p>
@@ -9685,12 +10186,12 @@
                         </a:defRPr>
                       </a:pPr>
                       <a:r>
-                        <a:rPr sz="1500"/>
+                        <a:rPr sz="1400" dirty="0"/>
                         <a:t>Some best practices</a:t>
                       </a:r>
                     </a:p>
                   </a:txBody>
-                  <a:tcPr marL="25400" marR="25400" marT="25400" marB="25400" anchor="ctr" horzOverflow="overflow"/>
+                  <a:tcPr marL="23947" marR="23947" marT="23947" marB="23947" anchor="ctr" horzOverflow="overflow"/>
                 </a:tc>
                 <a:extLst>
                   <a:ext uri="{0D108BD9-81ED-4DB2-BD59-A6C34878D82A}">
@@ -9698,7 +10199,7 @@
                   </a:ext>
                 </a:extLst>
               </a:tr>
-              <a:tr h="533103">
+              <a:tr h="568832">
                 <a:tc>
                   <a:txBody>
                     <a:bodyPr/>
@@ -9711,17 +10212,131 @@
                         <a:defRPr b="0"/>
                       </a:pPr>
                       <a:r>
-                        <a:rPr sz="1600" b="1" dirty="0"/>
+                        <a:rPr lang="en-US" sz="1500" b="1" dirty="0"/>
+                        <a:t>April 18</a:t>
+                      </a:r>
+                      <a:endParaRPr sz="1500" b="1" dirty="0"/>
+                    </a:p>
+                  </a:txBody>
+                  <a:tcPr marL="23947" marR="23947" marT="23947" marB="23947" anchor="ctr" horzOverflow="overflow"/>
+                </a:tc>
+                <a:tc>
+                  <a:txBody>
+                    <a:bodyPr/>
+                    <a:lstStyle/>
+                    <a:p>
+                      <a:pPr marL="228600" indent="-228600" algn="l" defTabSz="2438338">
+                        <a:spcBef>
+                          <a:spcPts val="600"/>
+                        </a:spcBef>
+                        <a:buSzPct val="100000"/>
+                        <a:buChar char="•"/>
+                        <a:defRPr sz="3000">
+                          <a:solidFill>
+                            <a:srgbClr val="5E5E5E"/>
+                          </a:solidFill>
+                          <a:latin typeface="Avenir Next Regular"/>
+                          <a:ea typeface="Avenir Next Regular"/>
+                          <a:cs typeface="Avenir Next Regular"/>
+                          <a:sym typeface="Avenir Next Regular"/>
+                        </a:defRPr>
+                      </a:pPr>
+                      <a:r>
+                        <a:rPr lang="en-US" sz="1400" dirty="0"/>
+                        <a:t>No class - Holiday</a:t>
+                      </a:r>
+                      <a:endParaRPr sz="1400" dirty="0"/>
+                    </a:p>
+                  </a:txBody>
+                  <a:tcPr marL="23947" marR="23947" marT="23947" marB="23947" anchor="ctr" horzOverflow="overflow"/>
+                </a:tc>
+                <a:extLst>
+                  <a:ext uri="{0D108BD9-81ED-4DB2-BD59-A6C34878D82A}">
+                    <a16:rowId xmlns:a16="http://schemas.microsoft.com/office/drawing/2014/main" val="3764190912"/>
+                  </a:ext>
+                </a:extLst>
+              </a:tr>
+              <a:tr h="568832">
+                <a:tc>
+                  <a:txBody>
+                    <a:bodyPr/>
+                    <a:lstStyle/>
+                    <a:p>
+                      <a:pPr defTabSz="914400">
+                        <a:tabLst>
+                          <a:tab pos="1663700" algn="l"/>
+                        </a:tabLst>
+                        <a:defRPr b="0"/>
+                      </a:pPr>
+                      <a:r>
+                        <a:rPr lang="en-US" sz="1500" b="1" dirty="0"/>
+                        <a:t>April 21</a:t>
+                      </a:r>
+                      <a:endParaRPr sz="1500" b="1" dirty="0"/>
+                    </a:p>
+                  </a:txBody>
+                  <a:tcPr marL="23947" marR="23947" marT="23947" marB="23947" anchor="ctr" horzOverflow="overflow"/>
+                </a:tc>
+                <a:tc>
+                  <a:txBody>
+                    <a:bodyPr/>
+                    <a:lstStyle/>
+                    <a:p>
+                      <a:pPr marL="228600" indent="-228600" algn="l" defTabSz="2438338">
+                        <a:spcBef>
+                          <a:spcPts val="600"/>
+                        </a:spcBef>
+                        <a:buSzPct val="100000"/>
+                        <a:buChar char="•"/>
+                        <a:defRPr sz="3000">
+                          <a:solidFill>
+                            <a:srgbClr val="5E5E5E"/>
+                          </a:solidFill>
+                          <a:latin typeface="Avenir Next Regular"/>
+                          <a:ea typeface="Avenir Next Regular"/>
+                          <a:cs typeface="Avenir Next Regular"/>
+                          <a:sym typeface="Avenir Next Regular"/>
+                        </a:defRPr>
+                      </a:pPr>
+                      <a:r>
+                        <a:rPr lang="en-US" sz="1400" dirty="0"/>
+                        <a:t>No Class</a:t>
+                      </a:r>
+                      <a:endParaRPr sz="1400" dirty="0"/>
+                    </a:p>
+                  </a:txBody>
+                  <a:tcPr marL="23947" marR="23947" marT="23947" marB="23947" anchor="ctr" horzOverflow="overflow"/>
+                </a:tc>
+                <a:extLst>
+                  <a:ext uri="{0D108BD9-81ED-4DB2-BD59-A6C34878D82A}">
+                    <a16:rowId xmlns:a16="http://schemas.microsoft.com/office/drawing/2014/main" val="3006099311"/>
+                  </a:ext>
+                </a:extLst>
+              </a:tr>
+              <a:tr h="428734">
+                <a:tc>
+                  <a:txBody>
+                    <a:bodyPr/>
+                    <a:lstStyle/>
+                    <a:p>
+                      <a:pPr defTabSz="914400">
+                        <a:tabLst>
+                          <a:tab pos="1663700" algn="l"/>
+                        </a:tabLst>
+                        <a:defRPr b="0"/>
+                      </a:pPr>
+                      <a:r>
+                        <a:rPr sz="1500" b="1" dirty="0"/>
                         <a:t>April 2</a:t>
                       </a:r>
                       <a:r>
-                        <a:rPr lang="en-US" sz="1600" b="1" dirty="0"/>
-                        <a:t>2</a:t>
+                        <a:rPr lang="en-US" sz="1500" b="1" dirty="0"/>
+                        <a:t>3</a:t>
                       </a:r>
-                      <a:endParaRPr sz="1600" b="1" dirty="0"/>
+                      <a:endParaRPr sz="1500" b="1" dirty="0"/>
                     </a:p>
                   </a:txBody>
-                  <a:tcPr marL="25400" marR="25400" marT="25400" marB="25400" anchor="ctr" horzOverflow="overflow"/>
+                  <a:tcPr marL="23947" marR="23947" marT="23947" marB="23947" anchor="ctr" horzOverflow="overflow"/>
                 </a:tc>
                 <a:tc>
                   <a:txBody>
@@ -9745,12 +10360,12 @@
                         </a:defRPr>
                       </a:pPr>
                       <a:r>
-                        <a:rPr sz="1500"/>
+                        <a:rPr sz="1400"/>
                         <a:t>RNA-seq analysis </a:t>
                       </a:r>
                     </a:p>
                   </a:txBody>
-                  <a:tcPr marL="25400" marR="25400" marT="25400" marB="25400" anchor="ctr" horzOverflow="overflow"/>
+                  <a:tcPr marL="23947" marR="23947" marT="23947" marB="23947" anchor="ctr" horzOverflow="overflow"/>
                 </a:tc>
                 <a:extLst>
                   <a:ext uri="{0D108BD9-81ED-4DB2-BD59-A6C34878D82A}">
@@ -9758,7 +10373,7 @@
                   </a:ext>
                 </a:extLst>
               </a:tr>
-              <a:tr h="669668">
+              <a:tr h="598666">
                 <a:tc>
                   <a:txBody>
                     <a:bodyPr/>
@@ -9771,12 +10386,17 @@
                         <a:defRPr b="0"/>
                       </a:pPr>
                       <a:r>
-                        <a:rPr sz="1600" b="1"/>
-                        <a:t>April 24</a:t>
+                        <a:rPr sz="1500" b="1" dirty="0"/>
+                        <a:t>April 2</a:t>
                       </a:r>
+                      <a:r>
+                        <a:rPr lang="en-US" sz="1500" b="1" dirty="0"/>
+                        <a:t>5</a:t>
+                      </a:r>
+                      <a:endParaRPr sz="1500" b="1" dirty="0"/>
                     </a:p>
                   </a:txBody>
-                  <a:tcPr marL="25400" marR="25400" marT="25400" marB="25400" anchor="ctr" horzOverflow="overflow"/>
+                  <a:tcPr marL="23947" marR="23947" marT="23947" marB="23947" anchor="ctr" horzOverflow="overflow"/>
                 </a:tc>
                 <a:tc>
                   <a:txBody>
@@ -9800,7 +10420,7 @@
                         </a:defRPr>
                       </a:pPr>
                       <a:r>
-                        <a:rPr lang="en-US" sz="1500" dirty="0"/>
+                        <a:rPr lang="en-US" sz="1400" dirty="0"/>
                         <a:t>Contrasts</a:t>
                       </a:r>
                     </a:p>
@@ -9822,13 +10442,13 @@
                         </a:defRPr>
                       </a:pPr>
                       <a:r>
-                        <a:rPr lang="en-US" sz="1500" dirty="0"/>
+                        <a:rPr lang="en-US" sz="1400" dirty="0"/>
                         <a:t>Batch Effects</a:t>
                       </a:r>
-                      <a:endParaRPr sz="1500" dirty="0"/>
+                      <a:endParaRPr sz="1400" dirty="0"/>
                     </a:p>
                   </a:txBody>
-                  <a:tcPr marL="25400" marR="25400" marT="25400" marB="25400" anchor="ctr" horzOverflow="overflow"/>
+                  <a:tcPr marL="23947" marR="23947" marT="23947" marB="23947" anchor="ctr" horzOverflow="overflow"/>
                 </a:tc>
                 <a:extLst>
                   <a:ext uri="{0D108BD9-81ED-4DB2-BD59-A6C34878D82A}">
@@ -9836,7 +10456,7 @@
                   </a:ext>
                 </a:extLst>
               </a:tr>
-              <a:tr h="967400">
+              <a:tr h="1269172">
                 <a:tc>
                   <a:txBody>
                     <a:bodyPr/>
@@ -9849,12 +10469,17 @@
                         <a:defRPr b="0"/>
                       </a:pPr>
                       <a:r>
-                        <a:rPr sz="1600" b="1"/>
-                        <a:t>April 26</a:t>
+                        <a:rPr sz="1500" b="1" dirty="0"/>
+                        <a:t>April 2</a:t>
                       </a:r>
+                      <a:r>
+                        <a:rPr lang="en-US" sz="1500" b="1" dirty="0"/>
+                        <a:t>8</a:t>
+                      </a:r>
+                      <a:endParaRPr sz="1500" b="1" dirty="0"/>
                     </a:p>
                   </a:txBody>
-                  <a:tcPr marL="25400" marR="25400" marT="25400" marB="25400" anchor="ctr" horzOverflow="overflow"/>
+                  <a:tcPr marL="23947" marR="23947" marT="23947" marB="23947" anchor="ctr" horzOverflow="overflow"/>
                 </a:tc>
                 <a:tc>
                   <a:txBody>
@@ -9878,10 +10503,10 @@
                         </a:defRPr>
                       </a:pPr>
                       <a:r>
-                        <a:rPr lang="en-US" sz="1500"/>
+                        <a:rPr lang="en-US" sz="1400" dirty="0"/>
                         <a:t>Visualizations</a:t>
                       </a:r>
-                      <a:endParaRPr sz="1500" dirty="0"/>
+                      <a:endParaRPr sz="1400" dirty="0"/>
                     </a:p>
                     <a:p>
                       <a:pPr marL="228600" indent="-228600" algn="l" defTabSz="2438338">
@@ -9901,7 +10526,7 @@
                         </a:defRPr>
                       </a:pPr>
                       <a:r>
-                        <a:rPr lang="en-US" sz="1500"/>
+                        <a:rPr lang="en-US" sz="1400" dirty="0"/>
                         <a:t>GO Analysis</a:t>
                       </a:r>
                     </a:p>
@@ -9922,10 +10547,32 @@
                           <a:sym typeface="Avenir Next Regular"/>
                         </a:defRPr>
                       </a:pPr>
-                      <a:endParaRPr sz="1500" dirty="0"/>
+                      <a:r>
+                        <a:rPr lang="en-US" sz="1400" dirty="0"/>
+                        <a:t>Extra help</a:t>
+                      </a:r>
+                    </a:p>
+                    <a:p>
+                      <a:pPr marL="228600" indent="-228600" algn="l" defTabSz="2438338">
+                        <a:spcBef>
+                          <a:spcPts val="1000"/>
+                        </a:spcBef>
+                        <a:buSzPct val="100000"/>
+                        <a:buChar char="•"/>
+                        <a:defRPr sz="3000">
+                          <a:solidFill>
+                            <a:srgbClr val="5E5E5E"/>
+                          </a:solidFill>
+                          <a:latin typeface="Avenir Next Regular"/>
+                          <a:ea typeface="Avenir Next Regular"/>
+                          <a:cs typeface="Avenir Next Regular"/>
+                          <a:sym typeface="Avenir Next Regular"/>
+                        </a:defRPr>
+                      </a:pPr>
+                      <a:endParaRPr sz="1400" dirty="0"/>
                     </a:p>
                   </a:txBody>
-                  <a:tcPr marL="25400" marR="25400" marT="25400" marB="25400" anchor="ctr" horzOverflow="overflow"/>
+                  <a:tcPr marL="23947" marR="23947" marT="23947" marB="23947" anchor="ctr" horzOverflow="overflow"/>
                 </a:tc>
                 <a:extLst>
                   <a:ext uri="{0D108BD9-81ED-4DB2-BD59-A6C34878D82A}">
@@ -9981,7 +10628,7 @@
           </a:ln>
           <a:extLst>
             <a:ext uri="{C572A759-6A51-4108-AA02-DFA0A04FC94B}">
-              <ma14:wrappingTextBoxFlag xmlns:ma14="http://schemas.microsoft.com/office/mac/drawingml/2011/main" xmlns:a14="http://schemas.microsoft.com/office/drawing/2010/main" xmlns:m="http://schemas.openxmlformats.org/officeDocument/2006/math" xmlns="" val="1"/>
+              <ma14:wrappingTextBoxFlag xmlns="" xmlns:m="http://schemas.openxmlformats.org/officeDocument/2006/math" xmlns:a14="http://schemas.microsoft.com/office/drawing/2010/main" xmlns:ma14="http://schemas.microsoft.com/office/mac/drawingml/2011/main" val="1"/>
             </a:ext>
           </a:extLst>
         </p:spPr>
@@ -10031,7 +10678,7 @@
           </a:ln>
           <a:extLst>
             <a:ext uri="{C572A759-6A51-4108-AA02-DFA0A04FC94B}">
-              <ma14:wrappingTextBoxFlag xmlns:ma14="http://schemas.microsoft.com/office/mac/drawingml/2011/main" xmlns:a14="http://schemas.microsoft.com/office/drawing/2010/main" xmlns:m="http://schemas.openxmlformats.org/officeDocument/2006/math" xmlns="" val="1"/>
+              <ma14:wrappingTextBoxFlag xmlns="" xmlns:m="http://schemas.openxmlformats.org/officeDocument/2006/math" xmlns:a14="http://schemas.microsoft.com/office/drawing/2010/main" xmlns:ma14="http://schemas.microsoft.com/office/mac/drawingml/2011/main" val="1"/>
             </a:ext>
           </a:extLst>
         </p:spPr>
@@ -10182,6 +10829,75 @@
           </a:ln>
         </p:spPr>
       </p:pic>
+      <p:sp>
+        <p:nvSpPr>
+          <p:cNvPr id="2" name="TextBox 1">
+            <a:extLst>
+              <a:ext uri="{FF2B5EF4-FFF2-40B4-BE49-F238E27FC236}">
+                <a16:creationId xmlns:a16="http://schemas.microsoft.com/office/drawing/2014/main" id="{C71998D7-ADD3-CCFB-350C-21BB2B3AE36A}"/>
+              </a:ext>
+            </a:extLst>
+          </p:cNvPr>
+          <p:cNvSpPr txBox="1"/>
+          <p:nvPr/>
+        </p:nvSpPr>
+        <p:spPr>
+          <a:xfrm>
+            <a:off x="854927" y="3010829"/>
+            <a:ext cx="4051610" cy="1200329"/>
+          </a:xfrm>
+          <a:prstGeom prst="rect">
+            <a:avLst/>
+          </a:prstGeom>
+          <a:noFill/>
+        </p:spPr>
+        <p:txBody>
+          <a:bodyPr wrap="square" rtlCol="0">
+            <a:spAutoFit/>
+          </a:bodyPr>
+          <a:lstStyle/>
+          <a:p>
+            <a:pPr marL="285750" indent="-285750">
+              <a:buFont typeface="Arial" panose="020B0604020202020204" pitchFamily="34" charset="0"/>
+              <a:buChar char="•"/>
+            </a:pPr>
+            <a:r>
+              <a:rPr lang="en-US" dirty="0"/>
+              <a:t>Use R 4.3.1</a:t>
+            </a:r>
+          </a:p>
+          <a:p>
+            <a:pPr marL="285750" indent="-285750">
+              <a:buFont typeface="Arial" panose="020B0604020202020204" pitchFamily="34" charset="0"/>
+              <a:buChar char="•"/>
+            </a:pPr>
+            <a:r>
+              <a:rPr lang="en-US" dirty="0"/>
+              <a:t>No additional arguments</a:t>
+            </a:r>
+          </a:p>
+          <a:p>
+            <a:pPr marL="285750" indent="-285750">
+              <a:buFont typeface="Arial" panose="020B0604020202020204" pitchFamily="34" charset="0"/>
+              <a:buChar char="•"/>
+            </a:pPr>
+            <a:r>
+              <a:rPr lang="en-US" dirty="0"/>
+              <a:t>Number of hour 2</a:t>
+            </a:r>
+          </a:p>
+          <a:p>
+            <a:pPr marL="285750" indent="-285750">
+              <a:buFont typeface="Arial" panose="020B0604020202020204" pitchFamily="34" charset="0"/>
+              <a:buChar char="•"/>
+            </a:pPr>
+            <a:r>
+              <a:rPr lang="en-US" dirty="0"/>
+              <a:t>Number of CPUS 1</a:t>
+            </a:r>
+          </a:p>
+        </p:txBody>
+      </p:sp>
     </p:spTree>
   </p:cSld>
   <p:clrMapOvr>
@@ -10226,7 +10942,7 @@
           </a:ln>
           <a:extLst>
             <a:ext uri="{C572A759-6A51-4108-AA02-DFA0A04FC94B}">
-              <ma14:wrappingTextBoxFlag xmlns:ma14="http://schemas.microsoft.com/office/mac/drawingml/2011/main" xmlns:a14="http://schemas.microsoft.com/office/drawing/2010/main" xmlns:m="http://schemas.openxmlformats.org/officeDocument/2006/math" xmlns="" val="1"/>
+              <ma14:wrappingTextBoxFlag xmlns="" xmlns:m="http://schemas.openxmlformats.org/officeDocument/2006/math" xmlns:a14="http://schemas.microsoft.com/office/drawing/2010/main" xmlns:ma14="http://schemas.microsoft.com/office/mac/drawingml/2011/main" val="1"/>
             </a:ext>
           </a:extLst>
         </p:spPr>
@@ -10271,7 +10987,7 @@
           </a:ln>
           <a:extLst>
             <a:ext uri="{C572A759-6A51-4108-AA02-DFA0A04FC94B}">
-              <ma14:wrappingTextBoxFlag xmlns:ma14="http://schemas.microsoft.com/office/mac/drawingml/2011/main" xmlns:a14="http://schemas.microsoft.com/office/drawing/2010/main" xmlns:m="http://schemas.openxmlformats.org/officeDocument/2006/math" xmlns="" val="1"/>
+              <ma14:wrappingTextBoxFlag xmlns="" xmlns:m="http://schemas.openxmlformats.org/officeDocument/2006/math" xmlns:a14="http://schemas.microsoft.com/office/drawing/2010/main" xmlns:ma14="http://schemas.microsoft.com/office/mac/drawingml/2011/main" val="1"/>
             </a:ext>
           </a:extLst>
         </p:spPr>
@@ -10401,57 +11117,6 @@
               <a:t>Github</a:t>
             </a:r>
             <a:endParaRPr lang="en-US" sz="3200" dirty="0"/>
-          </a:p>
-        </p:txBody>
-      </p:sp>
-      <p:sp>
-        <p:nvSpPr>
-          <p:cNvPr id="4" name="TextBox 3">
-            <a:extLst>
-              <a:ext uri="{FF2B5EF4-FFF2-40B4-BE49-F238E27FC236}">
-                <a16:creationId xmlns:a16="http://schemas.microsoft.com/office/drawing/2014/main" id="{830F99D2-CA6F-297C-6863-14AD525EF064}"/>
-              </a:ext>
-            </a:extLst>
-          </p:cNvPr>
-          <p:cNvSpPr txBox="1"/>
-          <p:nvPr/>
-        </p:nvSpPr>
-        <p:spPr>
-          <a:xfrm>
-            <a:off x="1364528" y="2932100"/>
-            <a:ext cx="6099716" cy="369332"/>
-          </a:xfrm>
-          <a:prstGeom prst="rect">
-            <a:avLst/>
-          </a:prstGeom>
-          <a:noFill/>
-        </p:spPr>
-        <p:txBody>
-          <a:bodyPr wrap="square">
-            <a:spAutoFit/>
-          </a:bodyPr>
-          <a:lstStyle/>
-          <a:p>
-            <a:r>
-              <a:rPr lang="en-US" dirty="0"/>
-              <a:t>https://</a:t>
-            </a:r>
-            <a:r>
-              <a:rPr lang="en-US" dirty="0" err="1"/>
-              <a:t>github.com</a:t>
-            </a:r>
-            <a:r>
-              <a:rPr lang="en-US" dirty="0"/>
-              <a:t>/</a:t>
-            </a:r>
-            <a:r>
-              <a:rPr lang="en-US" dirty="0" err="1"/>
-              <a:t>jraab</a:t>
-            </a:r>
-            <a:r>
-              <a:rPr lang="en-US" dirty="0"/>
-              <a:t>/GNET749_RNAseq</a:t>
-            </a:r>
           </a:p>
         </p:txBody>
       </p:sp>
@@ -10499,7 +11164,7 @@
           </a:ln>
           <a:extLst>
             <a:ext uri="{C572A759-6A51-4108-AA02-DFA0A04FC94B}">
-              <ma14:wrappingTextBoxFlag xmlns:ma14="http://schemas.microsoft.com/office/mac/drawingml/2011/main" xmlns:a14="http://schemas.microsoft.com/office/drawing/2010/main" xmlns:m="http://schemas.openxmlformats.org/officeDocument/2006/math" xmlns="" val="1"/>
+              <ma14:wrappingTextBoxFlag xmlns="" xmlns:m="http://schemas.openxmlformats.org/officeDocument/2006/math" xmlns:a14="http://schemas.microsoft.com/office/drawing/2010/main" xmlns:ma14="http://schemas.microsoft.com/office/mac/drawingml/2011/main" val="1"/>
             </a:ext>
           </a:extLst>
         </p:spPr>
@@ -10539,7 +11204,7 @@
           </a:ln>
           <a:extLst>
             <a:ext uri="{C572A759-6A51-4108-AA02-DFA0A04FC94B}">
-              <ma14:wrappingTextBoxFlag xmlns:ma14="http://schemas.microsoft.com/office/mac/drawingml/2011/main" xmlns:a14="http://schemas.microsoft.com/office/drawing/2010/main" xmlns:m="http://schemas.openxmlformats.org/officeDocument/2006/math" xmlns="" val="1"/>
+              <ma14:wrappingTextBoxFlag xmlns="" xmlns:m="http://schemas.openxmlformats.org/officeDocument/2006/math" xmlns:a14="http://schemas.microsoft.com/office/drawing/2010/main" xmlns:ma14="http://schemas.microsoft.com/office/mac/drawingml/2011/main" val="1"/>
             </a:ext>
           </a:extLst>
         </p:spPr>
@@ -10619,7 +11284,7 @@
         </p:nvSpPr>
         <p:spPr>
           <a:xfrm>
-            <a:off x="8030386" y="6161965"/>
+            <a:off x="8692025" y="6023748"/>
             <a:ext cx="3364383" cy="266740"/>
           </a:xfrm>
           <a:prstGeom prst="rect">
@@ -10630,7 +11295,7 @@
           </a:ln>
           <a:extLst>
             <a:ext uri="{C572A759-6A51-4108-AA02-DFA0A04FC94B}">
-              <ma14:wrappingTextBoxFlag xmlns:ma14="http://schemas.microsoft.com/office/mac/drawingml/2011/main" xmlns:a14="http://schemas.microsoft.com/office/drawing/2010/main" xmlns:m="http://schemas.openxmlformats.org/officeDocument/2006/math" xmlns="" val="1"/>
+              <ma14:wrappingTextBoxFlag xmlns="" xmlns:m="http://schemas.openxmlformats.org/officeDocument/2006/math" xmlns:a14="http://schemas.microsoft.com/office/drawing/2010/main" xmlns:ma14="http://schemas.microsoft.com/office/mac/drawingml/2011/main" val="1"/>
             </a:ext>
           </a:extLst>
         </p:spPr>
@@ -10641,9 +11306,22 @@
           <a:lstStyle/>
           <a:p>
             <a:r>
-              <a:rPr sz="1400"/>
-              <a:t>https://happygitwithr.com/big-picture.html</a:t>
-            </a:r>
+              <a:rPr sz="1400" dirty="0"/>
+              <a:t>https://</a:t>
+            </a:r>
+            <a:r>
+              <a:rPr sz="1400" dirty="0" err="1"/>
+              <a:t>happygitwithr.com</a:t>
+            </a:r>
+            <a:r>
+              <a:rPr sz="1400" dirty="0"/>
+              <a:t>/big-</a:t>
+            </a:r>
+            <a:r>
+              <a:rPr sz="1400" dirty="0" err="1"/>
+              <a:t>picture.html</a:t>
+            </a:r>
+            <a:endParaRPr sz="1400" dirty="0"/>
           </a:p>
         </p:txBody>
       </p:sp>
@@ -10656,7 +11334,7 @@
         <p:spPr>
           <a:xfrm>
             <a:off x="7989619" y="5890378"/>
-            <a:ext cx="3469283" cy="266740"/>
+            <a:ext cx="51361" cy="266740"/>
           </a:xfrm>
           <a:prstGeom prst="rect">
             <a:avLst/>
@@ -10666,7 +11344,7 @@
           </a:ln>
           <a:extLst>
             <a:ext uri="{C572A759-6A51-4108-AA02-DFA0A04FC94B}">
-              <ma14:wrappingTextBoxFlag xmlns:ma14="http://schemas.microsoft.com/office/mac/drawingml/2011/main" xmlns:a14="http://schemas.microsoft.com/office/drawing/2010/main" xmlns:m="http://schemas.openxmlformats.org/officeDocument/2006/math" xmlns="" val="1"/>
+              <ma14:wrappingTextBoxFlag xmlns="" xmlns:m="http://schemas.openxmlformats.org/officeDocument/2006/math" xmlns:a14="http://schemas.microsoft.com/office/drawing/2010/main" xmlns:ma14="http://schemas.microsoft.com/office/mac/drawingml/2011/main" val="1"/>
             </a:ext>
           </a:extLst>
         </p:spPr>
@@ -10676,10 +11354,103 @@
           </a:bodyPr>
           <a:lstStyle/>
           <a:p>
-            <a:r>
-              <a:rPr sz="1400"/>
-              <a:t>https://vallandingham.me/git-workflow.html</a:t>
-            </a:r>
+            <a:endParaRPr sz="1400" dirty="0"/>
+          </a:p>
+        </p:txBody>
+      </p:sp>
+      <p:sp>
+        <p:nvSpPr>
+          <p:cNvPr id="2" name="TextBox 1">
+            <a:extLst>
+              <a:ext uri="{FF2B5EF4-FFF2-40B4-BE49-F238E27FC236}">
+                <a16:creationId xmlns:a16="http://schemas.microsoft.com/office/drawing/2014/main" id="{1A9D3BDA-9C06-39FC-63C2-139A1DCEAB25}"/>
+              </a:ext>
+            </a:extLst>
+          </p:cNvPr>
+          <p:cNvSpPr txBox="1"/>
+          <p:nvPr/>
+        </p:nvSpPr>
+        <p:spPr>
+          <a:xfrm>
+            <a:off x="6096000" y="5654416"/>
+            <a:ext cx="6057684" cy="369332"/>
+          </a:xfrm>
+          <a:prstGeom prst="rect">
+            <a:avLst/>
+          </a:prstGeom>
+          <a:noFill/>
+        </p:spPr>
+        <p:txBody>
+          <a:bodyPr wrap="none" rtlCol="0">
+            <a:spAutoFit/>
+          </a:bodyPr>
+          <a:lstStyle/>
+          <a:p>
+            <a:r>
+              <a:rPr lang="en-US" dirty="0"/>
+              <a:t>https://</a:t>
+            </a:r>
+            <a:r>
+              <a:rPr lang="en-US" dirty="0" err="1"/>
+              <a:t>marklodato.github.io</a:t>
+            </a:r>
+            <a:r>
+              <a:rPr lang="en-US" dirty="0"/>
+              <a:t>/visual-git-guide/index-</a:t>
+            </a:r>
+            <a:r>
+              <a:rPr lang="en-US" dirty="0" err="1"/>
+              <a:t>en.html</a:t>
+            </a:r>
+            <a:endParaRPr lang="en-US" dirty="0"/>
+          </a:p>
+        </p:txBody>
+      </p:sp>
+      <p:sp>
+        <p:nvSpPr>
+          <p:cNvPr id="4" name="TextBox 3">
+            <a:extLst>
+              <a:ext uri="{FF2B5EF4-FFF2-40B4-BE49-F238E27FC236}">
+                <a16:creationId xmlns:a16="http://schemas.microsoft.com/office/drawing/2014/main" id="{F2C0D951-EA69-02E6-86D3-6CF43A5C4A78}"/>
+              </a:ext>
+            </a:extLst>
+          </p:cNvPr>
+          <p:cNvSpPr txBox="1"/>
+          <p:nvPr/>
+        </p:nvSpPr>
+        <p:spPr>
+          <a:xfrm>
+            <a:off x="6408234" y="5336380"/>
+            <a:ext cx="6096000" cy="369332"/>
+          </a:xfrm>
+          <a:prstGeom prst="rect">
+            <a:avLst/>
+          </a:prstGeom>
+          <a:noFill/>
+        </p:spPr>
+        <p:txBody>
+          <a:bodyPr wrap="square">
+            <a:spAutoFit/>
+          </a:bodyPr>
+          <a:lstStyle/>
+          <a:p>
+            <a:r>
+              <a:rPr lang="en-US" dirty="0"/>
+              <a:t>https://think-like-a-</a:t>
+            </a:r>
+            <a:r>
+              <a:rPr lang="en-US" dirty="0" err="1"/>
+              <a:t>git.net</a:t>
+            </a:r>
+            <a:r>
+              <a:rPr lang="en-US" dirty="0"/>
+              <a:t>/sections/about-this-</a:t>
+            </a:r>
+            <a:r>
+              <a:rPr lang="en-US" dirty="0" err="1"/>
+              <a:t>site.html</a:t>
+            </a:r>
+            <a:endParaRPr lang="en-US" dirty="0"/>
           </a:p>
         </p:txBody>
       </p:sp>
@@ -10710,14 +11481,14 @@
       </p:grpSpPr>
       <p:sp>
         <p:nvSpPr>
-          <p:cNvPr id="179" name="https://github.com/jraab/GNET749_RNAseq"/>
+          <p:cNvPr id="191" name="Getting code from this class"/>
           <p:cNvSpPr txBox="1"/>
           <p:nvPr/>
         </p:nvSpPr>
         <p:spPr>
           <a:xfrm>
-            <a:off x="158364" y="282372"/>
-            <a:ext cx="3918509" cy="297517"/>
+            <a:off x="4042936" y="290789"/>
+            <a:ext cx="4379276" cy="482183"/>
           </a:xfrm>
           <a:prstGeom prst="rect">
             <a:avLst/>
@@ -10727,59 +11498,7 @@
           </a:ln>
           <a:extLst>
             <a:ext uri="{C572A759-6A51-4108-AA02-DFA0A04FC94B}">
-              <ma14:wrappingTextBoxFlag xmlns:ma14="http://schemas.microsoft.com/office/mac/drawingml/2011/main" xmlns:a14="http://schemas.microsoft.com/office/drawing/2010/main" xmlns:m="http://schemas.openxmlformats.org/officeDocument/2006/math" xmlns="" val="1"/>
-            </a:ext>
-          </a:extLst>
-        </p:spPr>
-        <p:txBody>
-          <a:bodyPr wrap="none" lIns="25400" tIns="25400" rIns="25400" bIns="25400" anchor="ctr">
-            <a:spAutoFit/>
-          </a:bodyPr>
-          <a:lstStyle/>
-          <a:p>
-            <a:r>
-              <a:rPr sz="1600" dirty="0"/>
-              <a:t>https://</a:t>
-            </a:r>
-            <a:r>
-              <a:rPr sz="1600" dirty="0" err="1"/>
-              <a:t>github.com</a:t>
-            </a:r>
-            <a:r>
-              <a:rPr sz="1600" dirty="0"/>
-              <a:t>/</a:t>
-            </a:r>
-            <a:r>
-              <a:rPr sz="1600" dirty="0" err="1"/>
-              <a:t>jraab</a:t>
-            </a:r>
-            <a:r>
-              <a:rPr sz="1600" dirty="0"/>
-              <a:t>/GNET749_RNAseq</a:t>
-            </a:r>
-          </a:p>
-        </p:txBody>
-      </p:sp>
-      <p:sp>
-        <p:nvSpPr>
-          <p:cNvPr id="180" name="Getting code from this class"/>
-          <p:cNvSpPr txBox="1"/>
-          <p:nvPr/>
-        </p:nvSpPr>
-        <p:spPr>
-          <a:xfrm>
-            <a:off x="4472559" y="207197"/>
-            <a:ext cx="3144772" cy="359073"/>
-          </a:xfrm>
-          <a:prstGeom prst="rect">
-            <a:avLst/>
-          </a:prstGeom>
-          <a:ln w="12700">
-            <a:miter lim="400000"/>
-          </a:ln>
-          <a:extLst>
-            <a:ext uri="{C572A759-6A51-4108-AA02-DFA0A04FC94B}">
-              <ma14:wrappingTextBoxFlag xmlns:ma14="http://schemas.microsoft.com/office/mac/drawingml/2011/main" xmlns:a14="http://schemas.microsoft.com/office/drawing/2010/main" xmlns:m="http://schemas.openxmlformats.org/officeDocument/2006/math" xmlns="" val="1"/>
+              <ma14:wrappingTextBoxFlag xmlns="" xmlns:m="http://schemas.openxmlformats.org/officeDocument/2006/math" xmlns:a14="http://schemas.microsoft.com/office/drawing/2010/main" xmlns:ma14="http://schemas.microsoft.com/office/mac/drawingml/2011/main" val="1"/>
             </a:ext>
           </a:extLst>
         </p:spPr>
@@ -10794,15 +11513,55 @@
           </a:lstStyle>
           <a:p>
             <a:r>
-              <a:rPr sz="2000"/>
+              <a:rPr sz="2800" dirty="0"/>
               <a:t>Getting code from this class</a:t>
+            </a:r>
+          </a:p>
+        </p:txBody>
+      </p:sp>
+      <p:sp>
+        <p:nvSpPr>
+          <p:cNvPr id="192" name="On your computer"/>
+          <p:cNvSpPr txBox="1"/>
+          <p:nvPr/>
+        </p:nvSpPr>
+        <p:spPr>
+          <a:xfrm>
+            <a:off x="5179168" y="1057606"/>
+            <a:ext cx="1939442" cy="328295"/>
+          </a:xfrm>
+          <a:prstGeom prst="rect">
+            <a:avLst/>
+          </a:prstGeom>
+          <a:ln w="12700">
+            <a:miter lim="400000"/>
+          </a:ln>
+          <a:extLst>
+            <a:ext uri="{C572A759-6A51-4108-AA02-DFA0A04FC94B}">
+              <ma14:wrappingTextBoxFlag xmlns="" xmlns:m="http://schemas.openxmlformats.org/officeDocument/2006/math" xmlns:a14="http://schemas.microsoft.com/office/drawing/2010/main" xmlns:ma14="http://schemas.microsoft.com/office/mac/drawingml/2011/main" val="1"/>
+            </a:ext>
+          </a:extLst>
+        </p:spPr>
+        <p:txBody>
+          <a:bodyPr wrap="none" lIns="25400" tIns="25400" rIns="25400" bIns="25400" anchor="ctr">
+            <a:spAutoFit/>
+          </a:bodyPr>
+          <a:lstStyle>
+            <a:lvl1pPr>
+              <a:defRPr sz="3000" b="1"/>
+            </a:lvl1pPr>
+          </a:lstStyle>
+          <a:p>
+            <a:r>
+              <a:rPr sz="1800" dirty="0"/>
+              <a:t>On your computer</a:t>
             </a:r>
           </a:p>
         </p:txBody>
       </p:sp>
       <p:pic>
         <p:nvPicPr>
-          <p:cNvPr id="181" name="Image" descr="Image"/>
+          <p:cNvPr id="193" name="Image" descr="Image"/>
           <p:cNvPicPr>
             <a:picLocks noChangeAspect="1"/>
           </p:cNvPicPr>
@@ -10816,8 +11575,8 @@
         </p:blipFill>
         <p:spPr>
           <a:xfrm>
-            <a:off x="3534930" y="752719"/>
-            <a:ext cx="7311994" cy="5822909"/>
+            <a:off x="2616485" y="1550048"/>
+            <a:ext cx="7665117" cy="5078040"/>
           </a:xfrm>
           <a:prstGeom prst="rect">
             <a:avLst/>
@@ -10829,31 +11588,82 @@
       </p:pic>
       <p:sp>
         <p:nvSpPr>
-          <p:cNvPr id="182" name="Line"/>
-          <p:cNvSpPr/>
-          <p:nvPr/>
-        </p:nvSpPr>
-        <p:spPr>
-          <a:xfrm flipH="1">
-            <a:off x="7758559" y="2302781"/>
-            <a:ext cx="2400954" cy="318734"/>
-          </a:xfrm>
-          <a:prstGeom prst="line">
-            <a:avLst/>
-          </a:prstGeom>
-          <a:ln w="114300">
-            <a:solidFill>
-              <a:srgbClr val="000000"/>
-            </a:solidFill>
+          <p:cNvPr id="194" name="desktop.github.com"/>
+          <p:cNvSpPr txBox="1"/>
+          <p:nvPr/>
+        </p:nvSpPr>
+        <p:spPr>
+          <a:xfrm>
+            <a:off x="422073" y="1221753"/>
+            <a:ext cx="3620863" cy="328295"/>
+          </a:xfrm>
+          <a:prstGeom prst="rect">
+            <a:avLst/>
+          </a:prstGeom>
+          <a:ln w="12700">
             <a:miter lim="400000"/>
-            <a:tailEnd type="triangle"/>
           </a:ln>
-        </p:spPr>
-        <p:txBody>
-          <a:bodyPr lIns="25400" tIns="25400" rIns="25400" bIns="25400" anchor="ctr"/>
+          <a:extLst>
+            <a:ext uri="{C572A759-6A51-4108-AA02-DFA0A04FC94B}">
+              <ma14:wrappingTextBoxFlag xmlns="" xmlns:m="http://schemas.openxmlformats.org/officeDocument/2006/math" xmlns:a14="http://schemas.microsoft.com/office/drawing/2010/main" xmlns:ma14="http://schemas.microsoft.com/office/mac/drawingml/2011/main" val="1"/>
+            </a:ext>
+          </a:extLst>
+        </p:spPr>
+        <p:txBody>
+          <a:bodyPr wrap="square" lIns="25400" tIns="25400" rIns="25400" bIns="25400" anchor="ctr">
+            <a:spAutoFit/>
+          </a:bodyPr>
+          <a:lstStyle>
+            <a:lvl1pPr>
+              <a:defRPr u="sng">
+                <a:hlinkClick r:id="" action="ppaction://noaction"/>
+              </a:defRPr>
+            </a:lvl1pPr>
+          </a:lstStyle>
+          <a:p>
+            <a:pPr>
+              <a:defRPr u="none"/>
+            </a:pPr>
+            <a:r>
+              <a:rPr dirty="0" err="1"/>
+              <a:t>desktop.github.com</a:t>
+            </a:r>
+            <a:endParaRPr dirty="0"/>
+          </a:p>
+        </p:txBody>
+      </p:sp>
+      <p:sp>
+        <p:nvSpPr>
+          <p:cNvPr id="2" name="TextBox 1">
+            <a:extLst>
+              <a:ext uri="{FF2B5EF4-FFF2-40B4-BE49-F238E27FC236}">
+                <a16:creationId xmlns:a16="http://schemas.microsoft.com/office/drawing/2014/main" id="{C474D402-369E-C4C1-5B3F-242EF87D50A5}"/>
+              </a:ext>
+            </a:extLst>
+          </p:cNvPr>
+          <p:cNvSpPr txBox="1"/>
+          <p:nvPr/>
+        </p:nvSpPr>
+        <p:spPr>
+          <a:xfrm>
+            <a:off x="289932" y="852421"/>
+            <a:ext cx="3400418" cy="369332"/>
+          </a:xfrm>
+          <a:prstGeom prst="rect">
+            <a:avLst/>
+          </a:prstGeom>
+          <a:noFill/>
+        </p:spPr>
+        <p:txBody>
+          <a:bodyPr wrap="none" rtlCol="0">
+            <a:spAutoFit/>
+          </a:bodyPr>
           <a:lstStyle/>
           <a:p>
-            <a:endParaRPr sz="900"/>
+            <a:r>
+              <a:rPr lang="en-US" dirty="0"/>
+              <a:t>If working on your own computer</a:t>
+            </a:r>
           </a:p>
         </p:txBody>
       </p:sp>
